--- a/FinalProject/FinalProject-Dittenhafer-USBirthsAnalysis.pptx
+++ b/FinalProject/FinalProject-Dittenhafer-USBirthsAnalysis.pptx
@@ -4,20 +4,24 @@
   <p:sldMasterIdLst>
     <p:sldMasterId id="2147483660" r:id="rId1"/>
   </p:sldMasterIdLst>
+  <p:notesMasterIdLst>
+    <p:notesMasterId r:id="rId16"/>
+  </p:notesMasterIdLst>
   <p:sldIdLst>
     <p:sldId id="256" r:id="rId2"/>
     <p:sldId id="257" r:id="rId3"/>
     <p:sldId id="258" r:id="rId4"/>
     <p:sldId id="259" r:id="rId5"/>
-    <p:sldId id="260" r:id="rId6"/>
-    <p:sldId id="261" r:id="rId7"/>
-    <p:sldId id="269" r:id="rId8"/>
-    <p:sldId id="262" r:id="rId9"/>
-    <p:sldId id="264" r:id="rId10"/>
-    <p:sldId id="263" r:id="rId11"/>
-    <p:sldId id="267" r:id="rId12"/>
-    <p:sldId id="268" r:id="rId13"/>
-    <p:sldId id="266" r:id="rId14"/>
+    <p:sldId id="270" r:id="rId6"/>
+    <p:sldId id="260" r:id="rId7"/>
+    <p:sldId id="261" r:id="rId8"/>
+    <p:sldId id="269" r:id="rId9"/>
+    <p:sldId id="262" r:id="rId10"/>
+    <p:sldId id="264" r:id="rId11"/>
+    <p:sldId id="263" r:id="rId12"/>
+    <p:sldId id="267" r:id="rId13"/>
+    <p:sldId id="268" r:id="rId14"/>
+    <p:sldId id="266" r:id="rId15"/>
   </p:sldIdLst>
   <p:sldSz cx="9144000" cy="6858000" type="screen4x3"/>
   <p:notesSz cx="6858000" cy="9144000"/>
@@ -124,6 +128,524 @@
 </p:presentation>
 </file>
 
+<file path=ppt/notesMasters/notesMaster1.xml><?xml version="1.0" encoding="utf-8"?>
+<p:notesMaster xmlns:a="http://schemas.openxmlformats.org/drawingml/2006/main" xmlns:r="http://schemas.openxmlformats.org/officeDocument/2006/relationships" xmlns:p="http://schemas.openxmlformats.org/presentationml/2006/main">
+  <p:cSld>
+    <p:bg>
+      <p:bgRef idx="1001">
+        <a:schemeClr val="bg1"/>
+      </p:bgRef>
+    </p:bg>
+    <p:spTree>
+      <p:nvGrpSpPr>
+        <p:cNvPr id="1" name=""/>
+        <p:cNvGrpSpPr/>
+        <p:nvPr/>
+      </p:nvGrpSpPr>
+      <p:grpSpPr>
+        <a:xfrm>
+          <a:off x="0" y="0"/>
+          <a:ext cx="0" cy="0"/>
+          <a:chOff x="0" y="0"/>
+          <a:chExt cx="0" cy="0"/>
+        </a:xfrm>
+      </p:grpSpPr>
+      <p:sp>
+        <p:nvSpPr>
+          <p:cNvPr id="2" name="Header Placeholder 1"/>
+          <p:cNvSpPr>
+            <a:spLocks noGrp="1"/>
+          </p:cNvSpPr>
+          <p:nvPr>
+            <p:ph type="hdr" sz="quarter"/>
+          </p:nvPr>
+        </p:nvSpPr>
+        <p:spPr>
+          <a:xfrm>
+            <a:off x="0" y="0"/>
+            <a:ext cx="2971800" cy="458788"/>
+          </a:xfrm>
+          <a:prstGeom prst="rect">
+            <a:avLst/>
+          </a:prstGeom>
+        </p:spPr>
+        <p:txBody>
+          <a:bodyPr vert="horz" lIns="91440" tIns="45720" rIns="91440" bIns="45720" rtlCol="0"/>
+          <a:lstStyle>
+            <a:lvl1pPr algn="l">
+              <a:defRPr sz="1200"/>
+            </a:lvl1pPr>
+          </a:lstStyle>
+          <a:p>
+            <a:endParaRPr lang="en-US"/>
+          </a:p>
+        </p:txBody>
+      </p:sp>
+      <p:sp>
+        <p:nvSpPr>
+          <p:cNvPr id="3" name="Date Placeholder 2"/>
+          <p:cNvSpPr>
+            <a:spLocks noGrp="1"/>
+          </p:cNvSpPr>
+          <p:nvPr>
+            <p:ph type="dt" idx="1"/>
+          </p:nvPr>
+        </p:nvSpPr>
+        <p:spPr>
+          <a:xfrm>
+            <a:off x="3884613" y="0"/>
+            <a:ext cx="2971800" cy="458788"/>
+          </a:xfrm>
+          <a:prstGeom prst="rect">
+            <a:avLst/>
+          </a:prstGeom>
+        </p:spPr>
+        <p:txBody>
+          <a:bodyPr vert="horz" lIns="91440" tIns="45720" rIns="91440" bIns="45720" rtlCol="0"/>
+          <a:lstStyle>
+            <a:lvl1pPr algn="r">
+              <a:defRPr sz="1200"/>
+            </a:lvl1pPr>
+          </a:lstStyle>
+          <a:p>
+            <a:fld id="{2C90C681-8E9A-4D75-9C06-D71E0BA70CEF}" type="datetimeFigureOut">
+              <a:rPr lang="en-US" smtClean="0"/>
+              <a:t>12/8/2014</a:t>
+            </a:fld>
+            <a:endParaRPr lang="en-US"/>
+          </a:p>
+        </p:txBody>
+      </p:sp>
+      <p:sp>
+        <p:nvSpPr>
+          <p:cNvPr id="4" name="Slide Image Placeholder 3"/>
+          <p:cNvSpPr>
+            <a:spLocks noGrp="1" noRot="1" noChangeAspect="1"/>
+          </p:cNvSpPr>
+          <p:nvPr>
+            <p:ph type="sldImg" idx="2"/>
+          </p:nvPr>
+        </p:nvSpPr>
+        <p:spPr>
+          <a:xfrm>
+            <a:off x="1371600" y="1143000"/>
+            <a:ext cx="4114800" cy="3086100"/>
+          </a:xfrm>
+          <a:prstGeom prst="rect">
+            <a:avLst/>
+          </a:prstGeom>
+          <a:noFill/>
+          <a:ln w="12700">
+            <a:solidFill>
+              <a:prstClr val="black"/>
+            </a:solidFill>
+          </a:ln>
+        </p:spPr>
+        <p:txBody>
+          <a:bodyPr vert="horz" lIns="91440" tIns="45720" rIns="91440" bIns="45720" rtlCol="0" anchor="ctr"/>
+          <a:lstStyle/>
+          <a:p>
+            <a:endParaRPr lang="en-US"/>
+          </a:p>
+        </p:txBody>
+      </p:sp>
+      <p:sp>
+        <p:nvSpPr>
+          <p:cNvPr id="5" name="Notes Placeholder 4"/>
+          <p:cNvSpPr>
+            <a:spLocks noGrp="1"/>
+          </p:cNvSpPr>
+          <p:nvPr>
+            <p:ph type="body" sz="quarter" idx="3"/>
+          </p:nvPr>
+        </p:nvSpPr>
+        <p:spPr>
+          <a:xfrm>
+            <a:off x="685800" y="4400550"/>
+            <a:ext cx="5486400" cy="3600450"/>
+          </a:xfrm>
+          <a:prstGeom prst="rect">
+            <a:avLst/>
+          </a:prstGeom>
+        </p:spPr>
+        <p:txBody>
+          <a:bodyPr vert="horz" lIns="91440" tIns="45720" rIns="91440" bIns="45720" rtlCol="0"/>
+          <a:lstStyle/>
+          <a:p>
+            <a:pPr lvl="0"/>
+            <a:r>
+              <a:rPr lang="en-US" smtClean="0"/>
+              <a:t>Click to edit Master text styles</a:t>
+            </a:r>
+          </a:p>
+          <a:p>
+            <a:pPr lvl="1"/>
+            <a:r>
+              <a:rPr lang="en-US" smtClean="0"/>
+              <a:t>Second level</a:t>
+            </a:r>
+          </a:p>
+          <a:p>
+            <a:pPr lvl="2"/>
+            <a:r>
+              <a:rPr lang="en-US" smtClean="0"/>
+              <a:t>Third level</a:t>
+            </a:r>
+          </a:p>
+          <a:p>
+            <a:pPr lvl="3"/>
+            <a:r>
+              <a:rPr lang="en-US" smtClean="0"/>
+              <a:t>Fourth level</a:t>
+            </a:r>
+          </a:p>
+          <a:p>
+            <a:pPr lvl="4"/>
+            <a:r>
+              <a:rPr lang="en-US" smtClean="0"/>
+              <a:t>Fifth level</a:t>
+            </a:r>
+            <a:endParaRPr lang="en-US"/>
+          </a:p>
+        </p:txBody>
+      </p:sp>
+      <p:sp>
+        <p:nvSpPr>
+          <p:cNvPr id="6" name="Footer Placeholder 5"/>
+          <p:cNvSpPr>
+            <a:spLocks noGrp="1"/>
+          </p:cNvSpPr>
+          <p:nvPr>
+            <p:ph type="ftr" sz="quarter" idx="4"/>
+          </p:nvPr>
+        </p:nvSpPr>
+        <p:spPr>
+          <a:xfrm>
+            <a:off x="0" y="8685213"/>
+            <a:ext cx="2971800" cy="458787"/>
+          </a:xfrm>
+          <a:prstGeom prst="rect">
+            <a:avLst/>
+          </a:prstGeom>
+        </p:spPr>
+        <p:txBody>
+          <a:bodyPr vert="horz" lIns="91440" tIns="45720" rIns="91440" bIns="45720" rtlCol="0" anchor="b"/>
+          <a:lstStyle>
+            <a:lvl1pPr algn="l">
+              <a:defRPr sz="1200"/>
+            </a:lvl1pPr>
+          </a:lstStyle>
+          <a:p>
+            <a:endParaRPr lang="en-US"/>
+          </a:p>
+        </p:txBody>
+      </p:sp>
+      <p:sp>
+        <p:nvSpPr>
+          <p:cNvPr id="7" name="Slide Number Placeholder 6"/>
+          <p:cNvSpPr>
+            <a:spLocks noGrp="1"/>
+          </p:cNvSpPr>
+          <p:nvPr>
+            <p:ph type="sldNum" sz="quarter" idx="5"/>
+          </p:nvPr>
+        </p:nvSpPr>
+        <p:spPr>
+          <a:xfrm>
+            <a:off x="3884613" y="8685213"/>
+            <a:ext cx="2971800" cy="458787"/>
+          </a:xfrm>
+          <a:prstGeom prst="rect">
+            <a:avLst/>
+          </a:prstGeom>
+        </p:spPr>
+        <p:txBody>
+          <a:bodyPr vert="horz" lIns="91440" tIns="45720" rIns="91440" bIns="45720" rtlCol="0" anchor="b"/>
+          <a:lstStyle>
+            <a:lvl1pPr algn="r">
+              <a:defRPr sz="1200"/>
+            </a:lvl1pPr>
+          </a:lstStyle>
+          <a:p>
+            <a:fld id="{6CCEEA17-3C7B-4E8E-B94D-100C6D038B8F}" type="slidenum">
+              <a:rPr lang="en-US" smtClean="0"/>
+              <a:t>‹#›</a:t>
+            </a:fld>
+            <a:endParaRPr lang="en-US"/>
+          </a:p>
+        </p:txBody>
+      </p:sp>
+    </p:spTree>
+    <p:extLst>
+      <p:ext uri="{BB962C8B-B14F-4D97-AF65-F5344CB8AC3E}">
+        <p14:creationId xmlns:p14="http://schemas.microsoft.com/office/powerpoint/2010/main" val="3991560288"/>
+      </p:ext>
+    </p:extLst>
+  </p:cSld>
+  <p:clrMap bg1="lt1" tx1="dk1" bg2="lt2" tx2="dk2" accent1="accent1" accent2="accent2" accent3="accent3" accent4="accent4" accent5="accent5" accent6="accent6" hlink="hlink" folHlink="folHlink"/>
+  <p:notesStyle>
+    <a:lvl1pPr marL="0" algn="l" defTabSz="914400" rtl="0" eaLnBrk="1" latinLnBrk="0" hangingPunct="1">
+      <a:defRPr sz="1200" kern="1200">
+        <a:solidFill>
+          <a:schemeClr val="tx1"/>
+        </a:solidFill>
+        <a:latin typeface="+mn-lt"/>
+        <a:ea typeface="+mn-ea"/>
+        <a:cs typeface="+mn-cs"/>
+      </a:defRPr>
+    </a:lvl1pPr>
+    <a:lvl2pPr marL="457200" algn="l" defTabSz="914400" rtl="0" eaLnBrk="1" latinLnBrk="0" hangingPunct="1">
+      <a:defRPr sz="1200" kern="1200">
+        <a:solidFill>
+          <a:schemeClr val="tx1"/>
+        </a:solidFill>
+        <a:latin typeface="+mn-lt"/>
+        <a:ea typeface="+mn-ea"/>
+        <a:cs typeface="+mn-cs"/>
+      </a:defRPr>
+    </a:lvl2pPr>
+    <a:lvl3pPr marL="914400" algn="l" defTabSz="914400" rtl="0" eaLnBrk="1" latinLnBrk="0" hangingPunct="1">
+      <a:defRPr sz="1200" kern="1200">
+        <a:solidFill>
+          <a:schemeClr val="tx1"/>
+        </a:solidFill>
+        <a:latin typeface="+mn-lt"/>
+        <a:ea typeface="+mn-ea"/>
+        <a:cs typeface="+mn-cs"/>
+      </a:defRPr>
+    </a:lvl3pPr>
+    <a:lvl4pPr marL="1371600" algn="l" defTabSz="914400" rtl="0" eaLnBrk="1" latinLnBrk="0" hangingPunct="1">
+      <a:defRPr sz="1200" kern="1200">
+        <a:solidFill>
+          <a:schemeClr val="tx1"/>
+        </a:solidFill>
+        <a:latin typeface="+mn-lt"/>
+        <a:ea typeface="+mn-ea"/>
+        <a:cs typeface="+mn-cs"/>
+      </a:defRPr>
+    </a:lvl4pPr>
+    <a:lvl5pPr marL="1828800" algn="l" defTabSz="914400" rtl="0" eaLnBrk="1" latinLnBrk="0" hangingPunct="1">
+      <a:defRPr sz="1200" kern="1200">
+        <a:solidFill>
+          <a:schemeClr val="tx1"/>
+        </a:solidFill>
+        <a:latin typeface="+mn-lt"/>
+        <a:ea typeface="+mn-ea"/>
+        <a:cs typeface="+mn-cs"/>
+      </a:defRPr>
+    </a:lvl5pPr>
+    <a:lvl6pPr marL="2286000" algn="l" defTabSz="914400" rtl="0" eaLnBrk="1" latinLnBrk="0" hangingPunct="1">
+      <a:defRPr sz="1200" kern="1200">
+        <a:solidFill>
+          <a:schemeClr val="tx1"/>
+        </a:solidFill>
+        <a:latin typeface="+mn-lt"/>
+        <a:ea typeface="+mn-ea"/>
+        <a:cs typeface="+mn-cs"/>
+      </a:defRPr>
+    </a:lvl6pPr>
+    <a:lvl7pPr marL="2743200" algn="l" defTabSz="914400" rtl="0" eaLnBrk="1" latinLnBrk="0" hangingPunct="1">
+      <a:defRPr sz="1200" kern="1200">
+        <a:solidFill>
+          <a:schemeClr val="tx1"/>
+        </a:solidFill>
+        <a:latin typeface="+mn-lt"/>
+        <a:ea typeface="+mn-ea"/>
+        <a:cs typeface="+mn-cs"/>
+      </a:defRPr>
+    </a:lvl7pPr>
+    <a:lvl8pPr marL="3200400" algn="l" defTabSz="914400" rtl="0" eaLnBrk="1" latinLnBrk="0" hangingPunct="1">
+      <a:defRPr sz="1200" kern="1200">
+        <a:solidFill>
+          <a:schemeClr val="tx1"/>
+        </a:solidFill>
+        <a:latin typeface="+mn-lt"/>
+        <a:ea typeface="+mn-ea"/>
+        <a:cs typeface="+mn-cs"/>
+      </a:defRPr>
+    </a:lvl8pPr>
+    <a:lvl9pPr marL="3657600" algn="l" defTabSz="914400" rtl="0" eaLnBrk="1" latinLnBrk="0" hangingPunct="1">
+      <a:defRPr sz="1200" kern="1200">
+        <a:solidFill>
+          <a:schemeClr val="tx1"/>
+        </a:solidFill>
+        <a:latin typeface="+mn-lt"/>
+        <a:ea typeface="+mn-ea"/>
+        <a:cs typeface="+mn-cs"/>
+      </a:defRPr>
+    </a:lvl9pPr>
+  </p:notesStyle>
+</p:notesMaster>
+</file>
+
+<file path=ppt/notesSlides/notesSlide1.xml><?xml version="1.0" encoding="utf-8"?>
+<p:notes xmlns:a="http://schemas.openxmlformats.org/drawingml/2006/main" xmlns:r="http://schemas.openxmlformats.org/officeDocument/2006/relationships" xmlns:p="http://schemas.openxmlformats.org/presentationml/2006/main">
+  <p:cSld>
+    <p:spTree>
+      <p:nvGrpSpPr>
+        <p:cNvPr id="1" name=""/>
+        <p:cNvGrpSpPr/>
+        <p:nvPr/>
+      </p:nvGrpSpPr>
+      <p:grpSpPr>
+        <a:xfrm>
+          <a:off x="0" y="0"/>
+          <a:ext cx="0" cy="0"/>
+          <a:chOff x="0" y="0"/>
+          <a:chExt cx="0" cy="0"/>
+        </a:xfrm>
+      </p:grpSpPr>
+      <p:sp>
+        <p:nvSpPr>
+          <p:cNvPr id="2" name="Slide Image Placeholder 1"/>
+          <p:cNvSpPr>
+            <a:spLocks noGrp="1" noRot="1" noChangeAspect="1"/>
+          </p:cNvSpPr>
+          <p:nvPr>
+            <p:ph type="sldImg"/>
+          </p:nvPr>
+        </p:nvSpPr>
+        <p:spPr/>
+      </p:sp>
+      <p:sp>
+        <p:nvSpPr>
+          <p:cNvPr id="3" name="Notes Placeholder 2"/>
+          <p:cNvSpPr>
+            <a:spLocks noGrp="1"/>
+          </p:cNvSpPr>
+          <p:nvPr>
+            <p:ph type="body" idx="1"/>
+          </p:nvPr>
+        </p:nvSpPr>
+        <p:spPr/>
+        <p:txBody>
+          <a:bodyPr/>
+          <a:lstStyle/>
+          <a:p>
+            <a:endParaRPr lang="en-US"/>
+          </a:p>
+        </p:txBody>
+      </p:sp>
+      <p:sp>
+        <p:nvSpPr>
+          <p:cNvPr id="4" name="Slide Number Placeholder 3"/>
+          <p:cNvSpPr>
+            <a:spLocks noGrp="1"/>
+          </p:cNvSpPr>
+          <p:nvPr>
+            <p:ph type="sldNum" sz="quarter" idx="10"/>
+          </p:nvPr>
+        </p:nvSpPr>
+        <p:spPr/>
+        <p:txBody>
+          <a:bodyPr/>
+          <a:lstStyle/>
+          <a:p>
+            <a:fld id="{6CCEEA17-3C7B-4E8E-B94D-100C6D038B8F}" type="slidenum">
+              <a:rPr lang="en-US" smtClean="0"/>
+              <a:t>3</a:t>
+            </a:fld>
+            <a:endParaRPr lang="en-US"/>
+          </a:p>
+        </p:txBody>
+      </p:sp>
+    </p:spTree>
+    <p:extLst>
+      <p:ext uri="{BB962C8B-B14F-4D97-AF65-F5344CB8AC3E}">
+        <p14:creationId xmlns:p14="http://schemas.microsoft.com/office/powerpoint/2010/main" val="1958950374"/>
+      </p:ext>
+    </p:extLst>
+  </p:cSld>
+  <p:clrMapOvr>
+    <a:masterClrMapping/>
+  </p:clrMapOvr>
+</p:notes>
+</file>
+
+<file path=ppt/notesSlides/notesSlide2.xml><?xml version="1.0" encoding="utf-8"?>
+<p:notes xmlns:a="http://schemas.openxmlformats.org/drawingml/2006/main" xmlns:r="http://schemas.openxmlformats.org/officeDocument/2006/relationships" xmlns:p="http://schemas.openxmlformats.org/presentationml/2006/main">
+  <p:cSld>
+    <p:spTree>
+      <p:nvGrpSpPr>
+        <p:cNvPr id="1" name=""/>
+        <p:cNvGrpSpPr/>
+        <p:nvPr/>
+      </p:nvGrpSpPr>
+      <p:grpSpPr>
+        <a:xfrm>
+          <a:off x="0" y="0"/>
+          <a:ext cx="0" cy="0"/>
+          <a:chOff x="0" y="0"/>
+          <a:chExt cx="0" cy="0"/>
+        </a:xfrm>
+      </p:grpSpPr>
+      <p:sp>
+        <p:nvSpPr>
+          <p:cNvPr id="2" name="Slide Image Placeholder 1"/>
+          <p:cNvSpPr>
+            <a:spLocks noGrp="1" noRot="1" noChangeAspect="1"/>
+          </p:cNvSpPr>
+          <p:nvPr>
+            <p:ph type="sldImg"/>
+          </p:nvPr>
+        </p:nvSpPr>
+        <p:spPr/>
+      </p:sp>
+      <p:sp>
+        <p:nvSpPr>
+          <p:cNvPr id="3" name="Notes Placeholder 2"/>
+          <p:cNvSpPr>
+            <a:spLocks noGrp="1"/>
+          </p:cNvSpPr>
+          <p:nvPr>
+            <p:ph type="body" idx="1"/>
+          </p:nvPr>
+        </p:nvSpPr>
+        <p:spPr/>
+        <p:txBody>
+          <a:bodyPr/>
+          <a:lstStyle/>
+          <a:p>
+            <a:endParaRPr lang="en-US"/>
+          </a:p>
+        </p:txBody>
+      </p:sp>
+      <p:sp>
+        <p:nvSpPr>
+          <p:cNvPr id="4" name="Slide Number Placeholder 3"/>
+          <p:cNvSpPr>
+            <a:spLocks noGrp="1"/>
+          </p:cNvSpPr>
+          <p:nvPr>
+            <p:ph type="sldNum" sz="quarter" idx="10"/>
+          </p:nvPr>
+        </p:nvSpPr>
+        <p:spPr/>
+        <p:txBody>
+          <a:bodyPr/>
+          <a:lstStyle/>
+          <a:p>
+            <a:fld id="{6CCEEA17-3C7B-4E8E-B94D-100C6D038B8F}" type="slidenum">
+              <a:rPr lang="en-US" smtClean="0"/>
+              <a:t>5</a:t>
+            </a:fld>
+            <a:endParaRPr lang="en-US"/>
+          </a:p>
+        </p:txBody>
+      </p:sp>
+    </p:spTree>
+    <p:extLst>
+      <p:ext uri="{BB962C8B-B14F-4D97-AF65-F5344CB8AC3E}">
+        <p14:creationId xmlns:p14="http://schemas.microsoft.com/office/powerpoint/2010/main" val="3510546671"/>
+      </p:ext>
+    </p:extLst>
+  </p:cSld>
+  <p:clrMapOvr>
+    <a:masterClrMapping/>
+  </p:clrMapOvr>
+</p:notes>
+</file>
+
 <file path=ppt/slideLayouts/slideLayout1.xml><?xml version="1.0" encoding="utf-8"?>
 <p:sldLayout xmlns:a="http://schemas.openxmlformats.org/drawingml/2006/main" xmlns:r="http://schemas.openxmlformats.org/officeDocument/2006/relationships" xmlns:p="http://schemas.openxmlformats.org/presentationml/2006/main" type="title" preserve="1">
   <p:cSld name="Title Slide">
@@ -253,9 +775,9 @@
           <a:bodyPr/>
           <a:lstStyle/>
           <a:p>
-            <a:fld id="{E718916F-9020-478F-82D9-84926A962FA8}" type="datetimeFigureOut">
-              <a:rPr lang="en-US" smtClean="0"/>
-              <a:t>11/28/2014</a:t>
+            <a:fld id="{44CED634-F8D4-4934-BB82-192B1F7AA564}" type="datetime1">
+              <a:rPr lang="en-US" smtClean="0"/>
+              <a:t>12/8/2014</a:t>
             </a:fld>
             <a:endParaRPr lang="en-US"/>
           </a:p>
@@ -430,9 +952,9 @@
           <a:bodyPr/>
           <a:lstStyle/>
           <a:p>
-            <a:fld id="{E718916F-9020-478F-82D9-84926A962FA8}" type="datetimeFigureOut">
-              <a:rPr lang="en-US" smtClean="0"/>
-              <a:t>11/28/2014</a:t>
+            <a:fld id="{0BEBBAB0-5534-4665-8E3B-2F05881EDD10}" type="datetime1">
+              <a:rPr lang="en-US" smtClean="0"/>
+              <a:t>12/8/2014</a:t>
             </a:fld>
             <a:endParaRPr lang="en-US"/>
           </a:p>
@@ -610,9 +1132,9 @@
           <a:bodyPr/>
           <a:lstStyle/>
           <a:p>
-            <a:fld id="{E718916F-9020-478F-82D9-84926A962FA8}" type="datetimeFigureOut">
-              <a:rPr lang="en-US" smtClean="0"/>
-              <a:t>11/28/2014</a:t>
+            <a:fld id="{9C3E94D1-0988-465C-B88B-8059F514F62C}" type="datetime1">
+              <a:rPr lang="en-US" smtClean="0"/>
+              <a:t>12/8/2014</a:t>
             </a:fld>
             <a:endParaRPr lang="en-US"/>
           </a:p>
@@ -787,9 +1309,9 @@
           <a:bodyPr/>
           <a:lstStyle/>
           <a:p>
-            <a:fld id="{E718916F-9020-478F-82D9-84926A962FA8}" type="datetimeFigureOut">
-              <a:rPr lang="en-US" smtClean="0"/>
-              <a:t>11/28/2014</a:t>
+            <a:fld id="{D55BF033-1DE2-482C-84EC-C6250AE0A5DA}" type="datetime1">
+              <a:rPr lang="en-US" smtClean="0"/>
+              <a:t>12/8/2014</a:t>
             </a:fld>
             <a:endParaRPr lang="en-US"/>
           </a:p>
@@ -1031,9 +1553,9 @@
           <a:bodyPr/>
           <a:lstStyle/>
           <a:p>
-            <a:fld id="{E718916F-9020-478F-82D9-84926A962FA8}" type="datetimeFigureOut">
-              <a:rPr lang="en-US" smtClean="0"/>
-              <a:t>11/28/2014</a:t>
+            <a:fld id="{3E6087C6-38AB-4896-8258-B910971B932B}" type="datetime1">
+              <a:rPr lang="en-US" smtClean="0"/>
+              <a:t>12/8/2014</a:t>
             </a:fld>
             <a:endParaRPr lang="en-US"/>
           </a:p>
@@ -1263,9 +1785,9 @@
           <a:bodyPr/>
           <a:lstStyle/>
           <a:p>
-            <a:fld id="{E718916F-9020-478F-82D9-84926A962FA8}" type="datetimeFigureOut">
-              <a:rPr lang="en-US" smtClean="0"/>
-              <a:t>11/28/2014</a:t>
+            <a:fld id="{D66F7216-02CB-45C7-B0B9-894D9C17471E}" type="datetime1">
+              <a:rPr lang="en-US" smtClean="0"/>
+              <a:t>12/8/2014</a:t>
             </a:fld>
             <a:endParaRPr lang="en-US"/>
           </a:p>
@@ -1630,9 +2152,9 @@
           <a:bodyPr/>
           <a:lstStyle/>
           <a:p>
-            <a:fld id="{E718916F-9020-478F-82D9-84926A962FA8}" type="datetimeFigureOut">
-              <a:rPr lang="en-US" smtClean="0"/>
-              <a:t>11/28/2014</a:t>
+            <a:fld id="{E4B1FEAA-C71C-4259-AA1A-4C540B6ED93F}" type="datetime1">
+              <a:rPr lang="en-US" smtClean="0"/>
+              <a:t>12/8/2014</a:t>
             </a:fld>
             <a:endParaRPr lang="en-US"/>
           </a:p>
@@ -1748,9 +2270,9 @@
           <a:bodyPr/>
           <a:lstStyle/>
           <a:p>
-            <a:fld id="{E718916F-9020-478F-82D9-84926A962FA8}" type="datetimeFigureOut">
-              <a:rPr lang="en-US" smtClean="0"/>
-              <a:t>11/28/2014</a:t>
+            <a:fld id="{01AB219D-CBAB-477F-9B76-C3AEEAD15736}" type="datetime1">
+              <a:rPr lang="en-US" smtClean="0"/>
+              <a:t>12/8/2014</a:t>
             </a:fld>
             <a:endParaRPr lang="en-US"/>
           </a:p>
@@ -1843,9 +2365,9 @@
           <a:bodyPr/>
           <a:lstStyle/>
           <a:p>
-            <a:fld id="{E718916F-9020-478F-82D9-84926A962FA8}" type="datetimeFigureOut">
-              <a:rPr lang="en-US" smtClean="0"/>
-              <a:t>11/28/2014</a:t>
+            <a:fld id="{5CDE76CD-F284-4002-A839-6583EB0D4730}" type="datetime1">
+              <a:rPr lang="en-US" smtClean="0"/>
+              <a:t>12/8/2014</a:t>
             </a:fld>
             <a:endParaRPr lang="en-US"/>
           </a:p>
@@ -2120,9 +2642,9 @@
           <a:bodyPr/>
           <a:lstStyle/>
           <a:p>
-            <a:fld id="{E718916F-9020-478F-82D9-84926A962FA8}" type="datetimeFigureOut">
-              <a:rPr lang="en-US" smtClean="0"/>
-              <a:t>11/28/2014</a:t>
+            <a:fld id="{F4051FC3-2C25-439E-9827-03D79805D6C7}" type="datetime1">
+              <a:rPr lang="en-US" smtClean="0"/>
+              <a:t>12/8/2014</a:t>
             </a:fld>
             <a:endParaRPr lang="en-US"/>
           </a:p>
@@ -2377,9 +2899,9 @@
           <a:bodyPr/>
           <a:lstStyle/>
           <a:p>
-            <a:fld id="{E718916F-9020-478F-82D9-84926A962FA8}" type="datetimeFigureOut">
-              <a:rPr lang="en-US" smtClean="0"/>
-              <a:t>11/28/2014</a:t>
+            <a:fld id="{03B662C3-CAAC-4FD1-895A-D8631B397C55}" type="datetime1">
+              <a:rPr lang="en-US" smtClean="0"/>
+              <a:t>12/8/2014</a:t>
             </a:fld>
             <a:endParaRPr lang="en-US"/>
           </a:p>
@@ -2620,9 +3142,9 @@
             </a:lvl1pPr>
           </a:lstStyle>
           <a:p>
-            <a:fld id="{E718916F-9020-478F-82D9-84926A962FA8}" type="datetimeFigureOut">
-              <a:rPr lang="en-US" smtClean="0"/>
-              <a:t>11/28/2014</a:t>
+            <a:fld id="{55BCFB4C-75D1-4048-8839-5DB71FDD7213}" type="datetime1">
+              <a:rPr lang="en-US" smtClean="0"/>
+              <a:t>12/8/2014</a:t>
             </a:fld>
             <a:endParaRPr lang="en-US"/>
           </a:p>
@@ -2734,6 +3256,7 @@
       </p:par>
     </p:tnLst>
   </p:timing>
+  <p:hf hdr="0" ftr="0" dt="0"/>
   <p:txStyles>
     <p:titleStyle>
       <a:lvl1pPr algn="l" defTabSz="914400" rtl="0" eaLnBrk="1" latinLnBrk="0" hangingPunct="1">
@@ -3092,6 +3615,29 @@
           </a:p>
         </p:txBody>
       </p:sp>
+      <p:sp>
+        <p:nvSpPr>
+          <p:cNvPr id="4" name="Slide Number Placeholder 3"/>
+          <p:cNvSpPr>
+            <a:spLocks noGrp="1"/>
+          </p:cNvSpPr>
+          <p:nvPr>
+            <p:ph type="sldNum" sz="quarter" idx="12"/>
+          </p:nvPr>
+        </p:nvSpPr>
+        <p:spPr/>
+        <p:txBody>
+          <a:bodyPr/>
+          <a:lstStyle/>
+          <a:p>
+            <a:fld id="{23CE3FBD-36E0-4104-8527-540D87CBAD7A}" type="slidenum">
+              <a:rPr lang="en-US" smtClean="0"/>
+              <a:t>1</a:t>
+            </a:fld>
+            <a:endParaRPr lang="en-US"/>
+          </a:p>
+        </p:txBody>
+      </p:sp>
     </p:spTree>
     <p:extLst>
       <p:ext uri="{BB962C8B-B14F-4D97-AF65-F5344CB8AC3E}">
@@ -3113,1336 +3659,6 @@
 </file>
 
 <file path=ppt/slides/slide10.xml><?xml version="1.0" encoding="utf-8"?>
-<p:sld xmlns:a="http://schemas.openxmlformats.org/drawingml/2006/main" xmlns:r="http://schemas.openxmlformats.org/officeDocument/2006/relationships" xmlns:p="http://schemas.openxmlformats.org/presentationml/2006/main">
-  <p:cSld>
-    <p:spTree>
-      <p:nvGrpSpPr>
-        <p:cNvPr id="1" name=""/>
-        <p:cNvGrpSpPr/>
-        <p:nvPr/>
-      </p:nvGrpSpPr>
-      <p:grpSpPr>
-        <a:xfrm>
-          <a:off x="0" y="0"/>
-          <a:ext cx="0" cy="0"/>
-          <a:chOff x="0" y="0"/>
-          <a:chExt cx="0" cy="0"/>
-        </a:xfrm>
-      </p:grpSpPr>
-      <p:pic>
-        <p:nvPicPr>
-          <p:cNvPr id="4" name="Content Placeholder 3"/>
-          <p:cNvPicPr>
-            <a:picLocks noGrp="1" noChangeAspect="1"/>
-          </p:cNvPicPr>
-          <p:nvPr>
-            <p:ph idx="1"/>
-          </p:nvPr>
-        </p:nvPicPr>
-        <p:blipFill>
-          <a:blip r:embed="rId2">
-            <a:extLst>
-              <a:ext uri="{28A0092B-C50C-407E-A947-70E740481C1C}">
-                <a14:useLocalDpi xmlns:a14="http://schemas.microsoft.com/office/drawing/2010/main" val="0"/>
-              </a:ext>
-            </a:extLst>
-          </a:blip>
-          <a:stretch>
-            <a:fillRect/>
-          </a:stretch>
-        </p:blipFill>
-        <p:spPr>
-          <a:xfrm>
-            <a:off x="1526063" y="1184615"/>
-            <a:ext cx="6989287" cy="4992348"/>
-          </a:xfrm>
-        </p:spPr>
-      </p:pic>
-      <p:sp>
-        <p:nvSpPr>
-          <p:cNvPr id="2" name="Title 1"/>
-          <p:cNvSpPr>
-            <a:spLocks noGrp="1"/>
-          </p:cNvSpPr>
-          <p:nvPr>
-            <p:ph type="title"/>
-          </p:nvPr>
-        </p:nvSpPr>
-        <p:spPr/>
-        <p:txBody>
-          <a:bodyPr/>
-          <a:lstStyle/>
-          <a:p>
-            <a:r>
-              <a:rPr lang="en-US" dirty="0" smtClean="0"/>
-              <a:t>All Together Now</a:t>
-            </a:r>
-            <a:endParaRPr lang="en-US" dirty="0"/>
-          </a:p>
-        </p:txBody>
-      </p:sp>
-    </p:spTree>
-    <p:extLst>
-      <p:ext uri="{BB962C8B-B14F-4D97-AF65-F5344CB8AC3E}">
-        <p14:creationId xmlns:p14="http://schemas.microsoft.com/office/powerpoint/2010/main" val="3393579286"/>
-      </p:ext>
-    </p:extLst>
-  </p:cSld>
-  <p:clrMapOvr>
-    <a:masterClrMapping/>
-  </p:clrMapOvr>
-  <p:timing>
-    <p:tnLst>
-      <p:par>
-        <p:cTn id="1" dur="indefinite" restart="never" nodeType="tmRoot"/>
-      </p:par>
-    </p:tnLst>
-  </p:timing>
-</p:sld>
-</file>
-
-<file path=ppt/slides/slide11.xml><?xml version="1.0" encoding="utf-8"?>
-<p:sld xmlns:a="http://schemas.openxmlformats.org/drawingml/2006/main" xmlns:r="http://schemas.openxmlformats.org/officeDocument/2006/relationships" xmlns:p="http://schemas.openxmlformats.org/presentationml/2006/main">
-  <p:cSld>
-    <p:spTree>
-      <p:nvGrpSpPr>
-        <p:cNvPr id="1" name=""/>
-        <p:cNvGrpSpPr/>
-        <p:nvPr/>
-      </p:nvGrpSpPr>
-      <p:grpSpPr>
-        <a:xfrm>
-          <a:off x="0" y="0"/>
-          <a:ext cx="0" cy="0"/>
-          <a:chOff x="0" y="0"/>
-          <a:chExt cx="0" cy="0"/>
-        </a:xfrm>
-      </p:grpSpPr>
-      <p:sp>
-        <p:nvSpPr>
-          <p:cNvPr id="2" name="Title 1"/>
-          <p:cNvSpPr>
-            <a:spLocks noGrp="1"/>
-          </p:cNvSpPr>
-          <p:nvPr>
-            <p:ph type="title"/>
-          </p:nvPr>
-        </p:nvSpPr>
-        <p:spPr/>
-        <p:txBody>
-          <a:bodyPr/>
-          <a:lstStyle/>
-          <a:p>
-            <a:r>
-              <a:rPr lang="en-US" dirty="0" smtClean="0"/>
-              <a:t>Next Steps</a:t>
-            </a:r>
-            <a:endParaRPr lang="en-US" dirty="0"/>
-          </a:p>
-        </p:txBody>
-      </p:sp>
-      <p:sp>
-        <p:nvSpPr>
-          <p:cNvPr id="3" name="Content Placeholder 2"/>
-          <p:cNvSpPr>
-            <a:spLocks noGrp="1"/>
-          </p:cNvSpPr>
-          <p:nvPr>
-            <p:ph idx="1"/>
-          </p:nvPr>
-        </p:nvSpPr>
-        <p:spPr/>
-        <p:txBody>
-          <a:bodyPr>
-            <a:normAutofit/>
-          </a:bodyPr>
-          <a:lstStyle/>
-          <a:p>
-            <a:r>
-              <a:rPr lang="en-US" sz="3600" dirty="0" smtClean="0"/>
-              <a:t>Validation</a:t>
-            </a:r>
-          </a:p>
-          <a:p>
-            <a:r>
-              <a:rPr lang="en-US" sz="3600" dirty="0" smtClean="0"/>
-              <a:t>Seasonality</a:t>
-            </a:r>
-            <a:endParaRPr lang="en-US" sz="3600" dirty="0"/>
-          </a:p>
-        </p:txBody>
-      </p:sp>
-    </p:spTree>
-    <p:extLst>
-      <p:ext uri="{BB962C8B-B14F-4D97-AF65-F5344CB8AC3E}">
-        <p14:creationId xmlns:p14="http://schemas.microsoft.com/office/powerpoint/2010/main" val="4054552147"/>
-      </p:ext>
-    </p:extLst>
-  </p:cSld>
-  <p:clrMapOvr>
-    <a:masterClrMapping/>
-  </p:clrMapOvr>
-  <p:timing>
-    <p:tnLst>
-      <p:par>
-        <p:cTn id="1" dur="indefinite" restart="never" nodeType="tmRoot"/>
-      </p:par>
-    </p:tnLst>
-  </p:timing>
-</p:sld>
-</file>
-
-<file path=ppt/slides/slide12.xml><?xml version="1.0" encoding="utf-8"?>
-<p:sld xmlns:a="http://schemas.openxmlformats.org/drawingml/2006/main" xmlns:r="http://schemas.openxmlformats.org/officeDocument/2006/relationships" xmlns:p="http://schemas.openxmlformats.org/presentationml/2006/main">
-  <p:cSld>
-    <p:spTree>
-      <p:nvGrpSpPr>
-        <p:cNvPr id="1" name=""/>
-        <p:cNvGrpSpPr/>
-        <p:nvPr/>
-      </p:nvGrpSpPr>
-      <p:grpSpPr>
-        <a:xfrm>
-          <a:off x="0" y="0"/>
-          <a:ext cx="0" cy="0"/>
-          <a:chOff x="0" y="0"/>
-          <a:chExt cx="0" cy="0"/>
-        </a:xfrm>
-      </p:grpSpPr>
-      <p:sp>
-        <p:nvSpPr>
-          <p:cNvPr id="2" name="Title 1"/>
-          <p:cNvSpPr>
-            <a:spLocks noGrp="1"/>
-          </p:cNvSpPr>
-          <p:nvPr>
-            <p:ph type="title"/>
-          </p:nvPr>
-        </p:nvSpPr>
-        <p:spPr/>
-        <p:txBody>
-          <a:bodyPr/>
-          <a:lstStyle/>
-          <a:p>
-            <a:r>
-              <a:rPr lang="en-US" dirty="0" smtClean="0"/>
-              <a:t>Conclusion</a:t>
-            </a:r>
-            <a:endParaRPr lang="en-US" dirty="0"/>
-          </a:p>
-        </p:txBody>
-      </p:sp>
-      <p:sp>
-        <p:nvSpPr>
-          <p:cNvPr id="3" name="Content Placeholder 2"/>
-          <p:cNvSpPr>
-            <a:spLocks noGrp="1"/>
-          </p:cNvSpPr>
-          <p:nvPr>
-            <p:ph idx="1"/>
-          </p:nvPr>
-        </p:nvSpPr>
-        <p:spPr/>
-        <p:txBody>
-          <a:bodyPr>
-            <a:normAutofit/>
-          </a:bodyPr>
-          <a:lstStyle/>
-          <a:p>
-            <a:r>
-              <a:rPr lang="en-US" sz="3600" dirty="0" smtClean="0"/>
-              <a:t>Relationship?</a:t>
-            </a:r>
-          </a:p>
-          <a:p>
-            <a:r>
-              <a:rPr lang="en-US" sz="3600" dirty="0" smtClean="0"/>
-              <a:t>Predictor?</a:t>
-            </a:r>
-          </a:p>
-        </p:txBody>
-      </p:sp>
-    </p:spTree>
-    <p:extLst>
-      <p:ext uri="{BB962C8B-B14F-4D97-AF65-F5344CB8AC3E}">
-        <p14:creationId xmlns:p14="http://schemas.microsoft.com/office/powerpoint/2010/main" val="585308126"/>
-      </p:ext>
-    </p:extLst>
-  </p:cSld>
-  <p:clrMapOvr>
-    <a:masterClrMapping/>
-  </p:clrMapOvr>
-  <p:timing>
-    <p:tnLst>
-      <p:par>
-        <p:cTn id="1" dur="indefinite" restart="never" nodeType="tmRoot"/>
-      </p:par>
-    </p:tnLst>
-  </p:timing>
-</p:sld>
-</file>
-
-<file path=ppt/slides/slide13.xml><?xml version="1.0" encoding="utf-8"?>
-<p:sld xmlns:a="http://schemas.openxmlformats.org/drawingml/2006/main" xmlns:r="http://schemas.openxmlformats.org/officeDocument/2006/relationships" xmlns:p="http://schemas.openxmlformats.org/presentationml/2006/main">
-  <p:cSld>
-    <p:spTree>
-      <p:nvGrpSpPr>
-        <p:cNvPr id="1" name=""/>
-        <p:cNvGrpSpPr/>
-        <p:nvPr/>
-      </p:nvGrpSpPr>
-      <p:grpSpPr>
-        <a:xfrm>
-          <a:off x="0" y="0"/>
-          <a:ext cx="0" cy="0"/>
-          <a:chOff x="0" y="0"/>
-          <a:chExt cx="0" cy="0"/>
-        </a:xfrm>
-      </p:grpSpPr>
-      <p:sp>
-        <p:nvSpPr>
-          <p:cNvPr id="2" name="Title 1"/>
-          <p:cNvSpPr>
-            <a:spLocks noGrp="1"/>
-          </p:cNvSpPr>
-          <p:nvPr>
-            <p:ph type="title"/>
-          </p:nvPr>
-        </p:nvSpPr>
-        <p:spPr/>
-        <p:txBody>
-          <a:bodyPr/>
-          <a:lstStyle/>
-          <a:p>
-            <a:r>
-              <a:rPr lang="en-US" dirty="0" smtClean="0"/>
-              <a:t>Questions?</a:t>
-            </a:r>
-            <a:endParaRPr lang="en-US" dirty="0"/>
-          </a:p>
-        </p:txBody>
-      </p:sp>
-      <p:sp>
-        <p:nvSpPr>
-          <p:cNvPr id="3" name="Text Placeholder 2"/>
-          <p:cNvSpPr>
-            <a:spLocks noGrp="1"/>
-          </p:cNvSpPr>
-          <p:nvPr>
-            <p:ph type="body" idx="1"/>
-          </p:nvPr>
-        </p:nvSpPr>
-        <p:spPr/>
-        <p:txBody>
-          <a:bodyPr/>
-          <a:lstStyle/>
-          <a:p>
-            <a:endParaRPr lang="en-US"/>
-          </a:p>
-        </p:txBody>
-      </p:sp>
-    </p:spTree>
-    <p:extLst>
-      <p:ext uri="{BB962C8B-B14F-4D97-AF65-F5344CB8AC3E}">
-        <p14:creationId xmlns:p14="http://schemas.microsoft.com/office/powerpoint/2010/main" val="3974470595"/>
-      </p:ext>
-    </p:extLst>
-  </p:cSld>
-  <p:clrMapOvr>
-    <a:masterClrMapping/>
-  </p:clrMapOvr>
-  <p:timing>
-    <p:tnLst>
-      <p:par>
-        <p:cTn id="1" dur="indefinite" restart="never" nodeType="tmRoot"/>
-      </p:par>
-    </p:tnLst>
-  </p:timing>
-</p:sld>
-</file>
-
-<file path=ppt/slides/slide2.xml><?xml version="1.0" encoding="utf-8"?>
-<p:sld xmlns:a="http://schemas.openxmlformats.org/drawingml/2006/main" xmlns:r="http://schemas.openxmlformats.org/officeDocument/2006/relationships" xmlns:p="http://schemas.openxmlformats.org/presentationml/2006/main">
-  <p:cSld>
-    <p:spTree>
-      <p:nvGrpSpPr>
-        <p:cNvPr id="1" name=""/>
-        <p:cNvGrpSpPr/>
-        <p:nvPr/>
-      </p:nvGrpSpPr>
-      <p:grpSpPr>
-        <a:xfrm>
-          <a:off x="0" y="0"/>
-          <a:ext cx="0" cy="0"/>
-          <a:chOff x="0" y="0"/>
-          <a:chExt cx="0" cy="0"/>
-        </a:xfrm>
-      </p:grpSpPr>
-      <p:sp>
-        <p:nvSpPr>
-          <p:cNvPr id="2" name="Title 1"/>
-          <p:cNvSpPr>
-            <a:spLocks noGrp="1"/>
-          </p:cNvSpPr>
-          <p:nvPr>
-            <p:ph type="title"/>
-          </p:nvPr>
-        </p:nvSpPr>
-        <p:spPr/>
-        <p:txBody>
-          <a:bodyPr/>
-          <a:lstStyle/>
-          <a:p>
-            <a:r>
-              <a:rPr lang="en-US" dirty="0" smtClean="0"/>
-              <a:t>Data Sets</a:t>
-            </a:r>
-            <a:endParaRPr lang="en-US" dirty="0"/>
-          </a:p>
-        </p:txBody>
-      </p:sp>
-      <p:sp>
-        <p:nvSpPr>
-          <p:cNvPr id="3" name="Content Placeholder 2"/>
-          <p:cNvSpPr>
-            <a:spLocks noGrp="1"/>
-          </p:cNvSpPr>
-          <p:nvPr>
-            <p:ph idx="1"/>
-          </p:nvPr>
-        </p:nvSpPr>
-        <p:spPr/>
-        <p:txBody>
-          <a:bodyPr>
-            <a:normAutofit/>
-          </a:bodyPr>
-          <a:lstStyle/>
-          <a:p>
-            <a:r>
-              <a:rPr lang="en-US" sz="3200" dirty="0" err="1" smtClean="0"/>
-              <a:t>Natality</a:t>
-            </a:r>
-            <a:endParaRPr lang="en-US" sz="3200" dirty="0" smtClean="0"/>
-          </a:p>
-          <a:p>
-            <a:r>
-              <a:rPr lang="en-US" sz="3200" dirty="0" smtClean="0"/>
-              <a:t>Population</a:t>
-            </a:r>
-          </a:p>
-          <a:p>
-            <a:r>
-              <a:rPr lang="en-US" sz="3200" dirty="0" smtClean="0"/>
-              <a:t>Unemployment Rate</a:t>
-            </a:r>
-            <a:endParaRPr lang="en-US" sz="3200" dirty="0"/>
-          </a:p>
-        </p:txBody>
-      </p:sp>
-    </p:spTree>
-    <p:extLst>
-      <p:ext uri="{BB962C8B-B14F-4D97-AF65-F5344CB8AC3E}">
-        <p14:creationId xmlns:p14="http://schemas.microsoft.com/office/powerpoint/2010/main" val="1113280670"/>
-      </p:ext>
-    </p:extLst>
-  </p:cSld>
-  <p:clrMapOvr>
-    <a:masterClrMapping/>
-  </p:clrMapOvr>
-  <p:timing>
-    <p:tnLst>
-      <p:par>
-        <p:cTn id="1" dur="indefinite" restart="never" nodeType="tmRoot"/>
-      </p:par>
-    </p:tnLst>
-  </p:timing>
-</p:sld>
-</file>
-
-<file path=ppt/slides/slide3.xml><?xml version="1.0" encoding="utf-8"?>
-<p:sld xmlns:a="http://schemas.openxmlformats.org/drawingml/2006/main" xmlns:r="http://schemas.openxmlformats.org/officeDocument/2006/relationships" xmlns:p="http://schemas.openxmlformats.org/presentationml/2006/main">
-  <p:cSld>
-    <p:spTree>
-      <p:nvGrpSpPr>
-        <p:cNvPr id="1" name=""/>
-        <p:cNvGrpSpPr/>
-        <p:nvPr/>
-      </p:nvGrpSpPr>
-      <p:grpSpPr>
-        <a:xfrm>
-          <a:off x="0" y="0"/>
-          <a:ext cx="0" cy="0"/>
-          <a:chOff x="0" y="0"/>
-          <a:chExt cx="0" cy="0"/>
-        </a:xfrm>
-      </p:grpSpPr>
-      <p:sp>
-        <p:nvSpPr>
-          <p:cNvPr id="2" name="Title 1"/>
-          <p:cNvSpPr>
-            <a:spLocks noGrp="1"/>
-          </p:cNvSpPr>
-          <p:nvPr>
-            <p:ph type="title"/>
-          </p:nvPr>
-        </p:nvSpPr>
-        <p:spPr/>
-        <p:txBody>
-          <a:bodyPr/>
-          <a:lstStyle/>
-          <a:p>
-            <a:endParaRPr lang="en-US" dirty="0"/>
-          </a:p>
-        </p:txBody>
-      </p:sp>
-      <p:pic>
-        <p:nvPicPr>
-          <p:cNvPr id="4" name="Content Placeholder 3"/>
-          <p:cNvPicPr>
-            <a:picLocks noGrp="1" noChangeAspect="1"/>
-          </p:cNvPicPr>
-          <p:nvPr>
-            <p:ph idx="1"/>
-          </p:nvPr>
-        </p:nvPicPr>
-        <p:blipFill>
-          <a:blip r:embed="rId2">
-            <a:clrChange>
-              <a:clrFrom>
-                <a:srgbClr val="FFFFFF"/>
-              </a:clrFrom>
-              <a:clrTo>
-                <a:srgbClr val="FFFFFF">
-                  <a:alpha val="0"/>
-                </a:srgbClr>
-              </a:clrTo>
-            </a:clrChange>
-            <a:extLst>
-              <a:ext uri="{28A0092B-C50C-407E-A947-70E740481C1C}">
-                <a14:useLocalDpi xmlns:a14="http://schemas.microsoft.com/office/drawing/2010/main" val="0"/>
-              </a:ext>
-            </a:extLst>
-          </a:blip>
-          <a:stretch>
-            <a:fillRect/>
-          </a:stretch>
-        </p:blipFill>
-        <p:spPr>
-          <a:xfrm>
-            <a:off x="1300766" y="365126"/>
-            <a:ext cx="7652466" cy="6119235"/>
-          </a:xfrm>
-        </p:spPr>
-      </p:pic>
-    </p:spTree>
-    <p:extLst>
-      <p:ext uri="{BB962C8B-B14F-4D97-AF65-F5344CB8AC3E}">
-        <p14:creationId xmlns:p14="http://schemas.microsoft.com/office/powerpoint/2010/main" val="3859800078"/>
-      </p:ext>
-    </p:extLst>
-  </p:cSld>
-  <p:clrMapOvr>
-    <a:masterClrMapping/>
-  </p:clrMapOvr>
-  <p:timing>
-    <p:tnLst>
-      <p:par>
-        <p:cTn id="1" dur="indefinite" restart="never" nodeType="tmRoot"/>
-      </p:par>
-    </p:tnLst>
-  </p:timing>
-</p:sld>
-</file>
-
-<file path=ppt/slides/slide4.xml><?xml version="1.0" encoding="utf-8"?>
-<p:sld xmlns:a="http://schemas.openxmlformats.org/drawingml/2006/main" xmlns:r="http://schemas.openxmlformats.org/officeDocument/2006/relationships" xmlns:p="http://schemas.openxmlformats.org/presentationml/2006/main">
-  <p:cSld>
-    <p:spTree>
-      <p:nvGrpSpPr>
-        <p:cNvPr id="1" name=""/>
-        <p:cNvGrpSpPr/>
-        <p:nvPr/>
-      </p:nvGrpSpPr>
-      <p:grpSpPr>
-        <a:xfrm>
-          <a:off x="0" y="0"/>
-          <a:ext cx="0" cy="0"/>
-          <a:chOff x="0" y="0"/>
-          <a:chExt cx="0" cy="0"/>
-        </a:xfrm>
-      </p:grpSpPr>
-      <p:sp>
-        <p:nvSpPr>
-          <p:cNvPr id="2" name="Title 1"/>
-          <p:cNvSpPr>
-            <a:spLocks noGrp="1"/>
-          </p:cNvSpPr>
-          <p:nvPr>
-            <p:ph type="title"/>
-          </p:nvPr>
-        </p:nvSpPr>
-        <p:spPr/>
-        <p:txBody>
-          <a:bodyPr/>
-          <a:lstStyle/>
-          <a:p>
-            <a:r>
-              <a:rPr lang="en-US" dirty="0" smtClean="0"/>
-              <a:t>Unidentified Counties</a:t>
-            </a:r>
-            <a:endParaRPr lang="en-US" dirty="0"/>
-          </a:p>
-        </p:txBody>
-      </p:sp>
-      <p:pic>
-        <p:nvPicPr>
-          <p:cNvPr id="6" name="Content Placeholder 5"/>
-          <p:cNvPicPr>
-            <a:picLocks noGrp="1" noChangeAspect="1"/>
-          </p:cNvPicPr>
-          <p:nvPr>
-            <p:ph idx="1"/>
-          </p:nvPr>
-        </p:nvPicPr>
-        <p:blipFill>
-          <a:blip r:embed="rId2">
-            <a:extLst>
-              <a:ext uri="{28A0092B-C50C-407E-A947-70E740481C1C}">
-                <a14:useLocalDpi xmlns:a14="http://schemas.microsoft.com/office/drawing/2010/main" val="0"/>
-              </a:ext>
-            </a:extLst>
-          </a:blip>
-          <a:stretch>
-            <a:fillRect/>
-          </a:stretch>
-        </p:blipFill>
-        <p:spPr>
-          <a:xfrm>
-            <a:off x="87454" y="1690689"/>
-            <a:ext cx="8969092" cy="3431939"/>
-          </a:xfrm>
-        </p:spPr>
-      </p:pic>
-    </p:spTree>
-    <p:extLst>
-      <p:ext uri="{BB962C8B-B14F-4D97-AF65-F5344CB8AC3E}">
-        <p14:creationId xmlns:p14="http://schemas.microsoft.com/office/powerpoint/2010/main" val="9388137"/>
-      </p:ext>
-    </p:extLst>
-  </p:cSld>
-  <p:clrMapOvr>
-    <a:masterClrMapping/>
-  </p:clrMapOvr>
-  <p:timing>
-    <p:tnLst>
-      <p:par>
-        <p:cTn id="1" dur="indefinite" restart="never" nodeType="tmRoot"/>
-      </p:par>
-    </p:tnLst>
-  </p:timing>
-</p:sld>
-</file>
-
-<file path=ppt/slides/slide5.xml><?xml version="1.0" encoding="utf-8"?>
-<p:sld xmlns:a="http://schemas.openxmlformats.org/drawingml/2006/main" xmlns:r="http://schemas.openxmlformats.org/officeDocument/2006/relationships" xmlns:p="http://schemas.openxmlformats.org/presentationml/2006/main">
-  <p:cSld>
-    <p:spTree>
-      <p:nvGrpSpPr>
-        <p:cNvPr id="1" name=""/>
-        <p:cNvGrpSpPr/>
-        <p:nvPr/>
-      </p:nvGrpSpPr>
-      <p:grpSpPr>
-        <a:xfrm>
-          <a:off x="0" y="0"/>
-          <a:ext cx="0" cy="0"/>
-          <a:chOff x="0" y="0"/>
-          <a:chExt cx="0" cy="0"/>
-        </a:xfrm>
-      </p:grpSpPr>
-      <p:sp>
-        <p:nvSpPr>
-          <p:cNvPr id="2" name="Title 1"/>
-          <p:cNvSpPr>
-            <a:spLocks noGrp="1"/>
-          </p:cNvSpPr>
-          <p:nvPr>
-            <p:ph type="title"/>
-          </p:nvPr>
-        </p:nvSpPr>
-        <p:spPr/>
-        <p:txBody>
-          <a:bodyPr/>
-          <a:lstStyle/>
-          <a:p>
-            <a:r>
-              <a:rPr lang="en-US" dirty="0" smtClean="0"/>
-              <a:t>United States Births</a:t>
-            </a:r>
-            <a:endParaRPr lang="en-US" dirty="0"/>
-          </a:p>
-        </p:txBody>
-      </p:sp>
-      <p:pic>
-        <p:nvPicPr>
-          <p:cNvPr id="4" name="Content Placeholder 3"/>
-          <p:cNvPicPr>
-            <a:picLocks noGrp="1" noChangeAspect="1"/>
-          </p:cNvPicPr>
-          <p:nvPr>
-            <p:ph idx="1"/>
-          </p:nvPr>
-        </p:nvPicPr>
-        <p:blipFill>
-          <a:blip r:embed="rId2">
-            <a:extLst>
-              <a:ext uri="{28A0092B-C50C-407E-A947-70E740481C1C}">
-                <a14:useLocalDpi xmlns:a14="http://schemas.microsoft.com/office/drawing/2010/main" val="0"/>
-              </a:ext>
-            </a:extLst>
-          </a:blip>
-          <a:stretch>
-            <a:fillRect/>
-          </a:stretch>
-        </p:blipFill>
-        <p:spPr>
-          <a:xfrm>
-            <a:off x="1526063" y="1184615"/>
-            <a:ext cx="6989287" cy="4992348"/>
-          </a:xfrm>
-        </p:spPr>
-      </p:pic>
-    </p:spTree>
-    <p:extLst>
-      <p:ext uri="{BB962C8B-B14F-4D97-AF65-F5344CB8AC3E}">
-        <p14:creationId xmlns:p14="http://schemas.microsoft.com/office/powerpoint/2010/main" val="2931204114"/>
-      </p:ext>
-    </p:extLst>
-  </p:cSld>
-  <p:clrMapOvr>
-    <a:masterClrMapping/>
-  </p:clrMapOvr>
-  <p:timing>
-    <p:tnLst>
-      <p:par>
-        <p:cTn id="1" dur="indefinite" restart="never" nodeType="tmRoot"/>
-      </p:par>
-    </p:tnLst>
-  </p:timing>
-</p:sld>
-</file>
-
-<file path=ppt/slides/slide6.xml><?xml version="1.0" encoding="utf-8"?>
-<p:sld xmlns:a="http://schemas.openxmlformats.org/drawingml/2006/main" xmlns:r="http://schemas.openxmlformats.org/officeDocument/2006/relationships" xmlns:p="http://schemas.openxmlformats.org/presentationml/2006/main">
-  <p:cSld>
-    <p:spTree>
-      <p:nvGrpSpPr>
-        <p:cNvPr id="1" name=""/>
-        <p:cNvGrpSpPr/>
-        <p:nvPr/>
-      </p:nvGrpSpPr>
-      <p:grpSpPr>
-        <a:xfrm>
-          <a:off x="0" y="0"/>
-          <a:ext cx="0" cy="0"/>
-          <a:chOff x="0" y="0"/>
-          <a:chExt cx="0" cy="0"/>
-        </a:xfrm>
-      </p:grpSpPr>
-      <p:sp>
-        <p:nvSpPr>
-          <p:cNvPr id="2" name="Title 1"/>
-          <p:cNvSpPr>
-            <a:spLocks noGrp="1"/>
-          </p:cNvSpPr>
-          <p:nvPr>
-            <p:ph type="title"/>
-          </p:nvPr>
-        </p:nvSpPr>
-        <p:spPr/>
-        <p:txBody>
-          <a:bodyPr/>
-          <a:lstStyle/>
-          <a:p>
-            <a:r>
-              <a:rPr lang="en-US" dirty="0"/>
-              <a:t>United States Births</a:t>
-            </a:r>
-          </a:p>
-        </p:txBody>
-      </p:sp>
-      <p:pic>
-        <p:nvPicPr>
-          <p:cNvPr id="4" name="Content Placeholder 3"/>
-          <p:cNvPicPr>
-            <a:picLocks noGrp="1" noChangeAspect="1"/>
-          </p:cNvPicPr>
-          <p:nvPr>
-            <p:ph idx="1"/>
-          </p:nvPr>
-        </p:nvPicPr>
-        <p:blipFill>
-          <a:blip r:embed="rId2">
-            <a:extLst>
-              <a:ext uri="{28A0092B-C50C-407E-A947-70E740481C1C}">
-                <a14:useLocalDpi xmlns:a14="http://schemas.microsoft.com/office/drawing/2010/main" val="0"/>
-              </a:ext>
-            </a:extLst>
-          </a:blip>
-          <a:stretch>
-            <a:fillRect/>
-          </a:stretch>
-        </p:blipFill>
-        <p:spPr>
-          <a:xfrm>
-            <a:off x="1526063" y="1184614"/>
-            <a:ext cx="6989287" cy="4992348"/>
-          </a:xfrm>
-        </p:spPr>
-      </p:pic>
-    </p:spTree>
-    <p:extLst>
-      <p:ext uri="{BB962C8B-B14F-4D97-AF65-F5344CB8AC3E}">
-        <p14:creationId xmlns:p14="http://schemas.microsoft.com/office/powerpoint/2010/main" val="473169746"/>
-      </p:ext>
-    </p:extLst>
-  </p:cSld>
-  <p:clrMapOvr>
-    <a:masterClrMapping/>
-  </p:clrMapOvr>
-  <p:timing>
-    <p:tnLst>
-      <p:par>
-        <p:cTn id="1" dur="indefinite" restart="never" nodeType="tmRoot"/>
-      </p:par>
-    </p:tnLst>
-  </p:timing>
-</p:sld>
-</file>
-
-<file path=ppt/slides/slide7.xml><?xml version="1.0" encoding="utf-8"?>
-<p:sld xmlns:a="http://schemas.openxmlformats.org/drawingml/2006/main" xmlns:r="http://schemas.openxmlformats.org/officeDocument/2006/relationships" xmlns:p="http://schemas.openxmlformats.org/presentationml/2006/main">
-  <p:cSld>
-    <p:spTree>
-      <p:nvGrpSpPr>
-        <p:cNvPr id="1" name=""/>
-        <p:cNvGrpSpPr/>
-        <p:nvPr/>
-      </p:nvGrpSpPr>
-      <p:grpSpPr>
-        <a:xfrm>
-          <a:off x="0" y="0"/>
-          <a:ext cx="0" cy="0"/>
-          <a:chOff x="0" y="0"/>
-          <a:chExt cx="0" cy="0"/>
-        </a:xfrm>
-      </p:grpSpPr>
-      <p:pic>
-        <p:nvPicPr>
-          <p:cNvPr id="4" name="Content Placeholder 3"/>
-          <p:cNvPicPr>
-            <a:picLocks noGrp="1" noChangeAspect="1"/>
-          </p:cNvPicPr>
-          <p:nvPr>
-            <p:ph idx="1"/>
-          </p:nvPr>
-        </p:nvPicPr>
-        <p:blipFill>
-          <a:blip r:embed="rId2">
-            <a:extLst>
-              <a:ext uri="{28A0092B-C50C-407E-A947-70E740481C1C}">
-                <a14:useLocalDpi xmlns:a14="http://schemas.microsoft.com/office/drawing/2010/main" val="0"/>
-              </a:ext>
-            </a:extLst>
-          </a:blip>
-          <a:stretch>
-            <a:fillRect/>
-          </a:stretch>
-        </p:blipFill>
-        <p:spPr>
-          <a:xfrm>
-            <a:off x="1822277" y="1184615"/>
-            <a:ext cx="6989287" cy="4992348"/>
-          </a:xfrm>
-        </p:spPr>
-      </p:pic>
-      <p:sp>
-        <p:nvSpPr>
-          <p:cNvPr id="2" name="Title 1"/>
-          <p:cNvSpPr>
-            <a:spLocks noGrp="1"/>
-          </p:cNvSpPr>
-          <p:nvPr>
-            <p:ph type="title"/>
-          </p:nvPr>
-        </p:nvSpPr>
-        <p:spPr/>
-        <p:txBody>
-          <a:bodyPr/>
-          <a:lstStyle/>
-          <a:p>
-            <a:r>
-              <a:rPr lang="en-US" dirty="0" smtClean="0"/>
-              <a:t>Unemployment Rate</a:t>
-            </a:r>
-            <a:endParaRPr lang="en-US" dirty="0"/>
-          </a:p>
-        </p:txBody>
-      </p:sp>
-    </p:spTree>
-    <p:extLst>
-      <p:ext uri="{BB962C8B-B14F-4D97-AF65-F5344CB8AC3E}">
-        <p14:creationId xmlns:p14="http://schemas.microsoft.com/office/powerpoint/2010/main" val="1629256139"/>
-      </p:ext>
-    </p:extLst>
-  </p:cSld>
-  <p:clrMapOvr>
-    <a:masterClrMapping/>
-  </p:clrMapOvr>
-</p:sld>
-</file>
-
-<file path=ppt/slides/slide8.xml><?xml version="1.0" encoding="utf-8"?>
-<p:sld xmlns:a="http://schemas.openxmlformats.org/drawingml/2006/main" xmlns:r="http://schemas.openxmlformats.org/officeDocument/2006/relationships" xmlns:p="http://schemas.openxmlformats.org/presentationml/2006/main">
-  <p:cSld>
-    <p:spTree>
-      <p:nvGrpSpPr>
-        <p:cNvPr id="1" name=""/>
-        <p:cNvGrpSpPr/>
-        <p:nvPr/>
-      </p:nvGrpSpPr>
-      <p:grpSpPr>
-        <a:xfrm>
-          <a:off x="0" y="0"/>
-          <a:ext cx="0" cy="0"/>
-          <a:chOff x="0" y="0"/>
-          <a:chExt cx="0" cy="0"/>
-        </a:xfrm>
-      </p:grpSpPr>
-      <p:sp>
-        <p:nvSpPr>
-          <p:cNvPr id="2" name="Title 1"/>
-          <p:cNvSpPr>
-            <a:spLocks noGrp="1"/>
-          </p:cNvSpPr>
-          <p:nvPr>
-            <p:ph type="title"/>
-          </p:nvPr>
-        </p:nvSpPr>
-        <p:spPr/>
-        <p:txBody>
-          <a:bodyPr/>
-          <a:lstStyle/>
-          <a:p>
-            <a:r>
-              <a:rPr lang="en-US" dirty="0" smtClean="0"/>
-              <a:t>Functional Form</a:t>
-            </a:r>
-            <a:endParaRPr lang="en-US" dirty="0"/>
-          </a:p>
-        </p:txBody>
-      </p:sp>
-      <p:sp>
-        <p:nvSpPr>
-          <p:cNvPr id="3" name="Content Placeholder 2"/>
-          <p:cNvSpPr>
-            <a:spLocks noGrp="1"/>
-          </p:cNvSpPr>
-          <p:nvPr>
-            <p:ph idx="1"/>
-          </p:nvPr>
-        </p:nvSpPr>
-        <p:spPr>
-          <a:xfrm>
-            <a:off x="628650" y="3181081"/>
-            <a:ext cx="7886700" cy="2995881"/>
-          </a:xfrm>
-        </p:spPr>
-        <p:txBody>
-          <a:bodyPr/>
-          <a:lstStyle/>
-          <a:p>
-            <a:r>
-              <a:rPr lang="en-US" dirty="0" smtClean="0"/>
-              <a:t>Why cube roots?</a:t>
-            </a:r>
-            <a:endParaRPr lang="en-US" dirty="0"/>
-          </a:p>
-        </p:txBody>
-      </p:sp>
-      <mc:AlternateContent xmlns:mc="http://schemas.openxmlformats.org/markup-compatibility/2006" xmlns:a14="http://schemas.microsoft.com/office/drawing/2010/main">
-        <mc:Choice Requires="a14">
-          <p:sp>
-            <p:nvSpPr>
-              <p:cNvPr id="4" name="TextBox 3"/>
-              <p:cNvSpPr txBox="1"/>
-              <p:nvPr/>
-            </p:nvSpPr>
-            <p:spPr>
-              <a:xfrm>
-                <a:off x="1242811" y="1839503"/>
-                <a:ext cx="6658378" cy="596382"/>
-              </a:xfrm>
-              <a:prstGeom prst="rect">
-                <a:avLst/>
-              </a:prstGeom>
-              <a:noFill/>
-            </p:spPr>
-            <p:txBody>
-              <a:bodyPr wrap="square" lIns="0" tIns="0" rIns="0" bIns="0" rtlCol="0">
-                <a:spAutoFit/>
-              </a:bodyPr>
-              <a:lstStyle/>
-              <a:p>
-                <a:pPr/>
-                <a14:m>
-                  <m:oMathPara xmlns:m="http://schemas.openxmlformats.org/officeDocument/2006/math">
-                    <m:oMathParaPr>
-                      <m:jc m:val="centerGroup"/>
-                    </m:oMathParaPr>
-                    <m:oMath xmlns:m="http://schemas.openxmlformats.org/officeDocument/2006/math">
-                      <m:r>
-                        <a:rPr lang="en-US" sz="3200" b="0" i="1" smtClean="0">
-                          <a:latin typeface="Cambria Math" panose="02040503050406030204" pitchFamily="18" charset="0"/>
-                        </a:rPr>
-                        <m:t>𝑦</m:t>
-                      </m:r>
-                      <m:r>
-                        <a:rPr lang="en-US" sz="3200" b="0" i="1" smtClean="0">
-                          <a:latin typeface="Cambria Math" panose="02040503050406030204" pitchFamily="18" charset="0"/>
-                        </a:rPr>
-                        <m:t>=</m:t>
-                      </m:r>
-                      <m:sSub>
-                        <m:sSubPr>
-                          <m:ctrlPr>
-                            <a:rPr lang="en-US" sz="3200" b="0" i="1" smtClean="0">
-                              <a:latin typeface="Cambria Math" panose="02040503050406030204" pitchFamily="18" charset="0"/>
-                            </a:rPr>
-                          </m:ctrlPr>
-                        </m:sSubPr>
-                        <m:e>
-                          <m:r>
-                            <a:rPr lang="en-US" sz="3200" b="0" i="1" smtClean="0">
-                              <a:latin typeface="Cambria Math" panose="02040503050406030204" pitchFamily="18" charset="0"/>
-                            </a:rPr>
-                            <m:t>𝐵</m:t>
-                          </m:r>
-                        </m:e>
-                        <m:sub>
-                          <m:r>
-                            <a:rPr lang="en-US" sz="3200" b="0" i="1" smtClean="0">
-                              <a:latin typeface="Cambria Math" panose="02040503050406030204" pitchFamily="18" charset="0"/>
-                            </a:rPr>
-                            <m:t>0</m:t>
-                          </m:r>
-                        </m:sub>
-                      </m:sSub>
-                      <m:r>
-                        <a:rPr lang="en-US" sz="3200" b="0" i="1" smtClean="0">
-                          <a:latin typeface="Cambria Math" panose="02040503050406030204" pitchFamily="18" charset="0"/>
-                        </a:rPr>
-                        <m:t>+</m:t>
-                      </m:r>
-                      <m:sSub>
-                        <m:sSubPr>
-                          <m:ctrlPr>
-                            <a:rPr lang="en-US" sz="3200" b="0" i="1" smtClean="0">
-                              <a:latin typeface="Cambria Math" panose="02040503050406030204" pitchFamily="18" charset="0"/>
-                            </a:rPr>
-                          </m:ctrlPr>
-                        </m:sSubPr>
-                        <m:e>
-                          <m:r>
-                            <a:rPr lang="en-US" sz="3200" b="0" i="1" smtClean="0">
-                              <a:latin typeface="Cambria Math" panose="02040503050406030204" pitchFamily="18" charset="0"/>
-                            </a:rPr>
-                            <m:t>𝐵</m:t>
-                          </m:r>
-                        </m:e>
-                        <m:sub>
-                          <m:r>
-                            <a:rPr lang="en-US" sz="3200" b="0" i="1" smtClean="0">
-                              <a:latin typeface="Cambria Math" panose="02040503050406030204" pitchFamily="18" charset="0"/>
-                            </a:rPr>
-                            <m:t>1</m:t>
-                          </m:r>
-                        </m:sub>
-                      </m:sSub>
-                      <m:sSub>
-                        <m:sSubPr>
-                          <m:ctrlPr>
-                            <a:rPr lang="en-US" sz="3200" b="0" i="1" smtClean="0">
-                              <a:latin typeface="Cambria Math" panose="02040503050406030204" pitchFamily="18" charset="0"/>
-                            </a:rPr>
-                          </m:ctrlPr>
-                        </m:sSubPr>
-                        <m:e>
-                          <m:r>
-                            <a:rPr lang="en-US" sz="3200" b="0" i="1" smtClean="0">
-                              <a:latin typeface="Cambria Math" panose="02040503050406030204" pitchFamily="18" charset="0"/>
-                            </a:rPr>
-                            <m:t>𝑋</m:t>
-                          </m:r>
-                        </m:e>
-                        <m:sub>
-                          <m:r>
-                            <a:rPr lang="en-US" sz="3200" b="0" i="1" smtClean="0">
-                              <a:latin typeface="Cambria Math" panose="02040503050406030204" pitchFamily="18" charset="0"/>
-                            </a:rPr>
-                            <m:t>1</m:t>
-                          </m:r>
-                        </m:sub>
-                      </m:sSub>
-                      <m:r>
-                        <a:rPr lang="en-US" sz="3200" b="0" i="1" smtClean="0">
-                          <a:latin typeface="Cambria Math" panose="02040503050406030204" pitchFamily="18" charset="0"/>
-                        </a:rPr>
-                        <m:t>+</m:t>
-                      </m:r>
-                      <m:sSub>
-                        <m:sSubPr>
-                          <m:ctrlPr>
-                            <a:rPr lang="en-US" sz="3200" b="0" i="1" smtClean="0">
-                              <a:latin typeface="Cambria Math" panose="02040503050406030204" pitchFamily="18" charset="0"/>
-                            </a:rPr>
-                          </m:ctrlPr>
-                        </m:sSubPr>
-                        <m:e>
-                          <m:r>
-                            <a:rPr lang="en-US" sz="3200" b="0" i="1" smtClean="0">
-                              <a:latin typeface="Cambria Math" panose="02040503050406030204" pitchFamily="18" charset="0"/>
-                            </a:rPr>
-                            <m:t>𝐵</m:t>
-                          </m:r>
-                        </m:e>
-                        <m:sub>
-                          <m:r>
-                            <a:rPr lang="en-US" sz="3200" b="0" i="1" smtClean="0">
-                              <a:latin typeface="Cambria Math" panose="02040503050406030204" pitchFamily="18" charset="0"/>
-                            </a:rPr>
-                            <m:t>2</m:t>
-                          </m:r>
-                        </m:sub>
-                      </m:sSub>
-                      <m:rad>
-                        <m:radPr>
-                          <m:ctrlPr>
-                            <a:rPr lang="en-US" sz="3200" b="0" i="1" smtClean="0">
-                              <a:latin typeface="Cambria Math" panose="02040503050406030204" pitchFamily="18" charset="0"/>
-                            </a:rPr>
-                          </m:ctrlPr>
-                        </m:radPr>
-                        <m:deg>
-                          <m:r>
-                            <m:rPr>
-                              <m:brk m:alnAt="7"/>
-                            </m:rPr>
-                            <a:rPr lang="en-US" sz="3200" b="0" i="1" smtClean="0">
-                              <a:latin typeface="Cambria Math" panose="02040503050406030204" pitchFamily="18" charset="0"/>
-                            </a:rPr>
-                            <m:t>3</m:t>
-                          </m:r>
-                        </m:deg>
-                        <m:e>
-                          <m:sSub>
-                            <m:sSubPr>
-                              <m:ctrlPr>
-                                <a:rPr lang="en-US" sz="3200" b="0" i="1" smtClean="0">
-                                  <a:latin typeface="Cambria Math" panose="02040503050406030204" pitchFamily="18" charset="0"/>
-                                </a:rPr>
-                              </m:ctrlPr>
-                            </m:sSubPr>
-                            <m:e>
-                              <m:r>
-                                <a:rPr lang="en-US" sz="3200" b="0" i="1" smtClean="0">
-                                  <a:latin typeface="Cambria Math" panose="02040503050406030204" pitchFamily="18" charset="0"/>
-                                </a:rPr>
-                                <m:t>𝑋</m:t>
-                              </m:r>
-                            </m:e>
-                            <m:sub>
-                              <m:r>
-                                <a:rPr lang="en-US" sz="3200" b="0" i="1" smtClean="0">
-                                  <a:latin typeface="Cambria Math" panose="02040503050406030204" pitchFamily="18" charset="0"/>
-                                </a:rPr>
-                                <m:t>1</m:t>
-                              </m:r>
-                            </m:sub>
-                          </m:sSub>
-                        </m:e>
-                      </m:rad>
-                      <m:r>
-                        <a:rPr lang="en-US" sz="3200" b="0" i="1" smtClean="0">
-                          <a:latin typeface="Cambria Math" panose="02040503050406030204" pitchFamily="18" charset="0"/>
-                        </a:rPr>
-                        <m:t>+</m:t>
-                      </m:r>
-                      <m:sSub>
-                        <m:sSubPr>
-                          <m:ctrlPr>
-                            <a:rPr lang="en-US" sz="3200" b="0" i="1" smtClean="0">
-                              <a:latin typeface="Cambria Math" panose="02040503050406030204" pitchFamily="18" charset="0"/>
-                            </a:rPr>
-                          </m:ctrlPr>
-                        </m:sSubPr>
-                        <m:e>
-                          <m:r>
-                            <a:rPr lang="en-US" sz="3200" b="0" i="1" smtClean="0">
-                              <a:latin typeface="Cambria Math" panose="02040503050406030204" pitchFamily="18" charset="0"/>
-                            </a:rPr>
-                            <m:t>𝐵</m:t>
-                          </m:r>
-                        </m:e>
-                        <m:sub>
-                          <m:r>
-                            <a:rPr lang="en-US" sz="3200" b="0" i="1" smtClean="0">
-                              <a:latin typeface="Cambria Math" panose="02040503050406030204" pitchFamily="18" charset="0"/>
-                            </a:rPr>
-                            <m:t>3</m:t>
-                          </m:r>
-                        </m:sub>
-                      </m:sSub>
-                      <m:sSub>
-                        <m:sSubPr>
-                          <m:ctrlPr>
-                            <a:rPr lang="en-US" sz="3200" b="0" i="1" smtClean="0">
-                              <a:latin typeface="Cambria Math" panose="02040503050406030204" pitchFamily="18" charset="0"/>
-                            </a:rPr>
-                          </m:ctrlPr>
-                        </m:sSubPr>
-                        <m:e>
-                          <m:r>
-                            <a:rPr lang="en-US" sz="3200" b="0" i="1" smtClean="0">
-                              <a:latin typeface="Cambria Math" panose="02040503050406030204" pitchFamily="18" charset="0"/>
-                            </a:rPr>
-                            <m:t>𝑋</m:t>
-                          </m:r>
-                        </m:e>
-                        <m:sub>
-                          <m:r>
-                            <a:rPr lang="en-US" sz="3200" b="0" i="1" smtClean="0">
-                              <a:latin typeface="Cambria Math" panose="02040503050406030204" pitchFamily="18" charset="0"/>
-                            </a:rPr>
-                            <m:t>1</m:t>
-                          </m:r>
-                        </m:sub>
-                      </m:sSub>
-                      <m:rad>
-                        <m:radPr>
-                          <m:ctrlPr>
-                            <a:rPr lang="en-US" sz="3200" b="0" i="1" smtClean="0">
-                              <a:latin typeface="Cambria Math" panose="02040503050406030204" pitchFamily="18" charset="0"/>
-                            </a:rPr>
-                          </m:ctrlPr>
-                        </m:radPr>
-                        <m:deg>
-                          <m:r>
-                            <m:rPr>
-                              <m:brk m:alnAt="7"/>
-                            </m:rPr>
-                            <a:rPr lang="en-US" sz="3200" b="0" i="1" smtClean="0">
-                              <a:latin typeface="Cambria Math" panose="02040503050406030204" pitchFamily="18" charset="0"/>
-                            </a:rPr>
-                            <m:t>3</m:t>
-                          </m:r>
-                        </m:deg>
-                        <m:e>
-                          <m:sSub>
-                            <m:sSubPr>
-                              <m:ctrlPr>
-                                <a:rPr lang="en-US" sz="3200" b="0" i="1" smtClean="0">
-                                  <a:latin typeface="Cambria Math" panose="02040503050406030204" pitchFamily="18" charset="0"/>
-                                </a:rPr>
-                              </m:ctrlPr>
-                            </m:sSubPr>
-                            <m:e>
-                              <m:r>
-                                <a:rPr lang="en-US" sz="3200" b="0" i="1" smtClean="0">
-                                  <a:latin typeface="Cambria Math" panose="02040503050406030204" pitchFamily="18" charset="0"/>
-                                </a:rPr>
-                                <m:t>𝑋</m:t>
-                              </m:r>
-                            </m:e>
-                            <m:sub>
-                              <m:r>
-                                <a:rPr lang="en-US" sz="3200" b="0" i="1" smtClean="0">
-                                  <a:latin typeface="Cambria Math" panose="02040503050406030204" pitchFamily="18" charset="0"/>
-                                </a:rPr>
-                                <m:t>1</m:t>
-                              </m:r>
-                            </m:sub>
-                          </m:sSub>
-                        </m:e>
-                      </m:rad>
-                    </m:oMath>
-                  </m:oMathPara>
-                </a14:m>
-                <a:endParaRPr lang="en-US" sz="3200" dirty="0"/>
-              </a:p>
-            </p:txBody>
-          </p:sp>
-        </mc:Choice>
-        <mc:Fallback xmlns="">
-          <p:sp>
-            <p:nvSpPr>
-              <p:cNvPr id="4" name="TextBox 3"/>
-              <p:cNvSpPr txBox="1">
-                <a:spLocks noRot="1" noChangeAspect="1" noMove="1" noResize="1" noEditPoints="1" noAdjustHandles="1" noChangeArrowheads="1" noChangeShapeType="1" noTextEdit="1"/>
-              </p:cNvSpPr>
-              <p:nvPr/>
-            </p:nvSpPr>
-            <p:spPr>
-              <a:xfrm>
-                <a:off x="1242811" y="1839503"/>
-                <a:ext cx="6658378" cy="596382"/>
-              </a:xfrm>
-              <a:prstGeom prst="rect">
-                <a:avLst/>
-              </a:prstGeom>
-              <a:blipFill rotWithShape="0">
-                <a:blip r:embed="rId2"/>
-                <a:stretch>
-                  <a:fillRect/>
-                </a:stretch>
-              </a:blipFill>
-            </p:spPr>
-            <p:txBody>
-              <a:bodyPr/>
-              <a:lstStyle/>
-              <a:p>
-                <a:r>
-                  <a:rPr lang="en-US">
-                    <a:noFill/>
-                  </a:rPr>
-                  <a:t> </a:t>
-                </a:r>
-              </a:p>
-            </p:txBody>
-          </p:sp>
-        </mc:Fallback>
-      </mc:AlternateContent>
-    </p:spTree>
-    <p:extLst>
-      <p:ext uri="{BB962C8B-B14F-4D97-AF65-F5344CB8AC3E}">
-        <p14:creationId xmlns:p14="http://schemas.microsoft.com/office/powerpoint/2010/main" val="3079218394"/>
-      </p:ext>
-    </p:extLst>
-  </p:cSld>
-  <p:clrMapOvr>
-    <a:masterClrMapping/>
-  </p:clrMapOvr>
-  <p:timing>
-    <p:tnLst>
-      <p:par>
-        <p:cTn id="1" dur="indefinite" restart="never" nodeType="tmRoot"/>
-      </p:par>
-    </p:tnLst>
-  </p:timing>
-</p:sld>
-</file>
-
-<file path=ppt/slides/slide9.xml><?xml version="1.0" encoding="utf-8"?>
 <p:sld xmlns:a="http://schemas.openxmlformats.org/drawingml/2006/main" xmlns:r="http://schemas.openxmlformats.org/officeDocument/2006/relationships" xmlns:p="http://schemas.openxmlformats.org/presentationml/2006/main">
   <p:cSld>
     <p:spTree>
@@ -5323,10 +4539,1735 @@
           </a:prstGeom>
         </p:spPr>
       </p:pic>
+      <p:sp>
+        <p:nvSpPr>
+          <p:cNvPr id="3" name="Slide Number Placeholder 2"/>
+          <p:cNvSpPr>
+            <a:spLocks noGrp="1"/>
+          </p:cNvSpPr>
+          <p:nvPr>
+            <p:ph type="sldNum" sz="quarter" idx="12"/>
+          </p:nvPr>
+        </p:nvSpPr>
+        <p:spPr/>
+        <p:txBody>
+          <a:bodyPr/>
+          <a:lstStyle/>
+          <a:p>
+            <a:fld id="{23CE3FBD-36E0-4104-8527-540D87CBAD7A}" type="slidenum">
+              <a:rPr lang="en-US" smtClean="0"/>
+              <a:t>10</a:t>
+            </a:fld>
+            <a:endParaRPr lang="en-US"/>
+          </a:p>
+        </p:txBody>
+      </p:sp>
     </p:spTree>
     <p:extLst>
       <p:ext uri="{BB962C8B-B14F-4D97-AF65-F5344CB8AC3E}">
         <p14:creationId xmlns:p14="http://schemas.microsoft.com/office/powerpoint/2010/main" val="1666408057"/>
+      </p:ext>
+    </p:extLst>
+  </p:cSld>
+  <p:clrMapOvr>
+    <a:masterClrMapping/>
+  </p:clrMapOvr>
+  <p:timing>
+    <p:tnLst>
+      <p:par>
+        <p:cTn id="1" dur="indefinite" restart="never" nodeType="tmRoot"/>
+      </p:par>
+    </p:tnLst>
+  </p:timing>
+</p:sld>
+</file>
+
+<file path=ppt/slides/slide11.xml><?xml version="1.0" encoding="utf-8"?>
+<p:sld xmlns:a="http://schemas.openxmlformats.org/drawingml/2006/main" xmlns:r="http://schemas.openxmlformats.org/officeDocument/2006/relationships" xmlns:p="http://schemas.openxmlformats.org/presentationml/2006/main">
+  <p:cSld>
+    <p:spTree>
+      <p:nvGrpSpPr>
+        <p:cNvPr id="1" name=""/>
+        <p:cNvGrpSpPr/>
+        <p:nvPr/>
+      </p:nvGrpSpPr>
+      <p:grpSpPr>
+        <a:xfrm>
+          <a:off x="0" y="0"/>
+          <a:ext cx="0" cy="0"/>
+          <a:chOff x="0" y="0"/>
+          <a:chExt cx="0" cy="0"/>
+        </a:xfrm>
+      </p:grpSpPr>
+      <p:pic>
+        <p:nvPicPr>
+          <p:cNvPr id="4" name="Content Placeholder 3"/>
+          <p:cNvPicPr>
+            <a:picLocks noGrp="1" noChangeAspect="1"/>
+          </p:cNvPicPr>
+          <p:nvPr>
+            <p:ph idx="1"/>
+          </p:nvPr>
+        </p:nvPicPr>
+        <p:blipFill>
+          <a:blip r:embed="rId2">
+            <a:extLst>
+              <a:ext uri="{28A0092B-C50C-407E-A947-70E740481C1C}">
+                <a14:useLocalDpi xmlns:a14="http://schemas.microsoft.com/office/drawing/2010/main" val="0"/>
+              </a:ext>
+            </a:extLst>
+          </a:blip>
+          <a:stretch>
+            <a:fillRect/>
+          </a:stretch>
+        </p:blipFill>
+        <p:spPr>
+          <a:xfrm>
+            <a:off x="1526063" y="1184615"/>
+            <a:ext cx="6989287" cy="4992348"/>
+          </a:xfrm>
+        </p:spPr>
+      </p:pic>
+      <p:sp>
+        <p:nvSpPr>
+          <p:cNvPr id="2" name="Title 1"/>
+          <p:cNvSpPr>
+            <a:spLocks noGrp="1"/>
+          </p:cNvSpPr>
+          <p:nvPr>
+            <p:ph type="title"/>
+          </p:nvPr>
+        </p:nvSpPr>
+        <p:spPr/>
+        <p:txBody>
+          <a:bodyPr/>
+          <a:lstStyle/>
+          <a:p>
+            <a:r>
+              <a:rPr lang="en-US" dirty="0" smtClean="0"/>
+              <a:t>All Together Now</a:t>
+            </a:r>
+            <a:endParaRPr lang="en-US" dirty="0"/>
+          </a:p>
+        </p:txBody>
+      </p:sp>
+      <p:sp>
+        <p:nvSpPr>
+          <p:cNvPr id="3" name="Slide Number Placeholder 2"/>
+          <p:cNvSpPr>
+            <a:spLocks noGrp="1"/>
+          </p:cNvSpPr>
+          <p:nvPr>
+            <p:ph type="sldNum" sz="quarter" idx="12"/>
+          </p:nvPr>
+        </p:nvSpPr>
+        <p:spPr/>
+        <p:txBody>
+          <a:bodyPr/>
+          <a:lstStyle/>
+          <a:p>
+            <a:fld id="{23CE3FBD-36E0-4104-8527-540D87CBAD7A}" type="slidenum">
+              <a:rPr lang="en-US" smtClean="0"/>
+              <a:t>11</a:t>
+            </a:fld>
+            <a:endParaRPr lang="en-US"/>
+          </a:p>
+        </p:txBody>
+      </p:sp>
+    </p:spTree>
+    <p:extLst>
+      <p:ext uri="{BB962C8B-B14F-4D97-AF65-F5344CB8AC3E}">
+        <p14:creationId xmlns:p14="http://schemas.microsoft.com/office/powerpoint/2010/main" val="3393579286"/>
+      </p:ext>
+    </p:extLst>
+  </p:cSld>
+  <p:clrMapOvr>
+    <a:masterClrMapping/>
+  </p:clrMapOvr>
+  <p:timing>
+    <p:tnLst>
+      <p:par>
+        <p:cTn id="1" dur="indefinite" restart="never" nodeType="tmRoot"/>
+      </p:par>
+    </p:tnLst>
+  </p:timing>
+</p:sld>
+</file>
+
+<file path=ppt/slides/slide12.xml><?xml version="1.0" encoding="utf-8"?>
+<p:sld xmlns:a="http://schemas.openxmlformats.org/drawingml/2006/main" xmlns:r="http://schemas.openxmlformats.org/officeDocument/2006/relationships" xmlns:p="http://schemas.openxmlformats.org/presentationml/2006/main">
+  <p:cSld>
+    <p:spTree>
+      <p:nvGrpSpPr>
+        <p:cNvPr id="1" name=""/>
+        <p:cNvGrpSpPr/>
+        <p:nvPr/>
+      </p:nvGrpSpPr>
+      <p:grpSpPr>
+        <a:xfrm>
+          <a:off x="0" y="0"/>
+          <a:ext cx="0" cy="0"/>
+          <a:chOff x="0" y="0"/>
+          <a:chExt cx="0" cy="0"/>
+        </a:xfrm>
+      </p:grpSpPr>
+      <p:sp>
+        <p:nvSpPr>
+          <p:cNvPr id="2" name="Title 1"/>
+          <p:cNvSpPr>
+            <a:spLocks noGrp="1"/>
+          </p:cNvSpPr>
+          <p:nvPr>
+            <p:ph type="title"/>
+          </p:nvPr>
+        </p:nvSpPr>
+        <p:spPr/>
+        <p:txBody>
+          <a:bodyPr/>
+          <a:lstStyle/>
+          <a:p>
+            <a:r>
+              <a:rPr lang="en-US" dirty="0" smtClean="0"/>
+              <a:t>Next Steps</a:t>
+            </a:r>
+            <a:endParaRPr lang="en-US" dirty="0"/>
+          </a:p>
+        </p:txBody>
+      </p:sp>
+      <p:sp>
+        <p:nvSpPr>
+          <p:cNvPr id="3" name="Content Placeholder 2"/>
+          <p:cNvSpPr>
+            <a:spLocks noGrp="1"/>
+          </p:cNvSpPr>
+          <p:nvPr>
+            <p:ph idx="1"/>
+          </p:nvPr>
+        </p:nvSpPr>
+        <p:spPr/>
+        <p:txBody>
+          <a:bodyPr>
+            <a:normAutofit/>
+          </a:bodyPr>
+          <a:lstStyle/>
+          <a:p>
+            <a:r>
+              <a:rPr lang="en-US" sz="3600" dirty="0" smtClean="0"/>
+              <a:t>Validation</a:t>
+            </a:r>
+          </a:p>
+          <a:p>
+            <a:r>
+              <a:rPr lang="en-US" sz="3600" dirty="0" smtClean="0"/>
+              <a:t>Seasonality</a:t>
+            </a:r>
+            <a:endParaRPr lang="en-US" sz="3600" dirty="0"/>
+          </a:p>
+        </p:txBody>
+      </p:sp>
+      <p:sp>
+        <p:nvSpPr>
+          <p:cNvPr id="4" name="Slide Number Placeholder 3"/>
+          <p:cNvSpPr>
+            <a:spLocks noGrp="1"/>
+          </p:cNvSpPr>
+          <p:nvPr>
+            <p:ph type="sldNum" sz="quarter" idx="12"/>
+          </p:nvPr>
+        </p:nvSpPr>
+        <p:spPr/>
+        <p:txBody>
+          <a:bodyPr/>
+          <a:lstStyle/>
+          <a:p>
+            <a:fld id="{23CE3FBD-36E0-4104-8527-540D87CBAD7A}" type="slidenum">
+              <a:rPr lang="en-US" smtClean="0"/>
+              <a:t>12</a:t>
+            </a:fld>
+            <a:endParaRPr lang="en-US"/>
+          </a:p>
+        </p:txBody>
+      </p:sp>
+    </p:spTree>
+    <p:extLst>
+      <p:ext uri="{BB962C8B-B14F-4D97-AF65-F5344CB8AC3E}">
+        <p14:creationId xmlns:p14="http://schemas.microsoft.com/office/powerpoint/2010/main" val="4054552147"/>
+      </p:ext>
+    </p:extLst>
+  </p:cSld>
+  <p:clrMapOvr>
+    <a:masterClrMapping/>
+  </p:clrMapOvr>
+  <p:timing>
+    <p:tnLst>
+      <p:par>
+        <p:cTn id="1" dur="indefinite" restart="never" nodeType="tmRoot"/>
+      </p:par>
+    </p:tnLst>
+  </p:timing>
+</p:sld>
+</file>
+
+<file path=ppt/slides/slide13.xml><?xml version="1.0" encoding="utf-8"?>
+<p:sld xmlns:a="http://schemas.openxmlformats.org/drawingml/2006/main" xmlns:r="http://schemas.openxmlformats.org/officeDocument/2006/relationships" xmlns:p="http://schemas.openxmlformats.org/presentationml/2006/main">
+  <p:cSld>
+    <p:spTree>
+      <p:nvGrpSpPr>
+        <p:cNvPr id="1" name=""/>
+        <p:cNvGrpSpPr/>
+        <p:nvPr/>
+      </p:nvGrpSpPr>
+      <p:grpSpPr>
+        <a:xfrm>
+          <a:off x="0" y="0"/>
+          <a:ext cx="0" cy="0"/>
+          <a:chOff x="0" y="0"/>
+          <a:chExt cx="0" cy="0"/>
+        </a:xfrm>
+      </p:grpSpPr>
+      <p:sp>
+        <p:nvSpPr>
+          <p:cNvPr id="2" name="Title 1"/>
+          <p:cNvSpPr>
+            <a:spLocks noGrp="1"/>
+          </p:cNvSpPr>
+          <p:nvPr>
+            <p:ph type="title"/>
+          </p:nvPr>
+        </p:nvSpPr>
+        <p:spPr/>
+        <p:txBody>
+          <a:bodyPr/>
+          <a:lstStyle/>
+          <a:p>
+            <a:r>
+              <a:rPr lang="en-US" dirty="0" smtClean="0"/>
+              <a:t>Conclusion</a:t>
+            </a:r>
+            <a:endParaRPr lang="en-US" dirty="0"/>
+          </a:p>
+        </p:txBody>
+      </p:sp>
+      <p:sp>
+        <p:nvSpPr>
+          <p:cNvPr id="3" name="Content Placeholder 2"/>
+          <p:cNvSpPr>
+            <a:spLocks noGrp="1"/>
+          </p:cNvSpPr>
+          <p:nvPr>
+            <p:ph idx="1"/>
+          </p:nvPr>
+        </p:nvSpPr>
+        <p:spPr/>
+        <p:txBody>
+          <a:bodyPr>
+            <a:normAutofit/>
+          </a:bodyPr>
+          <a:lstStyle/>
+          <a:p>
+            <a:r>
+              <a:rPr lang="en-US" sz="3600" dirty="0" smtClean="0"/>
+              <a:t>Relationship?</a:t>
+            </a:r>
+          </a:p>
+          <a:p>
+            <a:r>
+              <a:rPr lang="en-US" sz="3600" dirty="0" smtClean="0"/>
+              <a:t>Predictor?</a:t>
+            </a:r>
+          </a:p>
+        </p:txBody>
+      </p:sp>
+      <p:sp>
+        <p:nvSpPr>
+          <p:cNvPr id="4" name="Slide Number Placeholder 3"/>
+          <p:cNvSpPr>
+            <a:spLocks noGrp="1"/>
+          </p:cNvSpPr>
+          <p:nvPr>
+            <p:ph type="sldNum" sz="quarter" idx="12"/>
+          </p:nvPr>
+        </p:nvSpPr>
+        <p:spPr/>
+        <p:txBody>
+          <a:bodyPr/>
+          <a:lstStyle/>
+          <a:p>
+            <a:fld id="{23CE3FBD-36E0-4104-8527-540D87CBAD7A}" type="slidenum">
+              <a:rPr lang="en-US" smtClean="0"/>
+              <a:t>13</a:t>
+            </a:fld>
+            <a:endParaRPr lang="en-US"/>
+          </a:p>
+        </p:txBody>
+      </p:sp>
+    </p:spTree>
+    <p:extLst>
+      <p:ext uri="{BB962C8B-B14F-4D97-AF65-F5344CB8AC3E}">
+        <p14:creationId xmlns:p14="http://schemas.microsoft.com/office/powerpoint/2010/main" val="585308126"/>
+      </p:ext>
+    </p:extLst>
+  </p:cSld>
+  <p:clrMapOvr>
+    <a:masterClrMapping/>
+  </p:clrMapOvr>
+  <p:timing>
+    <p:tnLst>
+      <p:par>
+        <p:cTn id="1" dur="indefinite" restart="never" nodeType="tmRoot"/>
+      </p:par>
+    </p:tnLst>
+  </p:timing>
+</p:sld>
+</file>
+
+<file path=ppt/slides/slide14.xml><?xml version="1.0" encoding="utf-8"?>
+<p:sld xmlns:a="http://schemas.openxmlformats.org/drawingml/2006/main" xmlns:r="http://schemas.openxmlformats.org/officeDocument/2006/relationships" xmlns:p="http://schemas.openxmlformats.org/presentationml/2006/main">
+  <p:cSld>
+    <p:spTree>
+      <p:nvGrpSpPr>
+        <p:cNvPr id="1" name=""/>
+        <p:cNvGrpSpPr/>
+        <p:nvPr/>
+      </p:nvGrpSpPr>
+      <p:grpSpPr>
+        <a:xfrm>
+          <a:off x="0" y="0"/>
+          <a:ext cx="0" cy="0"/>
+          <a:chOff x="0" y="0"/>
+          <a:chExt cx="0" cy="0"/>
+        </a:xfrm>
+      </p:grpSpPr>
+      <p:sp>
+        <p:nvSpPr>
+          <p:cNvPr id="2" name="Title 1"/>
+          <p:cNvSpPr>
+            <a:spLocks noGrp="1"/>
+          </p:cNvSpPr>
+          <p:nvPr>
+            <p:ph type="title"/>
+          </p:nvPr>
+        </p:nvSpPr>
+        <p:spPr/>
+        <p:txBody>
+          <a:bodyPr/>
+          <a:lstStyle/>
+          <a:p>
+            <a:r>
+              <a:rPr lang="en-US" dirty="0" smtClean="0"/>
+              <a:t>Questions?</a:t>
+            </a:r>
+            <a:endParaRPr lang="en-US" dirty="0"/>
+          </a:p>
+        </p:txBody>
+      </p:sp>
+      <p:sp>
+        <p:nvSpPr>
+          <p:cNvPr id="3" name="Text Placeholder 2"/>
+          <p:cNvSpPr>
+            <a:spLocks noGrp="1"/>
+          </p:cNvSpPr>
+          <p:nvPr>
+            <p:ph type="body" idx="1"/>
+          </p:nvPr>
+        </p:nvSpPr>
+        <p:spPr/>
+        <p:txBody>
+          <a:bodyPr/>
+          <a:lstStyle/>
+          <a:p>
+            <a:r>
+              <a:rPr lang="en-US" smtClean="0"/>
+              <a:t>Thank you!</a:t>
+            </a:r>
+            <a:endParaRPr lang="en-US"/>
+          </a:p>
+        </p:txBody>
+      </p:sp>
+      <p:sp>
+        <p:nvSpPr>
+          <p:cNvPr id="4" name="Slide Number Placeholder 3"/>
+          <p:cNvSpPr>
+            <a:spLocks noGrp="1"/>
+          </p:cNvSpPr>
+          <p:nvPr>
+            <p:ph type="sldNum" sz="quarter" idx="12"/>
+          </p:nvPr>
+        </p:nvSpPr>
+        <p:spPr/>
+        <p:txBody>
+          <a:bodyPr/>
+          <a:lstStyle/>
+          <a:p>
+            <a:fld id="{23CE3FBD-36E0-4104-8527-540D87CBAD7A}" type="slidenum">
+              <a:rPr lang="en-US" smtClean="0"/>
+              <a:t>14</a:t>
+            </a:fld>
+            <a:endParaRPr lang="en-US"/>
+          </a:p>
+        </p:txBody>
+      </p:sp>
+    </p:spTree>
+    <p:extLst>
+      <p:ext uri="{BB962C8B-B14F-4D97-AF65-F5344CB8AC3E}">
+        <p14:creationId xmlns:p14="http://schemas.microsoft.com/office/powerpoint/2010/main" val="3974470595"/>
+      </p:ext>
+    </p:extLst>
+  </p:cSld>
+  <p:clrMapOvr>
+    <a:masterClrMapping/>
+  </p:clrMapOvr>
+  <p:timing>
+    <p:tnLst>
+      <p:par>
+        <p:cTn id="1" dur="indefinite" restart="never" nodeType="tmRoot"/>
+      </p:par>
+    </p:tnLst>
+  </p:timing>
+</p:sld>
+</file>
+
+<file path=ppt/slides/slide2.xml><?xml version="1.0" encoding="utf-8"?>
+<p:sld xmlns:a="http://schemas.openxmlformats.org/drawingml/2006/main" xmlns:r="http://schemas.openxmlformats.org/officeDocument/2006/relationships" xmlns:p="http://schemas.openxmlformats.org/presentationml/2006/main">
+  <p:cSld>
+    <p:spTree>
+      <p:nvGrpSpPr>
+        <p:cNvPr id="1" name=""/>
+        <p:cNvGrpSpPr/>
+        <p:nvPr/>
+      </p:nvGrpSpPr>
+      <p:grpSpPr>
+        <a:xfrm>
+          <a:off x="0" y="0"/>
+          <a:ext cx="0" cy="0"/>
+          <a:chOff x="0" y="0"/>
+          <a:chExt cx="0" cy="0"/>
+        </a:xfrm>
+      </p:grpSpPr>
+      <p:sp>
+        <p:nvSpPr>
+          <p:cNvPr id="2" name="Title 1"/>
+          <p:cNvSpPr>
+            <a:spLocks noGrp="1"/>
+          </p:cNvSpPr>
+          <p:nvPr>
+            <p:ph type="title"/>
+          </p:nvPr>
+        </p:nvSpPr>
+        <p:spPr/>
+        <p:txBody>
+          <a:bodyPr/>
+          <a:lstStyle/>
+          <a:p>
+            <a:r>
+              <a:rPr lang="en-US" dirty="0" smtClean="0"/>
+              <a:t>Data Sets</a:t>
+            </a:r>
+            <a:endParaRPr lang="en-US" dirty="0"/>
+          </a:p>
+        </p:txBody>
+      </p:sp>
+      <p:sp>
+        <p:nvSpPr>
+          <p:cNvPr id="3" name="Content Placeholder 2"/>
+          <p:cNvSpPr>
+            <a:spLocks noGrp="1"/>
+          </p:cNvSpPr>
+          <p:nvPr>
+            <p:ph idx="1"/>
+          </p:nvPr>
+        </p:nvSpPr>
+        <p:spPr/>
+        <p:txBody>
+          <a:bodyPr>
+            <a:normAutofit/>
+          </a:bodyPr>
+          <a:lstStyle/>
+          <a:p>
+            <a:r>
+              <a:rPr lang="en-US" sz="3200" dirty="0" err="1" smtClean="0"/>
+              <a:t>Natality</a:t>
+            </a:r>
+            <a:endParaRPr lang="en-US" sz="3200" dirty="0" smtClean="0"/>
+          </a:p>
+          <a:p>
+            <a:r>
+              <a:rPr lang="en-US" sz="3200" dirty="0" smtClean="0"/>
+              <a:t>Population</a:t>
+            </a:r>
+          </a:p>
+          <a:p>
+            <a:r>
+              <a:rPr lang="en-US" sz="3200" dirty="0" smtClean="0"/>
+              <a:t>Unemployment Rate</a:t>
+            </a:r>
+            <a:endParaRPr lang="en-US" sz="3200" dirty="0"/>
+          </a:p>
+        </p:txBody>
+      </p:sp>
+      <p:sp>
+        <p:nvSpPr>
+          <p:cNvPr id="4" name="Slide Number Placeholder 3"/>
+          <p:cNvSpPr>
+            <a:spLocks noGrp="1"/>
+          </p:cNvSpPr>
+          <p:nvPr>
+            <p:ph type="sldNum" sz="quarter" idx="12"/>
+          </p:nvPr>
+        </p:nvSpPr>
+        <p:spPr/>
+        <p:txBody>
+          <a:bodyPr/>
+          <a:lstStyle/>
+          <a:p>
+            <a:fld id="{23CE3FBD-36E0-4104-8527-540D87CBAD7A}" type="slidenum">
+              <a:rPr lang="en-US" smtClean="0"/>
+              <a:t>2</a:t>
+            </a:fld>
+            <a:endParaRPr lang="en-US"/>
+          </a:p>
+        </p:txBody>
+      </p:sp>
+    </p:spTree>
+    <p:extLst>
+      <p:ext uri="{BB962C8B-B14F-4D97-AF65-F5344CB8AC3E}">
+        <p14:creationId xmlns:p14="http://schemas.microsoft.com/office/powerpoint/2010/main" val="1113280670"/>
+      </p:ext>
+    </p:extLst>
+  </p:cSld>
+  <p:clrMapOvr>
+    <a:masterClrMapping/>
+  </p:clrMapOvr>
+  <p:timing>
+    <p:tnLst>
+      <p:par>
+        <p:cTn id="1" dur="indefinite" restart="never" nodeType="tmRoot"/>
+      </p:par>
+    </p:tnLst>
+  </p:timing>
+</p:sld>
+</file>
+
+<file path=ppt/slides/slide3.xml><?xml version="1.0" encoding="utf-8"?>
+<p:sld xmlns:a="http://schemas.openxmlformats.org/drawingml/2006/main" xmlns:r="http://schemas.openxmlformats.org/officeDocument/2006/relationships" xmlns:p="http://schemas.openxmlformats.org/presentationml/2006/main">
+  <p:cSld>
+    <p:spTree>
+      <p:nvGrpSpPr>
+        <p:cNvPr id="1" name=""/>
+        <p:cNvGrpSpPr/>
+        <p:nvPr/>
+      </p:nvGrpSpPr>
+      <p:grpSpPr>
+        <a:xfrm>
+          <a:off x="0" y="0"/>
+          <a:ext cx="0" cy="0"/>
+          <a:chOff x="0" y="0"/>
+          <a:chExt cx="0" cy="0"/>
+        </a:xfrm>
+      </p:grpSpPr>
+      <p:sp>
+        <p:nvSpPr>
+          <p:cNvPr id="2" name="Title 1"/>
+          <p:cNvSpPr>
+            <a:spLocks noGrp="1"/>
+          </p:cNvSpPr>
+          <p:nvPr>
+            <p:ph type="title"/>
+          </p:nvPr>
+        </p:nvSpPr>
+        <p:spPr/>
+        <p:txBody>
+          <a:bodyPr/>
+          <a:lstStyle/>
+          <a:p>
+            <a:endParaRPr lang="en-US" dirty="0"/>
+          </a:p>
+        </p:txBody>
+      </p:sp>
+      <p:pic>
+        <p:nvPicPr>
+          <p:cNvPr id="4" name="Content Placeholder 3"/>
+          <p:cNvPicPr>
+            <a:picLocks noGrp="1" noChangeAspect="1"/>
+          </p:cNvPicPr>
+          <p:nvPr>
+            <p:ph idx="1"/>
+          </p:nvPr>
+        </p:nvPicPr>
+        <p:blipFill>
+          <a:blip r:embed="rId3">
+            <a:clrChange>
+              <a:clrFrom>
+                <a:srgbClr val="FFFFFF"/>
+              </a:clrFrom>
+              <a:clrTo>
+                <a:srgbClr val="FFFFFF">
+                  <a:alpha val="0"/>
+                </a:srgbClr>
+              </a:clrTo>
+            </a:clrChange>
+            <a:extLst>
+              <a:ext uri="{28A0092B-C50C-407E-A947-70E740481C1C}">
+                <a14:useLocalDpi xmlns:a14="http://schemas.microsoft.com/office/drawing/2010/main" val="0"/>
+              </a:ext>
+            </a:extLst>
+          </a:blip>
+          <a:stretch>
+            <a:fillRect/>
+          </a:stretch>
+        </p:blipFill>
+        <p:spPr>
+          <a:xfrm>
+            <a:off x="1300766" y="365126"/>
+            <a:ext cx="7652466" cy="6119235"/>
+          </a:xfrm>
+        </p:spPr>
+      </p:pic>
+      <p:sp>
+        <p:nvSpPr>
+          <p:cNvPr id="3" name="Slide Number Placeholder 2"/>
+          <p:cNvSpPr>
+            <a:spLocks noGrp="1"/>
+          </p:cNvSpPr>
+          <p:nvPr>
+            <p:ph type="sldNum" sz="quarter" idx="12"/>
+          </p:nvPr>
+        </p:nvSpPr>
+        <p:spPr/>
+        <p:txBody>
+          <a:bodyPr/>
+          <a:lstStyle/>
+          <a:p>
+            <a:fld id="{23CE3FBD-36E0-4104-8527-540D87CBAD7A}" type="slidenum">
+              <a:rPr lang="en-US" smtClean="0"/>
+              <a:t>3</a:t>
+            </a:fld>
+            <a:endParaRPr lang="en-US"/>
+          </a:p>
+        </p:txBody>
+      </p:sp>
+    </p:spTree>
+    <p:extLst>
+      <p:ext uri="{BB962C8B-B14F-4D97-AF65-F5344CB8AC3E}">
+        <p14:creationId xmlns:p14="http://schemas.microsoft.com/office/powerpoint/2010/main" val="3859800078"/>
+      </p:ext>
+    </p:extLst>
+  </p:cSld>
+  <p:clrMapOvr>
+    <a:masterClrMapping/>
+  </p:clrMapOvr>
+  <p:timing>
+    <p:tnLst>
+      <p:par>
+        <p:cTn id="1" dur="indefinite" restart="never" nodeType="tmRoot"/>
+      </p:par>
+    </p:tnLst>
+  </p:timing>
+</p:sld>
+</file>
+
+<file path=ppt/slides/slide4.xml><?xml version="1.0" encoding="utf-8"?>
+<p:sld xmlns:a="http://schemas.openxmlformats.org/drawingml/2006/main" xmlns:r="http://schemas.openxmlformats.org/officeDocument/2006/relationships" xmlns:p="http://schemas.openxmlformats.org/presentationml/2006/main">
+  <p:cSld>
+    <p:spTree>
+      <p:nvGrpSpPr>
+        <p:cNvPr id="1" name=""/>
+        <p:cNvGrpSpPr/>
+        <p:nvPr/>
+      </p:nvGrpSpPr>
+      <p:grpSpPr>
+        <a:xfrm>
+          <a:off x="0" y="0"/>
+          <a:ext cx="0" cy="0"/>
+          <a:chOff x="0" y="0"/>
+          <a:chExt cx="0" cy="0"/>
+        </a:xfrm>
+      </p:grpSpPr>
+      <p:sp>
+        <p:nvSpPr>
+          <p:cNvPr id="2" name="Title 1"/>
+          <p:cNvSpPr>
+            <a:spLocks noGrp="1"/>
+          </p:cNvSpPr>
+          <p:nvPr>
+            <p:ph type="title"/>
+          </p:nvPr>
+        </p:nvSpPr>
+        <p:spPr/>
+        <p:txBody>
+          <a:bodyPr/>
+          <a:lstStyle/>
+          <a:p>
+            <a:r>
+              <a:rPr lang="en-US" dirty="0" smtClean="0"/>
+              <a:t>Unidentified Counties</a:t>
+            </a:r>
+            <a:endParaRPr lang="en-US" dirty="0"/>
+          </a:p>
+        </p:txBody>
+      </p:sp>
+      <p:pic>
+        <p:nvPicPr>
+          <p:cNvPr id="6" name="Content Placeholder 5"/>
+          <p:cNvPicPr>
+            <a:picLocks noGrp="1" noChangeAspect="1"/>
+          </p:cNvPicPr>
+          <p:nvPr>
+            <p:ph idx="1"/>
+          </p:nvPr>
+        </p:nvPicPr>
+        <p:blipFill>
+          <a:blip r:embed="rId2">
+            <a:extLst>
+              <a:ext uri="{28A0092B-C50C-407E-A947-70E740481C1C}">
+                <a14:useLocalDpi xmlns:a14="http://schemas.microsoft.com/office/drawing/2010/main" val="0"/>
+              </a:ext>
+            </a:extLst>
+          </a:blip>
+          <a:stretch>
+            <a:fillRect/>
+          </a:stretch>
+        </p:blipFill>
+        <p:spPr>
+          <a:xfrm>
+            <a:off x="87454" y="1690689"/>
+            <a:ext cx="8969092" cy="3431939"/>
+          </a:xfrm>
+        </p:spPr>
+      </p:pic>
+      <p:sp>
+        <p:nvSpPr>
+          <p:cNvPr id="3" name="Slide Number Placeholder 2"/>
+          <p:cNvSpPr>
+            <a:spLocks noGrp="1"/>
+          </p:cNvSpPr>
+          <p:nvPr>
+            <p:ph type="sldNum" sz="quarter" idx="12"/>
+          </p:nvPr>
+        </p:nvSpPr>
+        <p:spPr/>
+        <p:txBody>
+          <a:bodyPr/>
+          <a:lstStyle/>
+          <a:p>
+            <a:fld id="{23CE3FBD-36E0-4104-8527-540D87CBAD7A}" type="slidenum">
+              <a:rPr lang="en-US" smtClean="0"/>
+              <a:t>4</a:t>
+            </a:fld>
+            <a:endParaRPr lang="en-US"/>
+          </a:p>
+        </p:txBody>
+      </p:sp>
+    </p:spTree>
+    <p:extLst>
+      <p:ext uri="{BB962C8B-B14F-4D97-AF65-F5344CB8AC3E}">
+        <p14:creationId xmlns:p14="http://schemas.microsoft.com/office/powerpoint/2010/main" val="9388137"/>
+      </p:ext>
+    </p:extLst>
+  </p:cSld>
+  <p:clrMapOvr>
+    <a:masterClrMapping/>
+  </p:clrMapOvr>
+  <p:timing>
+    <p:tnLst>
+      <p:par>
+        <p:cTn id="1" dur="indefinite" restart="never" nodeType="tmRoot"/>
+      </p:par>
+    </p:tnLst>
+  </p:timing>
+</p:sld>
+</file>
+
+<file path=ppt/slides/slide5.xml><?xml version="1.0" encoding="utf-8"?>
+<p:sld xmlns:a="http://schemas.openxmlformats.org/drawingml/2006/main" xmlns:r="http://schemas.openxmlformats.org/officeDocument/2006/relationships" xmlns:p="http://schemas.openxmlformats.org/presentationml/2006/main">
+  <p:cSld>
+    <p:spTree>
+      <p:nvGrpSpPr>
+        <p:cNvPr id="1" name=""/>
+        <p:cNvGrpSpPr/>
+        <p:nvPr/>
+      </p:nvGrpSpPr>
+      <p:grpSpPr>
+        <a:xfrm>
+          <a:off x="0" y="0"/>
+          <a:ext cx="0" cy="0"/>
+          <a:chOff x="0" y="0"/>
+          <a:chExt cx="0" cy="0"/>
+        </a:xfrm>
+      </p:grpSpPr>
+      <p:sp>
+        <p:nvSpPr>
+          <p:cNvPr id="2" name="Title 1"/>
+          <p:cNvSpPr>
+            <a:spLocks noGrp="1"/>
+          </p:cNvSpPr>
+          <p:nvPr>
+            <p:ph type="title"/>
+          </p:nvPr>
+        </p:nvSpPr>
+        <p:spPr/>
+        <p:txBody>
+          <a:bodyPr/>
+          <a:lstStyle/>
+          <a:p>
+            <a:endParaRPr lang="en-US"/>
+          </a:p>
+        </p:txBody>
+      </p:sp>
+      <p:pic>
+        <p:nvPicPr>
+          <p:cNvPr id="4" name="Content Placeholder 3"/>
+          <p:cNvPicPr>
+            <a:picLocks noGrp="1" noChangeAspect="1"/>
+          </p:cNvPicPr>
+          <p:nvPr>
+            <p:ph idx="1"/>
+          </p:nvPr>
+        </p:nvPicPr>
+        <p:blipFill>
+          <a:blip r:embed="rId3" cstate="print">
+            <a:extLst>
+              <a:ext uri="{28A0092B-C50C-407E-A947-70E740481C1C}">
+                <a14:useLocalDpi xmlns:a14="http://schemas.microsoft.com/office/drawing/2010/main" val="0"/>
+              </a:ext>
+            </a:extLst>
+          </a:blip>
+          <a:stretch>
+            <a:fillRect/>
+          </a:stretch>
+        </p:blipFill>
+        <p:spPr>
+          <a:xfrm>
+            <a:off x="0" y="365126"/>
+            <a:ext cx="9914900" cy="5733976"/>
+          </a:xfrm>
+        </p:spPr>
+      </p:pic>
+      <p:sp>
+        <p:nvSpPr>
+          <p:cNvPr id="5" name="Slide Number Placeholder 4"/>
+          <p:cNvSpPr>
+            <a:spLocks noGrp="1"/>
+          </p:cNvSpPr>
+          <p:nvPr>
+            <p:ph type="sldNum" sz="quarter" idx="12"/>
+          </p:nvPr>
+        </p:nvSpPr>
+        <p:spPr/>
+        <p:txBody>
+          <a:bodyPr/>
+          <a:lstStyle/>
+          <a:p>
+            <a:fld id="{23CE3FBD-36E0-4104-8527-540D87CBAD7A}" type="slidenum">
+              <a:rPr lang="en-US" smtClean="0"/>
+              <a:t>5</a:t>
+            </a:fld>
+            <a:endParaRPr lang="en-US"/>
+          </a:p>
+        </p:txBody>
+      </p:sp>
+    </p:spTree>
+    <p:extLst>
+      <p:ext uri="{BB962C8B-B14F-4D97-AF65-F5344CB8AC3E}">
+        <p14:creationId xmlns:p14="http://schemas.microsoft.com/office/powerpoint/2010/main" val="468733323"/>
+      </p:ext>
+    </p:extLst>
+  </p:cSld>
+  <p:clrMapOvr>
+    <a:masterClrMapping/>
+  </p:clrMapOvr>
+  <p:timing>
+    <p:tnLst>
+      <p:par>
+        <p:cTn id="1" dur="indefinite" restart="never" nodeType="tmRoot"/>
+      </p:par>
+    </p:tnLst>
+  </p:timing>
+</p:sld>
+</file>
+
+<file path=ppt/slides/slide6.xml><?xml version="1.0" encoding="utf-8"?>
+<p:sld xmlns:a="http://schemas.openxmlformats.org/drawingml/2006/main" xmlns:r="http://schemas.openxmlformats.org/officeDocument/2006/relationships" xmlns:p="http://schemas.openxmlformats.org/presentationml/2006/main">
+  <p:cSld>
+    <p:spTree>
+      <p:nvGrpSpPr>
+        <p:cNvPr id="1" name=""/>
+        <p:cNvGrpSpPr/>
+        <p:nvPr/>
+      </p:nvGrpSpPr>
+      <p:grpSpPr>
+        <a:xfrm>
+          <a:off x="0" y="0"/>
+          <a:ext cx="0" cy="0"/>
+          <a:chOff x="0" y="0"/>
+          <a:chExt cx="0" cy="0"/>
+        </a:xfrm>
+      </p:grpSpPr>
+      <p:sp>
+        <p:nvSpPr>
+          <p:cNvPr id="2" name="Title 1"/>
+          <p:cNvSpPr>
+            <a:spLocks noGrp="1"/>
+          </p:cNvSpPr>
+          <p:nvPr>
+            <p:ph type="title"/>
+          </p:nvPr>
+        </p:nvSpPr>
+        <p:spPr/>
+        <p:txBody>
+          <a:bodyPr/>
+          <a:lstStyle/>
+          <a:p>
+            <a:r>
+              <a:rPr lang="en-US" dirty="0" smtClean="0"/>
+              <a:t>United States Births</a:t>
+            </a:r>
+            <a:endParaRPr lang="en-US" dirty="0"/>
+          </a:p>
+        </p:txBody>
+      </p:sp>
+      <p:pic>
+        <p:nvPicPr>
+          <p:cNvPr id="4" name="Content Placeholder 3"/>
+          <p:cNvPicPr>
+            <a:picLocks noGrp="1" noChangeAspect="1"/>
+          </p:cNvPicPr>
+          <p:nvPr>
+            <p:ph idx="1"/>
+          </p:nvPr>
+        </p:nvPicPr>
+        <p:blipFill>
+          <a:blip r:embed="rId2">
+            <a:extLst>
+              <a:ext uri="{28A0092B-C50C-407E-A947-70E740481C1C}">
+                <a14:useLocalDpi xmlns:a14="http://schemas.microsoft.com/office/drawing/2010/main" val="0"/>
+              </a:ext>
+            </a:extLst>
+          </a:blip>
+          <a:stretch>
+            <a:fillRect/>
+          </a:stretch>
+        </p:blipFill>
+        <p:spPr>
+          <a:xfrm>
+            <a:off x="1526063" y="1184615"/>
+            <a:ext cx="6989287" cy="4992348"/>
+          </a:xfrm>
+        </p:spPr>
+      </p:pic>
+      <p:sp>
+        <p:nvSpPr>
+          <p:cNvPr id="3" name="Slide Number Placeholder 2"/>
+          <p:cNvSpPr>
+            <a:spLocks noGrp="1"/>
+          </p:cNvSpPr>
+          <p:nvPr>
+            <p:ph type="sldNum" sz="quarter" idx="12"/>
+          </p:nvPr>
+        </p:nvSpPr>
+        <p:spPr/>
+        <p:txBody>
+          <a:bodyPr/>
+          <a:lstStyle/>
+          <a:p>
+            <a:fld id="{23CE3FBD-36E0-4104-8527-540D87CBAD7A}" type="slidenum">
+              <a:rPr lang="en-US" smtClean="0"/>
+              <a:t>6</a:t>
+            </a:fld>
+            <a:endParaRPr lang="en-US"/>
+          </a:p>
+        </p:txBody>
+      </p:sp>
+    </p:spTree>
+    <p:extLst>
+      <p:ext uri="{BB962C8B-B14F-4D97-AF65-F5344CB8AC3E}">
+        <p14:creationId xmlns:p14="http://schemas.microsoft.com/office/powerpoint/2010/main" val="2931204114"/>
+      </p:ext>
+    </p:extLst>
+  </p:cSld>
+  <p:clrMapOvr>
+    <a:masterClrMapping/>
+  </p:clrMapOvr>
+  <p:timing>
+    <p:tnLst>
+      <p:par>
+        <p:cTn id="1" dur="indefinite" restart="never" nodeType="tmRoot"/>
+      </p:par>
+    </p:tnLst>
+  </p:timing>
+</p:sld>
+</file>
+
+<file path=ppt/slides/slide7.xml><?xml version="1.0" encoding="utf-8"?>
+<p:sld xmlns:a="http://schemas.openxmlformats.org/drawingml/2006/main" xmlns:r="http://schemas.openxmlformats.org/officeDocument/2006/relationships" xmlns:p="http://schemas.openxmlformats.org/presentationml/2006/main">
+  <p:cSld>
+    <p:spTree>
+      <p:nvGrpSpPr>
+        <p:cNvPr id="1" name=""/>
+        <p:cNvGrpSpPr/>
+        <p:nvPr/>
+      </p:nvGrpSpPr>
+      <p:grpSpPr>
+        <a:xfrm>
+          <a:off x="0" y="0"/>
+          <a:ext cx="0" cy="0"/>
+          <a:chOff x="0" y="0"/>
+          <a:chExt cx="0" cy="0"/>
+        </a:xfrm>
+      </p:grpSpPr>
+      <p:sp>
+        <p:nvSpPr>
+          <p:cNvPr id="2" name="Title 1"/>
+          <p:cNvSpPr>
+            <a:spLocks noGrp="1"/>
+          </p:cNvSpPr>
+          <p:nvPr>
+            <p:ph type="title"/>
+          </p:nvPr>
+        </p:nvSpPr>
+        <p:spPr/>
+        <p:txBody>
+          <a:bodyPr/>
+          <a:lstStyle/>
+          <a:p>
+            <a:r>
+              <a:rPr lang="en-US" dirty="0"/>
+              <a:t>United States Births</a:t>
+            </a:r>
+          </a:p>
+        </p:txBody>
+      </p:sp>
+      <p:pic>
+        <p:nvPicPr>
+          <p:cNvPr id="4" name="Content Placeholder 3"/>
+          <p:cNvPicPr>
+            <a:picLocks noGrp="1" noChangeAspect="1"/>
+          </p:cNvPicPr>
+          <p:nvPr>
+            <p:ph idx="1"/>
+          </p:nvPr>
+        </p:nvPicPr>
+        <p:blipFill>
+          <a:blip r:embed="rId2">
+            <a:extLst>
+              <a:ext uri="{28A0092B-C50C-407E-A947-70E740481C1C}">
+                <a14:useLocalDpi xmlns:a14="http://schemas.microsoft.com/office/drawing/2010/main" val="0"/>
+              </a:ext>
+            </a:extLst>
+          </a:blip>
+          <a:stretch>
+            <a:fillRect/>
+          </a:stretch>
+        </p:blipFill>
+        <p:spPr>
+          <a:xfrm>
+            <a:off x="1526063" y="1184614"/>
+            <a:ext cx="6989287" cy="4992348"/>
+          </a:xfrm>
+        </p:spPr>
+      </p:pic>
+      <p:sp>
+        <p:nvSpPr>
+          <p:cNvPr id="3" name="Slide Number Placeholder 2"/>
+          <p:cNvSpPr>
+            <a:spLocks noGrp="1"/>
+          </p:cNvSpPr>
+          <p:nvPr>
+            <p:ph type="sldNum" sz="quarter" idx="12"/>
+          </p:nvPr>
+        </p:nvSpPr>
+        <p:spPr/>
+        <p:txBody>
+          <a:bodyPr/>
+          <a:lstStyle/>
+          <a:p>
+            <a:fld id="{23CE3FBD-36E0-4104-8527-540D87CBAD7A}" type="slidenum">
+              <a:rPr lang="en-US" smtClean="0"/>
+              <a:t>7</a:t>
+            </a:fld>
+            <a:endParaRPr lang="en-US"/>
+          </a:p>
+        </p:txBody>
+      </p:sp>
+    </p:spTree>
+    <p:extLst>
+      <p:ext uri="{BB962C8B-B14F-4D97-AF65-F5344CB8AC3E}">
+        <p14:creationId xmlns:p14="http://schemas.microsoft.com/office/powerpoint/2010/main" val="473169746"/>
+      </p:ext>
+    </p:extLst>
+  </p:cSld>
+  <p:clrMapOvr>
+    <a:masterClrMapping/>
+  </p:clrMapOvr>
+  <p:timing>
+    <p:tnLst>
+      <p:par>
+        <p:cTn id="1" dur="indefinite" restart="never" nodeType="tmRoot"/>
+      </p:par>
+    </p:tnLst>
+  </p:timing>
+</p:sld>
+</file>
+
+<file path=ppt/slides/slide8.xml><?xml version="1.0" encoding="utf-8"?>
+<p:sld xmlns:a="http://schemas.openxmlformats.org/drawingml/2006/main" xmlns:r="http://schemas.openxmlformats.org/officeDocument/2006/relationships" xmlns:p="http://schemas.openxmlformats.org/presentationml/2006/main">
+  <p:cSld>
+    <p:spTree>
+      <p:nvGrpSpPr>
+        <p:cNvPr id="1" name=""/>
+        <p:cNvGrpSpPr/>
+        <p:nvPr/>
+      </p:nvGrpSpPr>
+      <p:grpSpPr>
+        <a:xfrm>
+          <a:off x="0" y="0"/>
+          <a:ext cx="0" cy="0"/>
+          <a:chOff x="0" y="0"/>
+          <a:chExt cx="0" cy="0"/>
+        </a:xfrm>
+      </p:grpSpPr>
+      <p:pic>
+        <p:nvPicPr>
+          <p:cNvPr id="4" name="Content Placeholder 3"/>
+          <p:cNvPicPr>
+            <a:picLocks noGrp="1" noChangeAspect="1"/>
+          </p:cNvPicPr>
+          <p:nvPr>
+            <p:ph idx="1"/>
+          </p:nvPr>
+        </p:nvPicPr>
+        <p:blipFill>
+          <a:blip r:embed="rId2">
+            <a:extLst>
+              <a:ext uri="{28A0092B-C50C-407E-A947-70E740481C1C}">
+                <a14:useLocalDpi xmlns:a14="http://schemas.microsoft.com/office/drawing/2010/main" val="0"/>
+              </a:ext>
+            </a:extLst>
+          </a:blip>
+          <a:stretch>
+            <a:fillRect/>
+          </a:stretch>
+        </p:blipFill>
+        <p:spPr>
+          <a:xfrm>
+            <a:off x="1822277" y="1184615"/>
+            <a:ext cx="6989287" cy="4992348"/>
+          </a:xfrm>
+        </p:spPr>
+      </p:pic>
+      <p:sp>
+        <p:nvSpPr>
+          <p:cNvPr id="2" name="Title 1"/>
+          <p:cNvSpPr>
+            <a:spLocks noGrp="1"/>
+          </p:cNvSpPr>
+          <p:nvPr>
+            <p:ph type="title"/>
+          </p:nvPr>
+        </p:nvSpPr>
+        <p:spPr/>
+        <p:txBody>
+          <a:bodyPr/>
+          <a:lstStyle/>
+          <a:p>
+            <a:r>
+              <a:rPr lang="en-US" dirty="0" smtClean="0"/>
+              <a:t>Unemployment Rate</a:t>
+            </a:r>
+            <a:endParaRPr lang="en-US" dirty="0"/>
+          </a:p>
+        </p:txBody>
+      </p:sp>
+      <p:sp>
+        <p:nvSpPr>
+          <p:cNvPr id="3" name="Slide Number Placeholder 2"/>
+          <p:cNvSpPr>
+            <a:spLocks noGrp="1"/>
+          </p:cNvSpPr>
+          <p:nvPr>
+            <p:ph type="sldNum" sz="quarter" idx="12"/>
+          </p:nvPr>
+        </p:nvSpPr>
+        <p:spPr/>
+        <p:txBody>
+          <a:bodyPr/>
+          <a:lstStyle/>
+          <a:p>
+            <a:fld id="{23CE3FBD-36E0-4104-8527-540D87CBAD7A}" type="slidenum">
+              <a:rPr lang="en-US" smtClean="0"/>
+              <a:t>8</a:t>
+            </a:fld>
+            <a:endParaRPr lang="en-US"/>
+          </a:p>
+        </p:txBody>
+      </p:sp>
+    </p:spTree>
+    <p:extLst>
+      <p:ext uri="{BB962C8B-B14F-4D97-AF65-F5344CB8AC3E}">
+        <p14:creationId xmlns:p14="http://schemas.microsoft.com/office/powerpoint/2010/main" val="1629256139"/>
+      </p:ext>
+    </p:extLst>
+  </p:cSld>
+  <p:clrMapOvr>
+    <a:masterClrMapping/>
+  </p:clrMapOvr>
+  <p:timing>
+    <p:tnLst>
+      <p:par>
+        <p:cTn id="1" dur="indefinite" restart="never" nodeType="tmRoot"/>
+      </p:par>
+    </p:tnLst>
+  </p:timing>
+</p:sld>
+</file>
+
+<file path=ppt/slides/slide9.xml><?xml version="1.0" encoding="utf-8"?>
+<p:sld xmlns:a="http://schemas.openxmlformats.org/drawingml/2006/main" xmlns:r="http://schemas.openxmlformats.org/officeDocument/2006/relationships" xmlns:p="http://schemas.openxmlformats.org/presentationml/2006/main">
+  <p:cSld>
+    <p:spTree>
+      <p:nvGrpSpPr>
+        <p:cNvPr id="1" name=""/>
+        <p:cNvGrpSpPr/>
+        <p:nvPr/>
+      </p:nvGrpSpPr>
+      <p:grpSpPr>
+        <a:xfrm>
+          <a:off x="0" y="0"/>
+          <a:ext cx="0" cy="0"/>
+          <a:chOff x="0" y="0"/>
+          <a:chExt cx="0" cy="0"/>
+        </a:xfrm>
+      </p:grpSpPr>
+      <p:sp>
+        <p:nvSpPr>
+          <p:cNvPr id="2" name="Title 1"/>
+          <p:cNvSpPr>
+            <a:spLocks noGrp="1"/>
+          </p:cNvSpPr>
+          <p:nvPr>
+            <p:ph type="title"/>
+          </p:nvPr>
+        </p:nvSpPr>
+        <p:spPr/>
+        <p:txBody>
+          <a:bodyPr/>
+          <a:lstStyle/>
+          <a:p>
+            <a:r>
+              <a:rPr lang="en-US" dirty="0" smtClean="0"/>
+              <a:t>Functional Form</a:t>
+            </a:r>
+            <a:endParaRPr lang="en-US" dirty="0"/>
+          </a:p>
+        </p:txBody>
+      </p:sp>
+      <p:sp>
+        <p:nvSpPr>
+          <p:cNvPr id="3" name="Content Placeholder 2"/>
+          <p:cNvSpPr>
+            <a:spLocks noGrp="1"/>
+          </p:cNvSpPr>
+          <p:nvPr>
+            <p:ph idx="1"/>
+          </p:nvPr>
+        </p:nvSpPr>
+        <p:spPr>
+          <a:xfrm>
+            <a:off x="628650" y="3181081"/>
+            <a:ext cx="7886700" cy="2995881"/>
+          </a:xfrm>
+        </p:spPr>
+        <p:txBody>
+          <a:bodyPr/>
+          <a:lstStyle/>
+          <a:p>
+            <a:r>
+              <a:rPr lang="en-US" dirty="0" smtClean="0"/>
+              <a:t>Why cube roots?</a:t>
+            </a:r>
+            <a:endParaRPr lang="en-US" dirty="0"/>
+          </a:p>
+        </p:txBody>
+      </p:sp>
+      <mc:AlternateContent xmlns:mc="http://schemas.openxmlformats.org/markup-compatibility/2006" xmlns:a14="http://schemas.microsoft.com/office/drawing/2010/main">
+        <mc:Choice Requires="a14">
+          <p:sp>
+            <p:nvSpPr>
+              <p:cNvPr id="4" name="TextBox 3"/>
+              <p:cNvSpPr txBox="1"/>
+              <p:nvPr/>
+            </p:nvSpPr>
+            <p:spPr>
+              <a:xfrm>
+                <a:off x="1242811" y="1839503"/>
+                <a:ext cx="6658378" cy="596382"/>
+              </a:xfrm>
+              <a:prstGeom prst="rect">
+                <a:avLst/>
+              </a:prstGeom>
+              <a:noFill/>
+            </p:spPr>
+            <p:txBody>
+              <a:bodyPr wrap="square" lIns="0" tIns="0" rIns="0" bIns="0" rtlCol="0">
+                <a:spAutoFit/>
+              </a:bodyPr>
+              <a:lstStyle/>
+              <a:p>
+                <a:pPr/>
+                <a14:m>
+                  <m:oMathPara xmlns:m="http://schemas.openxmlformats.org/officeDocument/2006/math">
+                    <m:oMathParaPr>
+                      <m:jc m:val="centerGroup"/>
+                    </m:oMathParaPr>
+                    <m:oMath xmlns:m="http://schemas.openxmlformats.org/officeDocument/2006/math">
+                      <m:r>
+                        <a:rPr lang="en-US" sz="3200" b="0" i="1" smtClean="0">
+                          <a:latin typeface="Cambria Math" panose="02040503050406030204" pitchFamily="18" charset="0"/>
+                        </a:rPr>
+                        <m:t>𝑦</m:t>
+                      </m:r>
+                      <m:r>
+                        <a:rPr lang="en-US" sz="3200" b="0" i="1" smtClean="0">
+                          <a:latin typeface="Cambria Math" panose="02040503050406030204" pitchFamily="18" charset="0"/>
+                        </a:rPr>
+                        <m:t>=</m:t>
+                      </m:r>
+                      <m:sSub>
+                        <m:sSubPr>
+                          <m:ctrlPr>
+                            <a:rPr lang="en-US" sz="3200" b="0" i="1" smtClean="0">
+                              <a:latin typeface="Cambria Math" panose="02040503050406030204" pitchFamily="18" charset="0"/>
+                            </a:rPr>
+                          </m:ctrlPr>
+                        </m:sSubPr>
+                        <m:e>
+                          <m:r>
+                            <a:rPr lang="en-US" sz="3200" b="0" i="1" smtClean="0">
+                              <a:latin typeface="Cambria Math" panose="02040503050406030204" pitchFamily="18" charset="0"/>
+                            </a:rPr>
+                            <m:t>𝐵</m:t>
+                          </m:r>
+                        </m:e>
+                        <m:sub>
+                          <m:r>
+                            <a:rPr lang="en-US" sz="3200" b="0" i="1" smtClean="0">
+                              <a:latin typeface="Cambria Math" panose="02040503050406030204" pitchFamily="18" charset="0"/>
+                            </a:rPr>
+                            <m:t>0</m:t>
+                          </m:r>
+                        </m:sub>
+                      </m:sSub>
+                      <m:r>
+                        <a:rPr lang="en-US" sz="3200" b="0" i="1" smtClean="0">
+                          <a:latin typeface="Cambria Math" panose="02040503050406030204" pitchFamily="18" charset="0"/>
+                        </a:rPr>
+                        <m:t>+</m:t>
+                      </m:r>
+                      <m:sSub>
+                        <m:sSubPr>
+                          <m:ctrlPr>
+                            <a:rPr lang="en-US" sz="3200" b="0" i="1" smtClean="0">
+                              <a:latin typeface="Cambria Math" panose="02040503050406030204" pitchFamily="18" charset="0"/>
+                            </a:rPr>
+                          </m:ctrlPr>
+                        </m:sSubPr>
+                        <m:e>
+                          <m:r>
+                            <a:rPr lang="en-US" sz="3200" b="0" i="1" smtClean="0">
+                              <a:latin typeface="Cambria Math" panose="02040503050406030204" pitchFamily="18" charset="0"/>
+                            </a:rPr>
+                            <m:t>𝐵</m:t>
+                          </m:r>
+                        </m:e>
+                        <m:sub>
+                          <m:r>
+                            <a:rPr lang="en-US" sz="3200" b="0" i="1" smtClean="0">
+                              <a:latin typeface="Cambria Math" panose="02040503050406030204" pitchFamily="18" charset="0"/>
+                            </a:rPr>
+                            <m:t>1</m:t>
+                          </m:r>
+                        </m:sub>
+                      </m:sSub>
+                      <m:sSub>
+                        <m:sSubPr>
+                          <m:ctrlPr>
+                            <a:rPr lang="en-US" sz="3200" b="0" i="1" smtClean="0">
+                              <a:latin typeface="Cambria Math" panose="02040503050406030204" pitchFamily="18" charset="0"/>
+                            </a:rPr>
+                          </m:ctrlPr>
+                        </m:sSubPr>
+                        <m:e>
+                          <m:r>
+                            <a:rPr lang="en-US" sz="3200" b="0" i="1" smtClean="0">
+                              <a:latin typeface="Cambria Math" panose="02040503050406030204" pitchFamily="18" charset="0"/>
+                            </a:rPr>
+                            <m:t>𝑋</m:t>
+                          </m:r>
+                        </m:e>
+                        <m:sub>
+                          <m:r>
+                            <a:rPr lang="en-US" sz="3200" b="0" i="1" smtClean="0">
+                              <a:latin typeface="Cambria Math" panose="02040503050406030204" pitchFamily="18" charset="0"/>
+                            </a:rPr>
+                            <m:t>1</m:t>
+                          </m:r>
+                        </m:sub>
+                      </m:sSub>
+                      <m:r>
+                        <a:rPr lang="en-US" sz="3200" b="0" i="1" smtClean="0">
+                          <a:latin typeface="Cambria Math" panose="02040503050406030204" pitchFamily="18" charset="0"/>
+                        </a:rPr>
+                        <m:t>+</m:t>
+                      </m:r>
+                      <m:sSub>
+                        <m:sSubPr>
+                          <m:ctrlPr>
+                            <a:rPr lang="en-US" sz="3200" b="0" i="1" smtClean="0">
+                              <a:latin typeface="Cambria Math" panose="02040503050406030204" pitchFamily="18" charset="0"/>
+                            </a:rPr>
+                          </m:ctrlPr>
+                        </m:sSubPr>
+                        <m:e>
+                          <m:r>
+                            <a:rPr lang="en-US" sz="3200" b="0" i="1" smtClean="0">
+                              <a:latin typeface="Cambria Math" panose="02040503050406030204" pitchFamily="18" charset="0"/>
+                            </a:rPr>
+                            <m:t>𝐵</m:t>
+                          </m:r>
+                        </m:e>
+                        <m:sub>
+                          <m:r>
+                            <a:rPr lang="en-US" sz="3200" b="0" i="1" smtClean="0">
+                              <a:latin typeface="Cambria Math" panose="02040503050406030204" pitchFamily="18" charset="0"/>
+                            </a:rPr>
+                            <m:t>2</m:t>
+                          </m:r>
+                        </m:sub>
+                      </m:sSub>
+                      <m:rad>
+                        <m:radPr>
+                          <m:ctrlPr>
+                            <a:rPr lang="en-US" sz="3200" b="0" i="1" smtClean="0">
+                              <a:latin typeface="Cambria Math" panose="02040503050406030204" pitchFamily="18" charset="0"/>
+                            </a:rPr>
+                          </m:ctrlPr>
+                        </m:radPr>
+                        <m:deg>
+                          <m:r>
+                            <m:rPr>
+                              <m:brk m:alnAt="7"/>
+                            </m:rPr>
+                            <a:rPr lang="en-US" sz="3200" b="0" i="1" smtClean="0">
+                              <a:latin typeface="Cambria Math" panose="02040503050406030204" pitchFamily="18" charset="0"/>
+                            </a:rPr>
+                            <m:t>3</m:t>
+                          </m:r>
+                        </m:deg>
+                        <m:e>
+                          <m:sSub>
+                            <m:sSubPr>
+                              <m:ctrlPr>
+                                <a:rPr lang="en-US" sz="3200" b="0" i="1" smtClean="0">
+                                  <a:latin typeface="Cambria Math" panose="02040503050406030204" pitchFamily="18" charset="0"/>
+                                </a:rPr>
+                              </m:ctrlPr>
+                            </m:sSubPr>
+                            <m:e>
+                              <m:r>
+                                <a:rPr lang="en-US" sz="3200" b="0" i="1" smtClean="0">
+                                  <a:latin typeface="Cambria Math" panose="02040503050406030204" pitchFamily="18" charset="0"/>
+                                </a:rPr>
+                                <m:t>𝑋</m:t>
+                              </m:r>
+                            </m:e>
+                            <m:sub>
+                              <m:r>
+                                <a:rPr lang="en-US" sz="3200" b="0" i="1" smtClean="0">
+                                  <a:latin typeface="Cambria Math" panose="02040503050406030204" pitchFamily="18" charset="0"/>
+                                </a:rPr>
+                                <m:t>1</m:t>
+                              </m:r>
+                            </m:sub>
+                          </m:sSub>
+                        </m:e>
+                      </m:rad>
+                      <m:r>
+                        <a:rPr lang="en-US" sz="3200" b="0" i="1" smtClean="0">
+                          <a:latin typeface="Cambria Math" panose="02040503050406030204" pitchFamily="18" charset="0"/>
+                        </a:rPr>
+                        <m:t>+</m:t>
+                      </m:r>
+                      <m:sSub>
+                        <m:sSubPr>
+                          <m:ctrlPr>
+                            <a:rPr lang="en-US" sz="3200" b="0" i="1" smtClean="0">
+                              <a:latin typeface="Cambria Math" panose="02040503050406030204" pitchFamily="18" charset="0"/>
+                            </a:rPr>
+                          </m:ctrlPr>
+                        </m:sSubPr>
+                        <m:e>
+                          <m:r>
+                            <a:rPr lang="en-US" sz="3200" b="0" i="1" smtClean="0">
+                              <a:latin typeface="Cambria Math" panose="02040503050406030204" pitchFamily="18" charset="0"/>
+                            </a:rPr>
+                            <m:t>𝐵</m:t>
+                          </m:r>
+                        </m:e>
+                        <m:sub>
+                          <m:r>
+                            <a:rPr lang="en-US" sz="3200" b="0" i="1" smtClean="0">
+                              <a:latin typeface="Cambria Math" panose="02040503050406030204" pitchFamily="18" charset="0"/>
+                            </a:rPr>
+                            <m:t>3</m:t>
+                          </m:r>
+                        </m:sub>
+                      </m:sSub>
+                      <m:sSub>
+                        <m:sSubPr>
+                          <m:ctrlPr>
+                            <a:rPr lang="en-US" sz="3200" b="0" i="1" smtClean="0">
+                              <a:latin typeface="Cambria Math" panose="02040503050406030204" pitchFamily="18" charset="0"/>
+                            </a:rPr>
+                          </m:ctrlPr>
+                        </m:sSubPr>
+                        <m:e>
+                          <m:r>
+                            <a:rPr lang="en-US" sz="3200" b="0" i="1" smtClean="0">
+                              <a:latin typeface="Cambria Math" panose="02040503050406030204" pitchFamily="18" charset="0"/>
+                            </a:rPr>
+                            <m:t>𝑋</m:t>
+                          </m:r>
+                        </m:e>
+                        <m:sub>
+                          <m:r>
+                            <a:rPr lang="en-US" sz="3200" b="0" i="1" smtClean="0">
+                              <a:latin typeface="Cambria Math" panose="02040503050406030204" pitchFamily="18" charset="0"/>
+                            </a:rPr>
+                            <m:t>1</m:t>
+                          </m:r>
+                        </m:sub>
+                      </m:sSub>
+                      <m:rad>
+                        <m:radPr>
+                          <m:ctrlPr>
+                            <a:rPr lang="en-US" sz="3200" b="0" i="1" smtClean="0">
+                              <a:latin typeface="Cambria Math" panose="02040503050406030204" pitchFamily="18" charset="0"/>
+                            </a:rPr>
+                          </m:ctrlPr>
+                        </m:radPr>
+                        <m:deg>
+                          <m:r>
+                            <m:rPr>
+                              <m:brk m:alnAt="7"/>
+                            </m:rPr>
+                            <a:rPr lang="en-US" sz="3200" b="0" i="1" smtClean="0">
+                              <a:latin typeface="Cambria Math" panose="02040503050406030204" pitchFamily="18" charset="0"/>
+                            </a:rPr>
+                            <m:t>3</m:t>
+                          </m:r>
+                        </m:deg>
+                        <m:e>
+                          <m:sSub>
+                            <m:sSubPr>
+                              <m:ctrlPr>
+                                <a:rPr lang="en-US" sz="3200" b="0" i="1" smtClean="0">
+                                  <a:latin typeface="Cambria Math" panose="02040503050406030204" pitchFamily="18" charset="0"/>
+                                </a:rPr>
+                              </m:ctrlPr>
+                            </m:sSubPr>
+                            <m:e>
+                              <m:r>
+                                <a:rPr lang="en-US" sz="3200" b="0" i="1" smtClean="0">
+                                  <a:latin typeface="Cambria Math" panose="02040503050406030204" pitchFamily="18" charset="0"/>
+                                </a:rPr>
+                                <m:t>𝑋</m:t>
+                              </m:r>
+                            </m:e>
+                            <m:sub>
+                              <m:r>
+                                <a:rPr lang="en-US" sz="3200" b="0" i="1" smtClean="0">
+                                  <a:latin typeface="Cambria Math" panose="02040503050406030204" pitchFamily="18" charset="0"/>
+                                </a:rPr>
+                                <m:t>1</m:t>
+                              </m:r>
+                            </m:sub>
+                          </m:sSub>
+                        </m:e>
+                      </m:rad>
+                    </m:oMath>
+                  </m:oMathPara>
+                </a14:m>
+                <a:endParaRPr lang="en-US" sz="3200" dirty="0"/>
+              </a:p>
+            </p:txBody>
+          </p:sp>
+        </mc:Choice>
+        <mc:Fallback xmlns="">
+          <p:sp>
+            <p:nvSpPr>
+              <p:cNvPr id="4" name="TextBox 3"/>
+              <p:cNvSpPr txBox="1">
+                <a:spLocks noRot="1" noChangeAspect="1" noMove="1" noResize="1" noEditPoints="1" noAdjustHandles="1" noChangeArrowheads="1" noChangeShapeType="1" noTextEdit="1"/>
+              </p:cNvSpPr>
+              <p:nvPr/>
+            </p:nvSpPr>
+            <p:spPr>
+              <a:xfrm>
+                <a:off x="1242811" y="1839503"/>
+                <a:ext cx="6658378" cy="596382"/>
+              </a:xfrm>
+              <a:prstGeom prst="rect">
+                <a:avLst/>
+              </a:prstGeom>
+              <a:blipFill rotWithShape="0">
+                <a:blip r:embed="rId2"/>
+                <a:stretch>
+                  <a:fillRect/>
+                </a:stretch>
+              </a:blipFill>
+            </p:spPr>
+            <p:txBody>
+              <a:bodyPr/>
+              <a:lstStyle/>
+              <a:p>
+                <a:r>
+                  <a:rPr lang="en-US">
+                    <a:noFill/>
+                  </a:rPr>
+                  <a:t> </a:t>
+                </a:r>
+              </a:p>
+            </p:txBody>
+          </p:sp>
+        </mc:Fallback>
+      </mc:AlternateContent>
+      <p:sp>
+        <p:nvSpPr>
+          <p:cNvPr id="5" name="Slide Number Placeholder 4"/>
+          <p:cNvSpPr>
+            <a:spLocks noGrp="1"/>
+          </p:cNvSpPr>
+          <p:nvPr>
+            <p:ph type="sldNum" sz="quarter" idx="12"/>
+          </p:nvPr>
+        </p:nvSpPr>
+        <p:spPr/>
+        <p:txBody>
+          <a:bodyPr/>
+          <a:lstStyle/>
+          <a:p>
+            <a:fld id="{23CE3FBD-36E0-4104-8527-540D87CBAD7A}" type="slidenum">
+              <a:rPr lang="en-US" smtClean="0"/>
+              <a:t>9</a:t>
+            </a:fld>
+            <a:endParaRPr lang="en-US"/>
+          </a:p>
+        </p:txBody>
+      </p:sp>
+    </p:spTree>
+    <p:extLst>
+      <p:ext uri="{BB962C8B-B14F-4D97-AF65-F5344CB8AC3E}">
+        <p14:creationId xmlns:p14="http://schemas.microsoft.com/office/powerpoint/2010/main" val="3079218394"/>
       </p:ext>
     </p:extLst>
   </p:cSld>
@@ -5602,4 +6543,265 @@
     </a:ext>
   </a:extLst>
 </a:theme>
+</file>
+
+<file path=ppt/theme/theme2.xml><?xml version="1.0" encoding="utf-8"?>
+<a:theme xmlns:a="http://schemas.openxmlformats.org/drawingml/2006/main" name="Office Theme">
+  <a:themeElements>
+    <a:clrScheme name="Office">
+      <a:dk1>
+        <a:sysClr val="windowText" lastClr="000000"/>
+      </a:dk1>
+      <a:lt1>
+        <a:sysClr val="window" lastClr="FFFFFF"/>
+      </a:lt1>
+      <a:dk2>
+        <a:srgbClr val="44546A"/>
+      </a:dk2>
+      <a:lt2>
+        <a:srgbClr val="E7E6E6"/>
+      </a:lt2>
+      <a:accent1>
+        <a:srgbClr val="5B9BD5"/>
+      </a:accent1>
+      <a:accent2>
+        <a:srgbClr val="ED7D31"/>
+      </a:accent2>
+      <a:accent3>
+        <a:srgbClr val="A5A5A5"/>
+      </a:accent3>
+      <a:accent4>
+        <a:srgbClr val="FFC000"/>
+      </a:accent4>
+      <a:accent5>
+        <a:srgbClr val="4472C4"/>
+      </a:accent5>
+      <a:accent6>
+        <a:srgbClr val="70AD47"/>
+      </a:accent6>
+      <a:hlink>
+        <a:srgbClr val="0563C1"/>
+      </a:hlink>
+      <a:folHlink>
+        <a:srgbClr val="954F72"/>
+      </a:folHlink>
+    </a:clrScheme>
+    <a:fontScheme name="Office">
+      <a:majorFont>
+        <a:latin typeface="Calibri Light" panose="020F0302020204030204"/>
+        <a:ea typeface=""/>
+        <a:cs typeface=""/>
+        <a:font script="Jpan" typeface="ＭＳ Ｐゴシック"/>
+        <a:font script="Hang" typeface="맑은 고딕"/>
+        <a:font script="Hans" typeface="宋体"/>
+        <a:font script="Hant" typeface="新細明體"/>
+        <a:font script="Arab" typeface="Times New Roman"/>
+        <a:font script="Hebr" typeface="Times New Roman"/>
+        <a:font script="Thai" typeface="Angsana New"/>
+        <a:font script="Ethi" typeface="Nyala"/>
+        <a:font script="Beng" typeface="Vrinda"/>
+        <a:font script="Gujr" typeface="Shruti"/>
+        <a:font script="Khmr" typeface="MoolBoran"/>
+        <a:font script="Knda" typeface="Tunga"/>
+        <a:font script="Guru" typeface="Raavi"/>
+        <a:font script="Cans" typeface="Euphemia"/>
+        <a:font script="Cher" typeface="Plantagenet Cherokee"/>
+        <a:font script="Yiii" typeface="Microsoft Yi Baiti"/>
+        <a:font script="Tibt" typeface="Microsoft Himalaya"/>
+        <a:font script="Thaa" typeface="MV Boli"/>
+        <a:font script="Deva" typeface="Mangal"/>
+        <a:font script="Telu" typeface="Gautami"/>
+        <a:font script="Taml" typeface="Latha"/>
+        <a:font script="Syrc" typeface="Estrangelo Edessa"/>
+        <a:font script="Orya" typeface="Kalinga"/>
+        <a:font script="Mlym" typeface="Kartika"/>
+        <a:font script="Laoo" typeface="DokChampa"/>
+        <a:font script="Sinh" typeface="Iskoola Pota"/>
+        <a:font script="Mong" typeface="Mongolian Baiti"/>
+        <a:font script="Viet" typeface="Times New Roman"/>
+        <a:font script="Uigh" typeface="Microsoft Uighur"/>
+        <a:font script="Geor" typeface="Sylfaen"/>
+      </a:majorFont>
+      <a:minorFont>
+        <a:latin typeface="Calibri" panose="020F0502020204030204"/>
+        <a:ea typeface=""/>
+        <a:cs typeface=""/>
+        <a:font script="Jpan" typeface="ＭＳ Ｐゴシック"/>
+        <a:font script="Hang" typeface="맑은 고딕"/>
+        <a:font script="Hans" typeface="宋体"/>
+        <a:font script="Hant" typeface="新細明體"/>
+        <a:font script="Arab" typeface="Arial"/>
+        <a:font script="Hebr" typeface="Arial"/>
+        <a:font script="Thai" typeface="Cordia New"/>
+        <a:font script="Ethi" typeface="Nyala"/>
+        <a:font script="Beng" typeface="Vrinda"/>
+        <a:font script="Gujr" typeface="Shruti"/>
+        <a:font script="Khmr" typeface="DaunPenh"/>
+        <a:font script="Knda" typeface="Tunga"/>
+        <a:font script="Guru" typeface="Raavi"/>
+        <a:font script="Cans" typeface="Euphemia"/>
+        <a:font script="Cher" typeface="Plantagenet Cherokee"/>
+        <a:font script="Yiii" typeface="Microsoft Yi Baiti"/>
+        <a:font script="Tibt" typeface="Microsoft Himalaya"/>
+        <a:font script="Thaa" typeface="MV Boli"/>
+        <a:font script="Deva" typeface="Mangal"/>
+        <a:font script="Telu" typeface="Gautami"/>
+        <a:font script="Taml" typeface="Latha"/>
+        <a:font script="Syrc" typeface="Estrangelo Edessa"/>
+        <a:font script="Orya" typeface="Kalinga"/>
+        <a:font script="Mlym" typeface="Kartika"/>
+        <a:font script="Laoo" typeface="DokChampa"/>
+        <a:font script="Sinh" typeface="Iskoola Pota"/>
+        <a:font script="Mong" typeface="Mongolian Baiti"/>
+        <a:font script="Viet" typeface="Arial"/>
+        <a:font script="Uigh" typeface="Microsoft Uighur"/>
+        <a:font script="Geor" typeface="Sylfaen"/>
+      </a:minorFont>
+    </a:fontScheme>
+    <a:fmtScheme name="Office">
+      <a:fillStyleLst>
+        <a:solidFill>
+          <a:schemeClr val="phClr"/>
+        </a:solidFill>
+        <a:gradFill rotWithShape="1">
+          <a:gsLst>
+            <a:gs pos="0">
+              <a:schemeClr val="phClr">
+                <a:lumMod val="110000"/>
+                <a:satMod val="105000"/>
+                <a:tint val="67000"/>
+              </a:schemeClr>
+            </a:gs>
+            <a:gs pos="50000">
+              <a:schemeClr val="phClr">
+                <a:lumMod val="105000"/>
+                <a:satMod val="103000"/>
+                <a:tint val="73000"/>
+              </a:schemeClr>
+            </a:gs>
+            <a:gs pos="100000">
+              <a:schemeClr val="phClr">
+                <a:lumMod val="105000"/>
+                <a:satMod val="109000"/>
+                <a:tint val="81000"/>
+              </a:schemeClr>
+            </a:gs>
+          </a:gsLst>
+          <a:lin ang="5400000" scaled="0"/>
+        </a:gradFill>
+        <a:gradFill rotWithShape="1">
+          <a:gsLst>
+            <a:gs pos="0">
+              <a:schemeClr val="phClr">
+                <a:satMod val="103000"/>
+                <a:lumMod val="102000"/>
+                <a:tint val="94000"/>
+              </a:schemeClr>
+            </a:gs>
+            <a:gs pos="50000">
+              <a:schemeClr val="phClr">
+                <a:satMod val="110000"/>
+                <a:lumMod val="100000"/>
+                <a:shade val="100000"/>
+              </a:schemeClr>
+            </a:gs>
+            <a:gs pos="100000">
+              <a:schemeClr val="phClr">
+                <a:lumMod val="99000"/>
+                <a:satMod val="120000"/>
+                <a:shade val="78000"/>
+              </a:schemeClr>
+            </a:gs>
+          </a:gsLst>
+          <a:lin ang="5400000" scaled="0"/>
+        </a:gradFill>
+      </a:fillStyleLst>
+      <a:lnStyleLst>
+        <a:ln w="6350" cap="flat" cmpd="sng" algn="ctr">
+          <a:solidFill>
+            <a:schemeClr val="phClr"/>
+          </a:solidFill>
+          <a:prstDash val="solid"/>
+          <a:miter lim="800000"/>
+        </a:ln>
+        <a:ln w="12700" cap="flat" cmpd="sng" algn="ctr">
+          <a:solidFill>
+            <a:schemeClr val="phClr"/>
+          </a:solidFill>
+          <a:prstDash val="solid"/>
+          <a:miter lim="800000"/>
+        </a:ln>
+        <a:ln w="19050" cap="flat" cmpd="sng" algn="ctr">
+          <a:solidFill>
+            <a:schemeClr val="phClr"/>
+          </a:solidFill>
+          <a:prstDash val="solid"/>
+          <a:miter lim="800000"/>
+        </a:ln>
+      </a:lnStyleLst>
+      <a:effectStyleLst>
+        <a:effectStyle>
+          <a:effectLst/>
+        </a:effectStyle>
+        <a:effectStyle>
+          <a:effectLst/>
+        </a:effectStyle>
+        <a:effectStyle>
+          <a:effectLst>
+            <a:outerShdw blurRad="57150" dist="19050" dir="5400000" algn="ctr" rotWithShape="0">
+              <a:srgbClr val="000000">
+                <a:alpha val="63000"/>
+              </a:srgbClr>
+            </a:outerShdw>
+          </a:effectLst>
+        </a:effectStyle>
+      </a:effectStyleLst>
+      <a:bgFillStyleLst>
+        <a:solidFill>
+          <a:schemeClr val="phClr"/>
+        </a:solidFill>
+        <a:solidFill>
+          <a:schemeClr val="phClr">
+            <a:tint val="95000"/>
+            <a:satMod val="170000"/>
+          </a:schemeClr>
+        </a:solidFill>
+        <a:gradFill rotWithShape="1">
+          <a:gsLst>
+            <a:gs pos="0">
+              <a:schemeClr val="phClr">
+                <a:tint val="93000"/>
+                <a:satMod val="150000"/>
+                <a:shade val="98000"/>
+                <a:lumMod val="102000"/>
+              </a:schemeClr>
+            </a:gs>
+            <a:gs pos="50000">
+              <a:schemeClr val="phClr">
+                <a:tint val="98000"/>
+                <a:satMod val="130000"/>
+                <a:shade val="90000"/>
+                <a:lumMod val="103000"/>
+              </a:schemeClr>
+            </a:gs>
+            <a:gs pos="100000">
+              <a:schemeClr val="phClr">
+                <a:shade val="63000"/>
+                <a:satMod val="120000"/>
+              </a:schemeClr>
+            </a:gs>
+          </a:gsLst>
+          <a:lin ang="5400000" scaled="0"/>
+        </a:gradFill>
+      </a:bgFillStyleLst>
+    </a:fmtScheme>
+  </a:themeElements>
+  <a:objectDefaults/>
+  <a:extraClrSchemeLst/>
+  <a:extLst>
+    <a:ext uri="{05A4C25C-085E-4340-85A3-A5531E510DB2}">
+      <thm15:themeFamily xmlns:thm15="http://schemas.microsoft.com/office/thememl/2012/main" name="Office Theme" id="{62F939B6-93AF-4DB8-9C6B-D6C7DFDC589F}" vid="{4A3C46E8-61CC-4603-A589-7422A47A8E4A}"/>
+    </a:ext>
+  </a:extLst>
+</a:theme>
 </file>
--- a/FinalProject/FinalProject-Dittenhafer-USBirthsAnalysis.pptx
+++ b/FinalProject/FinalProject-Dittenhafer-USBirthsAnalysis.pptx
@@ -5,7 +5,7 @@
     <p:sldMasterId id="2147483660" r:id="rId1"/>
   </p:sldMasterIdLst>
   <p:notesMasterIdLst>
-    <p:notesMasterId r:id="rId16"/>
+    <p:notesMasterId r:id="rId17"/>
   </p:notesMasterIdLst>
   <p:sldIdLst>
     <p:sldId id="256" r:id="rId2"/>
@@ -13,15 +13,16 @@
     <p:sldId id="258" r:id="rId4"/>
     <p:sldId id="259" r:id="rId5"/>
     <p:sldId id="270" r:id="rId6"/>
-    <p:sldId id="260" r:id="rId7"/>
-    <p:sldId id="261" r:id="rId8"/>
-    <p:sldId id="269" r:id="rId9"/>
-    <p:sldId id="262" r:id="rId10"/>
-    <p:sldId id="264" r:id="rId11"/>
-    <p:sldId id="263" r:id="rId12"/>
-    <p:sldId id="267" r:id="rId13"/>
-    <p:sldId id="268" r:id="rId14"/>
-    <p:sldId id="266" r:id="rId15"/>
+    <p:sldId id="271" r:id="rId7"/>
+    <p:sldId id="260" r:id="rId8"/>
+    <p:sldId id="261" r:id="rId9"/>
+    <p:sldId id="269" r:id="rId10"/>
+    <p:sldId id="262" r:id="rId11"/>
+    <p:sldId id="264" r:id="rId12"/>
+    <p:sldId id="263" r:id="rId13"/>
+    <p:sldId id="267" r:id="rId14"/>
+    <p:sldId id="268" r:id="rId15"/>
+    <p:sldId id="266" r:id="rId16"/>
   </p:sldIdLst>
   <p:sldSz cx="9144000" cy="6858000" type="screen4x3"/>
   <p:notesSz cx="6858000" cy="9144000"/>
@@ -210,7 +211,7 @@
           <a:p>
             <a:fld id="{2C90C681-8E9A-4D75-9C06-D71E0BA70CEF}" type="datetimeFigureOut">
               <a:rPr lang="en-US" smtClean="0"/>
-              <a:t>12/8/2014</a:t>
+              <a:t>12/14/2014</a:t>
             </a:fld>
             <a:endParaRPr lang="en-US"/>
           </a:p>
@@ -646,6 +647,116 @@
 </p:notes>
 </file>
 
+<file path=ppt/notesSlides/notesSlide3.xml><?xml version="1.0" encoding="utf-8"?>
+<p:notes xmlns:a="http://schemas.openxmlformats.org/drawingml/2006/main" xmlns:r="http://schemas.openxmlformats.org/officeDocument/2006/relationships" xmlns:p="http://schemas.openxmlformats.org/presentationml/2006/main">
+  <p:cSld>
+    <p:spTree>
+      <p:nvGrpSpPr>
+        <p:cNvPr id="1" name=""/>
+        <p:cNvGrpSpPr/>
+        <p:nvPr/>
+      </p:nvGrpSpPr>
+      <p:grpSpPr>
+        <a:xfrm>
+          <a:off x="0" y="0"/>
+          <a:ext cx="0" cy="0"/>
+          <a:chOff x="0" y="0"/>
+          <a:chExt cx="0" cy="0"/>
+        </a:xfrm>
+      </p:grpSpPr>
+      <p:sp>
+        <p:nvSpPr>
+          <p:cNvPr id="2" name="Slide Image Placeholder 1"/>
+          <p:cNvSpPr>
+            <a:spLocks noGrp="1" noRot="1" noChangeAspect="1"/>
+          </p:cNvSpPr>
+          <p:nvPr>
+            <p:ph type="sldImg"/>
+          </p:nvPr>
+        </p:nvSpPr>
+        <p:spPr/>
+      </p:sp>
+      <p:sp>
+        <p:nvSpPr>
+          <p:cNvPr id="3" name="Notes Placeholder 2"/>
+          <p:cNvSpPr>
+            <a:spLocks noGrp="1"/>
+          </p:cNvSpPr>
+          <p:nvPr>
+            <p:ph type="body" idx="1"/>
+          </p:nvPr>
+        </p:nvSpPr>
+        <p:spPr/>
+        <p:txBody>
+          <a:bodyPr/>
+          <a:lstStyle/>
+          <a:p>
+            <a:r>
+              <a:rPr lang="en-US" sz="1200" b="1" i="0" u="none" strike="noStrike" kern="1200" dirty="0" smtClean="0">
+                <a:solidFill>
+                  <a:schemeClr val="tx1"/>
+                </a:solidFill>
+                <a:effectLst/>
+                <a:latin typeface="+mn-lt"/>
+                <a:ea typeface="+mn-ea"/>
+                <a:cs typeface="+mn-cs"/>
+              </a:rPr>
+              <a:t>3,952,841</a:t>
+            </a:r>
+            <a:r>
+              <a:rPr lang="en-US" dirty="0" smtClean="0"/>
+              <a:t> births</a:t>
+            </a:r>
+            <a:r>
+              <a:rPr lang="en-US" baseline="0" dirty="0" smtClean="0"/>
+              <a:t> in 2012.</a:t>
+            </a:r>
+          </a:p>
+          <a:p>
+            <a:r>
+              <a:rPr lang="en-US" baseline="0" smtClean="0"/>
+              <a:t>3,953,590 births in 2011</a:t>
+            </a:r>
+            <a:endParaRPr lang="en-US" dirty="0"/>
+          </a:p>
+        </p:txBody>
+      </p:sp>
+      <p:sp>
+        <p:nvSpPr>
+          <p:cNvPr id="4" name="Slide Number Placeholder 3"/>
+          <p:cNvSpPr>
+            <a:spLocks noGrp="1"/>
+          </p:cNvSpPr>
+          <p:nvPr>
+            <p:ph type="sldNum" sz="quarter" idx="10"/>
+          </p:nvPr>
+        </p:nvSpPr>
+        <p:spPr/>
+        <p:txBody>
+          <a:bodyPr/>
+          <a:lstStyle/>
+          <a:p>
+            <a:fld id="{6CCEEA17-3C7B-4E8E-B94D-100C6D038B8F}" type="slidenum">
+              <a:rPr lang="en-US" smtClean="0"/>
+              <a:t>7</a:t>
+            </a:fld>
+            <a:endParaRPr lang="en-US"/>
+          </a:p>
+        </p:txBody>
+      </p:sp>
+    </p:spTree>
+    <p:extLst>
+      <p:ext uri="{BB962C8B-B14F-4D97-AF65-F5344CB8AC3E}">
+        <p14:creationId xmlns:p14="http://schemas.microsoft.com/office/powerpoint/2010/main" val="3942100234"/>
+      </p:ext>
+    </p:extLst>
+  </p:cSld>
+  <p:clrMapOvr>
+    <a:masterClrMapping/>
+  </p:clrMapOvr>
+</p:notes>
+</file>
+
 <file path=ppt/slideLayouts/slideLayout1.xml><?xml version="1.0" encoding="utf-8"?>
 <p:sldLayout xmlns:a="http://schemas.openxmlformats.org/drawingml/2006/main" xmlns:r="http://schemas.openxmlformats.org/officeDocument/2006/relationships" xmlns:p="http://schemas.openxmlformats.org/presentationml/2006/main" type="title" preserve="1">
   <p:cSld name="Title Slide">
@@ -777,7 +888,7 @@
           <a:p>
             <a:fld id="{44CED634-F8D4-4934-BB82-192B1F7AA564}" type="datetime1">
               <a:rPr lang="en-US" smtClean="0"/>
-              <a:t>12/8/2014</a:t>
+              <a:t>12/14/2014</a:t>
             </a:fld>
             <a:endParaRPr lang="en-US"/>
           </a:p>
@@ -954,7 +1065,7 @@
           <a:p>
             <a:fld id="{0BEBBAB0-5534-4665-8E3B-2F05881EDD10}" type="datetime1">
               <a:rPr lang="en-US" smtClean="0"/>
-              <a:t>12/8/2014</a:t>
+              <a:t>12/14/2014</a:t>
             </a:fld>
             <a:endParaRPr lang="en-US"/>
           </a:p>
@@ -1134,7 +1245,7 @@
           <a:p>
             <a:fld id="{9C3E94D1-0988-465C-B88B-8059F514F62C}" type="datetime1">
               <a:rPr lang="en-US" smtClean="0"/>
-              <a:t>12/8/2014</a:t>
+              <a:t>12/14/2014</a:t>
             </a:fld>
             <a:endParaRPr lang="en-US"/>
           </a:p>
@@ -1311,7 +1422,7 @@
           <a:p>
             <a:fld id="{D55BF033-1DE2-482C-84EC-C6250AE0A5DA}" type="datetime1">
               <a:rPr lang="en-US" smtClean="0"/>
-              <a:t>12/8/2014</a:t>
+              <a:t>12/14/2014</a:t>
             </a:fld>
             <a:endParaRPr lang="en-US"/>
           </a:p>
@@ -1555,7 +1666,7 @@
           <a:p>
             <a:fld id="{3E6087C6-38AB-4896-8258-B910971B932B}" type="datetime1">
               <a:rPr lang="en-US" smtClean="0"/>
-              <a:t>12/8/2014</a:t>
+              <a:t>12/14/2014</a:t>
             </a:fld>
             <a:endParaRPr lang="en-US"/>
           </a:p>
@@ -1787,7 +1898,7 @@
           <a:p>
             <a:fld id="{D66F7216-02CB-45C7-B0B9-894D9C17471E}" type="datetime1">
               <a:rPr lang="en-US" smtClean="0"/>
-              <a:t>12/8/2014</a:t>
+              <a:t>12/14/2014</a:t>
             </a:fld>
             <a:endParaRPr lang="en-US"/>
           </a:p>
@@ -2154,7 +2265,7 @@
           <a:p>
             <a:fld id="{E4B1FEAA-C71C-4259-AA1A-4C540B6ED93F}" type="datetime1">
               <a:rPr lang="en-US" smtClean="0"/>
-              <a:t>12/8/2014</a:t>
+              <a:t>12/14/2014</a:t>
             </a:fld>
             <a:endParaRPr lang="en-US"/>
           </a:p>
@@ -2272,7 +2383,7 @@
           <a:p>
             <a:fld id="{01AB219D-CBAB-477F-9B76-C3AEEAD15736}" type="datetime1">
               <a:rPr lang="en-US" smtClean="0"/>
-              <a:t>12/8/2014</a:t>
+              <a:t>12/14/2014</a:t>
             </a:fld>
             <a:endParaRPr lang="en-US"/>
           </a:p>
@@ -2367,7 +2478,7 @@
           <a:p>
             <a:fld id="{5CDE76CD-F284-4002-A839-6583EB0D4730}" type="datetime1">
               <a:rPr lang="en-US" smtClean="0"/>
-              <a:t>12/8/2014</a:t>
+              <a:t>12/14/2014</a:t>
             </a:fld>
             <a:endParaRPr lang="en-US"/>
           </a:p>
@@ -2644,7 +2755,7 @@
           <a:p>
             <a:fld id="{F4051FC3-2C25-439E-9827-03D79805D6C7}" type="datetime1">
               <a:rPr lang="en-US" smtClean="0"/>
-              <a:t>12/8/2014</a:t>
+              <a:t>12/14/2014</a:t>
             </a:fld>
             <a:endParaRPr lang="en-US"/>
           </a:p>
@@ -2901,7 +3012,7 @@
           <a:p>
             <a:fld id="{03B662C3-CAAC-4FD1-895A-D8631B397C55}" type="datetime1">
               <a:rPr lang="en-US" smtClean="0"/>
-              <a:t>12/8/2014</a:t>
+              <a:t>12/14/2014</a:t>
             </a:fld>
             <a:endParaRPr lang="en-US"/>
           </a:p>
@@ -3144,7 +3255,7 @@
           <a:p>
             <a:fld id="{55BCFB4C-75D1-4048-8839-5DB71FDD7213}" type="datetime1">
               <a:rPr lang="en-US" smtClean="0"/>
-              <a:t>12/8/2014</a:t>
+              <a:t>12/14/2014</a:t>
             </a:fld>
             <a:endParaRPr lang="en-US"/>
           </a:p>
@@ -3659,6 +3770,469 @@
 </file>
 
 <file path=ppt/slides/slide10.xml><?xml version="1.0" encoding="utf-8"?>
+<p:sld xmlns:a="http://schemas.openxmlformats.org/drawingml/2006/main" xmlns:r="http://schemas.openxmlformats.org/officeDocument/2006/relationships" xmlns:p="http://schemas.openxmlformats.org/presentationml/2006/main">
+  <p:cSld>
+    <p:spTree>
+      <p:nvGrpSpPr>
+        <p:cNvPr id="1" name=""/>
+        <p:cNvGrpSpPr/>
+        <p:nvPr/>
+      </p:nvGrpSpPr>
+      <p:grpSpPr>
+        <a:xfrm>
+          <a:off x="0" y="0"/>
+          <a:ext cx="0" cy="0"/>
+          <a:chOff x="0" y="0"/>
+          <a:chExt cx="0" cy="0"/>
+        </a:xfrm>
+      </p:grpSpPr>
+      <p:sp>
+        <p:nvSpPr>
+          <p:cNvPr id="2" name="Title 1"/>
+          <p:cNvSpPr>
+            <a:spLocks noGrp="1"/>
+          </p:cNvSpPr>
+          <p:nvPr>
+            <p:ph type="title"/>
+          </p:nvPr>
+        </p:nvSpPr>
+        <p:spPr/>
+        <p:txBody>
+          <a:bodyPr/>
+          <a:lstStyle/>
+          <a:p>
+            <a:r>
+              <a:rPr lang="en-US" dirty="0" smtClean="0"/>
+              <a:t>Functional Form</a:t>
+            </a:r>
+            <a:endParaRPr lang="en-US" dirty="0"/>
+          </a:p>
+        </p:txBody>
+      </p:sp>
+      <p:sp>
+        <p:nvSpPr>
+          <p:cNvPr id="3" name="Content Placeholder 2"/>
+          <p:cNvSpPr>
+            <a:spLocks noGrp="1"/>
+          </p:cNvSpPr>
+          <p:nvPr>
+            <p:ph idx="1"/>
+          </p:nvPr>
+        </p:nvSpPr>
+        <p:spPr>
+          <a:xfrm>
+            <a:off x="628650" y="3181081"/>
+            <a:ext cx="7886700" cy="2995881"/>
+          </a:xfrm>
+        </p:spPr>
+        <p:txBody>
+          <a:bodyPr/>
+          <a:lstStyle/>
+          <a:p>
+            <a:r>
+              <a:rPr lang="en-US" dirty="0" smtClean="0"/>
+              <a:t>Why cube roots?</a:t>
+            </a:r>
+            <a:endParaRPr lang="en-US" dirty="0"/>
+          </a:p>
+        </p:txBody>
+      </p:sp>
+      <mc:AlternateContent xmlns:mc="http://schemas.openxmlformats.org/markup-compatibility/2006" xmlns:a14="http://schemas.microsoft.com/office/drawing/2010/main">
+        <mc:Choice Requires="a14">
+          <p:sp>
+            <p:nvSpPr>
+              <p:cNvPr id="4" name="TextBox 3"/>
+              <p:cNvSpPr txBox="1"/>
+              <p:nvPr/>
+            </p:nvSpPr>
+            <p:spPr>
+              <a:xfrm>
+                <a:off x="1242811" y="1839503"/>
+                <a:ext cx="6658378" cy="596382"/>
+              </a:xfrm>
+              <a:prstGeom prst="rect">
+                <a:avLst/>
+              </a:prstGeom>
+              <a:noFill/>
+            </p:spPr>
+            <p:txBody>
+              <a:bodyPr wrap="square" lIns="0" tIns="0" rIns="0" bIns="0" rtlCol="0">
+                <a:spAutoFit/>
+              </a:bodyPr>
+              <a:lstStyle/>
+              <a:p>
+                <a:pPr/>
+                <a14:m>
+                  <m:oMathPara xmlns:m="http://schemas.openxmlformats.org/officeDocument/2006/math">
+                    <m:oMathParaPr>
+                      <m:jc m:val="centerGroup"/>
+                    </m:oMathParaPr>
+                    <m:oMath xmlns:m="http://schemas.openxmlformats.org/officeDocument/2006/math">
+                      <m:r>
+                        <a:rPr lang="en-US" sz="3200" b="0" i="1" smtClean="0">
+                          <a:latin typeface="Cambria Math" panose="02040503050406030204" pitchFamily="18" charset="0"/>
+                        </a:rPr>
+                        <m:t>𝑦</m:t>
+                      </m:r>
+                      <m:r>
+                        <a:rPr lang="en-US" sz="3200" b="0" i="1" smtClean="0">
+                          <a:latin typeface="Cambria Math" panose="02040503050406030204" pitchFamily="18" charset="0"/>
+                        </a:rPr>
+                        <m:t>=</m:t>
+                      </m:r>
+                      <m:sSub>
+                        <m:sSubPr>
+                          <m:ctrlPr>
+                            <a:rPr lang="en-US" sz="3200" b="0" i="1" smtClean="0">
+                              <a:latin typeface="Cambria Math" panose="02040503050406030204" pitchFamily="18" charset="0"/>
+                            </a:rPr>
+                          </m:ctrlPr>
+                        </m:sSubPr>
+                        <m:e>
+                          <m:r>
+                            <a:rPr lang="en-US" sz="3200" b="0" i="1" smtClean="0">
+                              <a:latin typeface="Cambria Math" panose="02040503050406030204" pitchFamily="18" charset="0"/>
+                            </a:rPr>
+                            <m:t>𝐵</m:t>
+                          </m:r>
+                        </m:e>
+                        <m:sub>
+                          <m:r>
+                            <a:rPr lang="en-US" sz="3200" b="0" i="1" smtClean="0">
+                              <a:latin typeface="Cambria Math" panose="02040503050406030204" pitchFamily="18" charset="0"/>
+                            </a:rPr>
+                            <m:t>0</m:t>
+                          </m:r>
+                        </m:sub>
+                      </m:sSub>
+                      <m:r>
+                        <a:rPr lang="en-US" sz="3200" b="0" i="1" smtClean="0">
+                          <a:latin typeface="Cambria Math" panose="02040503050406030204" pitchFamily="18" charset="0"/>
+                        </a:rPr>
+                        <m:t>+</m:t>
+                      </m:r>
+                      <m:sSub>
+                        <m:sSubPr>
+                          <m:ctrlPr>
+                            <a:rPr lang="en-US" sz="3200" b="0" i="1" smtClean="0">
+                              <a:latin typeface="Cambria Math" panose="02040503050406030204" pitchFamily="18" charset="0"/>
+                            </a:rPr>
+                          </m:ctrlPr>
+                        </m:sSubPr>
+                        <m:e>
+                          <m:r>
+                            <a:rPr lang="en-US" sz="3200" b="0" i="1" smtClean="0">
+                              <a:latin typeface="Cambria Math" panose="02040503050406030204" pitchFamily="18" charset="0"/>
+                            </a:rPr>
+                            <m:t>𝐵</m:t>
+                          </m:r>
+                        </m:e>
+                        <m:sub>
+                          <m:r>
+                            <a:rPr lang="en-US" sz="3200" b="0" i="1" smtClean="0">
+                              <a:latin typeface="Cambria Math" panose="02040503050406030204" pitchFamily="18" charset="0"/>
+                            </a:rPr>
+                            <m:t>1</m:t>
+                          </m:r>
+                        </m:sub>
+                      </m:sSub>
+                      <m:sSub>
+                        <m:sSubPr>
+                          <m:ctrlPr>
+                            <a:rPr lang="en-US" sz="3200" b="0" i="1" smtClean="0">
+                              <a:latin typeface="Cambria Math" panose="02040503050406030204" pitchFamily="18" charset="0"/>
+                            </a:rPr>
+                          </m:ctrlPr>
+                        </m:sSubPr>
+                        <m:e>
+                          <m:r>
+                            <a:rPr lang="en-US" sz="3200" b="0" i="1" smtClean="0">
+                              <a:latin typeface="Cambria Math" panose="02040503050406030204" pitchFamily="18" charset="0"/>
+                            </a:rPr>
+                            <m:t>𝑋</m:t>
+                          </m:r>
+                        </m:e>
+                        <m:sub>
+                          <m:r>
+                            <a:rPr lang="en-US" sz="3200" b="0" i="1" smtClean="0">
+                              <a:latin typeface="Cambria Math" panose="02040503050406030204" pitchFamily="18" charset="0"/>
+                            </a:rPr>
+                            <m:t>1</m:t>
+                          </m:r>
+                        </m:sub>
+                      </m:sSub>
+                      <m:r>
+                        <a:rPr lang="en-US" sz="3200" b="0" i="1" smtClean="0">
+                          <a:latin typeface="Cambria Math" panose="02040503050406030204" pitchFamily="18" charset="0"/>
+                        </a:rPr>
+                        <m:t>+</m:t>
+                      </m:r>
+                      <m:sSub>
+                        <m:sSubPr>
+                          <m:ctrlPr>
+                            <a:rPr lang="en-US" sz="3200" b="0" i="1" smtClean="0">
+                              <a:latin typeface="Cambria Math" panose="02040503050406030204" pitchFamily="18" charset="0"/>
+                            </a:rPr>
+                          </m:ctrlPr>
+                        </m:sSubPr>
+                        <m:e>
+                          <m:r>
+                            <a:rPr lang="en-US" sz="3200" b="0" i="1" smtClean="0">
+                              <a:latin typeface="Cambria Math" panose="02040503050406030204" pitchFamily="18" charset="0"/>
+                            </a:rPr>
+                            <m:t>𝐵</m:t>
+                          </m:r>
+                        </m:e>
+                        <m:sub>
+                          <m:r>
+                            <a:rPr lang="en-US" sz="3200" b="0" i="1" smtClean="0">
+                              <a:latin typeface="Cambria Math" panose="02040503050406030204" pitchFamily="18" charset="0"/>
+                            </a:rPr>
+                            <m:t>2</m:t>
+                          </m:r>
+                        </m:sub>
+                      </m:sSub>
+                      <m:rad>
+                        <m:radPr>
+                          <m:ctrlPr>
+                            <a:rPr lang="en-US" sz="3200" b="0" i="1" smtClean="0">
+                              <a:latin typeface="Cambria Math" panose="02040503050406030204" pitchFamily="18" charset="0"/>
+                            </a:rPr>
+                          </m:ctrlPr>
+                        </m:radPr>
+                        <m:deg>
+                          <m:r>
+                            <m:rPr>
+                              <m:brk m:alnAt="7"/>
+                            </m:rPr>
+                            <a:rPr lang="en-US" sz="3200" b="0" i="1" smtClean="0">
+                              <a:latin typeface="Cambria Math" panose="02040503050406030204" pitchFamily="18" charset="0"/>
+                            </a:rPr>
+                            <m:t>3</m:t>
+                          </m:r>
+                        </m:deg>
+                        <m:e>
+                          <m:sSub>
+                            <m:sSubPr>
+                              <m:ctrlPr>
+                                <a:rPr lang="en-US" sz="3200" b="0" i="1" smtClean="0">
+                                  <a:latin typeface="Cambria Math" panose="02040503050406030204" pitchFamily="18" charset="0"/>
+                                </a:rPr>
+                              </m:ctrlPr>
+                            </m:sSubPr>
+                            <m:e>
+                              <m:r>
+                                <a:rPr lang="en-US" sz="3200" b="0" i="1" smtClean="0">
+                                  <a:latin typeface="Cambria Math" panose="02040503050406030204" pitchFamily="18" charset="0"/>
+                                </a:rPr>
+                                <m:t>𝑋</m:t>
+                              </m:r>
+                            </m:e>
+                            <m:sub>
+                              <m:r>
+                                <a:rPr lang="en-US" sz="3200" b="0" i="1" smtClean="0">
+                                  <a:latin typeface="Cambria Math" panose="02040503050406030204" pitchFamily="18" charset="0"/>
+                                </a:rPr>
+                                <m:t>1</m:t>
+                              </m:r>
+                            </m:sub>
+                          </m:sSub>
+                        </m:e>
+                      </m:rad>
+                      <m:r>
+                        <a:rPr lang="en-US" sz="3200" b="0" i="1" smtClean="0">
+                          <a:latin typeface="Cambria Math" panose="02040503050406030204" pitchFamily="18" charset="0"/>
+                        </a:rPr>
+                        <m:t>+</m:t>
+                      </m:r>
+                      <m:sSub>
+                        <m:sSubPr>
+                          <m:ctrlPr>
+                            <a:rPr lang="en-US" sz="3200" b="0" i="1" smtClean="0">
+                              <a:latin typeface="Cambria Math" panose="02040503050406030204" pitchFamily="18" charset="0"/>
+                            </a:rPr>
+                          </m:ctrlPr>
+                        </m:sSubPr>
+                        <m:e>
+                          <m:r>
+                            <a:rPr lang="en-US" sz="3200" b="0" i="1" smtClean="0">
+                              <a:latin typeface="Cambria Math" panose="02040503050406030204" pitchFamily="18" charset="0"/>
+                            </a:rPr>
+                            <m:t>𝐵</m:t>
+                          </m:r>
+                        </m:e>
+                        <m:sub>
+                          <m:r>
+                            <a:rPr lang="en-US" sz="3200" b="0" i="1" smtClean="0">
+                              <a:latin typeface="Cambria Math" panose="02040503050406030204" pitchFamily="18" charset="0"/>
+                            </a:rPr>
+                            <m:t>3</m:t>
+                          </m:r>
+                        </m:sub>
+                      </m:sSub>
+                      <m:sSub>
+                        <m:sSubPr>
+                          <m:ctrlPr>
+                            <a:rPr lang="en-US" sz="3200" b="0" i="1" smtClean="0">
+                              <a:latin typeface="Cambria Math" panose="02040503050406030204" pitchFamily="18" charset="0"/>
+                            </a:rPr>
+                          </m:ctrlPr>
+                        </m:sSubPr>
+                        <m:e>
+                          <m:r>
+                            <a:rPr lang="en-US" sz="3200" b="0" i="1" smtClean="0">
+                              <a:latin typeface="Cambria Math" panose="02040503050406030204" pitchFamily="18" charset="0"/>
+                            </a:rPr>
+                            <m:t>𝑋</m:t>
+                          </m:r>
+                        </m:e>
+                        <m:sub>
+                          <m:r>
+                            <a:rPr lang="en-US" sz="3200" b="0" i="1" smtClean="0">
+                              <a:latin typeface="Cambria Math" panose="02040503050406030204" pitchFamily="18" charset="0"/>
+                            </a:rPr>
+                            <m:t>1</m:t>
+                          </m:r>
+                        </m:sub>
+                      </m:sSub>
+                      <m:rad>
+                        <m:radPr>
+                          <m:ctrlPr>
+                            <a:rPr lang="en-US" sz="3200" b="0" i="1" smtClean="0">
+                              <a:latin typeface="Cambria Math" panose="02040503050406030204" pitchFamily="18" charset="0"/>
+                            </a:rPr>
+                          </m:ctrlPr>
+                        </m:radPr>
+                        <m:deg>
+                          <m:r>
+                            <m:rPr>
+                              <m:brk m:alnAt="7"/>
+                            </m:rPr>
+                            <a:rPr lang="en-US" sz="3200" b="0" i="1" smtClean="0">
+                              <a:latin typeface="Cambria Math" panose="02040503050406030204" pitchFamily="18" charset="0"/>
+                            </a:rPr>
+                            <m:t>3</m:t>
+                          </m:r>
+                        </m:deg>
+                        <m:e>
+                          <m:sSub>
+                            <m:sSubPr>
+                              <m:ctrlPr>
+                                <a:rPr lang="en-US" sz="3200" b="0" i="1" smtClean="0">
+                                  <a:latin typeface="Cambria Math" panose="02040503050406030204" pitchFamily="18" charset="0"/>
+                                </a:rPr>
+                              </m:ctrlPr>
+                            </m:sSubPr>
+                            <m:e>
+                              <m:r>
+                                <a:rPr lang="en-US" sz="3200" b="0" i="1" smtClean="0">
+                                  <a:latin typeface="Cambria Math" panose="02040503050406030204" pitchFamily="18" charset="0"/>
+                                </a:rPr>
+                                <m:t>𝑋</m:t>
+                              </m:r>
+                            </m:e>
+                            <m:sub>
+                              <m:r>
+                                <a:rPr lang="en-US" sz="3200" b="0" i="1" smtClean="0">
+                                  <a:latin typeface="Cambria Math" panose="02040503050406030204" pitchFamily="18" charset="0"/>
+                                </a:rPr>
+                                <m:t>1</m:t>
+                              </m:r>
+                            </m:sub>
+                          </m:sSub>
+                        </m:e>
+                      </m:rad>
+                    </m:oMath>
+                  </m:oMathPara>
+                </a14:m>
+                <a:endParaRPr lang="en-US" sz="3200" dirty="0"/>
+              </a:p>
+            </p:txBody>
+          </p:sp>
+        </mc:Choice>
+        <mc:Fallback xmlns="">
+          <p:sp>
+            <p:nvSpPr>
+              <p:cNvPr id="4" name="TextBox 3"/>
+              <p:cNvSpPr txBox="1">
+                <a:spLocks noRot="1" noChangeAspect="1" noMove="1" noResize="1" noEditPoints="1" noAdjustHandles="1" noChangeArrowheads="1" noChangeShapeType="1" noTextEdit="1"/>
+              </p:cNvSpPr>
+              <p:nvPr/>
+            </p:nvSpPr>
+            <p:spPr>
+              <a:xfrm>
+                <a:off x="1242811" y="1839503"/>
+                <a:ext cx="6658378" cy="596382"/>
+              </a:xfrm>
+              <a:prstGeom prst="rect">
+                <a:avLst/>
+              </a:prstGeom>
+              <a:blipFill rotWithShape="0">
+                <a:blip r:embed="rId2"/>
+                <a:stretch>
+                  <a:fillRect/>
+                </a:stretch>
+              </a:blipFill>
+            </p:spPr>
+            <p:txBody>
+              <a:bodyPr/>
+              <a:lstStyle/>
+              <a:p>
+                <a:r>
+                  <a:rPr lang="en-US">
+                    <a:noFill/>
+                  </a:rPr>
+                  <a:t> </a:t>
+                </a:r>
+              </a:p>
+            </p:txBody>
+          </p:sp>
+        </mc:Fallback>
+      </mc:AlternateContent>
+      <p:sp>
+        <p:nvSpPr>
+          <p:cNvPr id="5" name="Slide Number Placeholder 4"/>
+          <p:cNvSpPr>
+            <a:spLocks noGrp="1"/>
+          </p:cNvSpPr>
+          <p:nvPr>
+            <p:ph type="sldNum" sz="quarter" idx="12"/>
+          </p:nvPr>
+        </p:nvSpPr>
+        <p:spPr/>
+        <p:txBody>
+          <a:bodyPr/>
+          <a:lstStyle/>
+          <a:p>
+            <a:fld id="{23CE3FBD-36E0-4104-8527-540D87CBAD7A}" type="slidenum">
+              <a:rPr lang="en-US" smtClean="0"/>
+              <a:t>10</a:t>
+            </a:fld>
+            <a:endParaRPr lang="en-US"/>
+          </a:p>
+        </p:txBody>
+      </p:sp>
+    </p:spTree>
+    <p:extLst>
+      <p:ext uri="{BB962C8B-B14F-4D97-AF65-F5344CB8AC3E}">
+        <p14:creationId xmlns:p14="http://schemas.microsoft.com/office/powerpoint/2010/main" val="3079218394"/>
+      </p:ext>
+    </p:extLst>
+  </p:cSld>
+  <p:clrMapOvr>
+    <a:masterClrMapping/>
+  </p:clrMapOvr>
+  <p:timing>
+    <p:tnLst>
+      <p:par>
+        <p:cTn id="1" dur="indefinite" restart="never" nodeType="tmRoot"/>
+      </p:par>
+    </p:tnLst>
+  </p:timing>
+</p:sld>
+</file>
+
+<file path=ppt/slides/slide11.xml><?xml version="1.0" encoding="utf-8"?>
 <p:sld xmlns:a="http://schemas.openxmlformats.org/drawingml/2006/main" xmlns:r="http://schemas.openxmlformats.org/officeDocument/2006/relationships" xmlns:p="http://schemas.openxmlformats.org/presentationml/2006/main">
   <p:cSld>
     <p:spTree>
@@ -4556,7 +5130,7 @@
           <a:p>
             <a:fld id="{23CE3FBD-36E0-4104-8527-540D87CBAD7A}" type="slidenum">
               <a:rPr lang="en-US" smtClean="0"/>
-              <a:t>10</a:t>
+              <a:t>11</a:t>
             </a:fld>
             <a:endParaRPr lang="en-US"/>
           </a:p>
@@ -4566,118 +5140,6 @@
     <p:extLst>
       <p:ext uri="{BB962C8B-B14F-4D97-AF65-F5344CB8AC3E}">
         <p14:creationId xmlns:p14="http://schemas.microsoft.com/office/powerpoint/2010/main" val="1666408057"/>
-      </p:ext>
-    </p:extLst>
-  </p:cSld>
-  <p:clrMapOvr>
-    <a:masterClrMapping/>
-  </p:clrMapOvr>
-  <p:timing>
-    <p:tnLst>
-      <p:par>
-        <p:cTn id="1" dur="indefinite" restart="never" nodeType="tmRoot"/>
-      </p:par>
-    </p:tnLst>
-  </p:timing>
-</p:sld>
-</file>
-
-<file path=ppt/slides/slide11.xml><?xml version="1.0" encoding="utf-8"?>
-<p:sld xmlns:a="http://schemas.openxmlformats.org/drawingml/2006/main" xmlns:r="http://schemas.openxmlformats.org/officeDocument/2006/relationships" xmlns:p="http://schemas.openxmlformats.org/presentationml/2006/main">
-  <p:cSld>
-    <p:spTree>
-      <p:nvGrpSpPr>
-        <p:cNvPr id="1" name=""/>
-        <p:cNvGrpSpPr/>
-        <p:nvPr/>
-      </p:nvGrpSpPr>
-      <p:grpSpPr>
-        <a:xfrm>
-          <a:off x="0" y="0"/>
-          <a:ext cx="0" cy="0"/>
-          <a:chOff x="0" y="0"/>
-          <a:chExt cx="0" cy="0"/>
-        </a:xfrm>
-      </p:grpSpPr>
-      <p:pic>
-        <p:nvPicPr>
-          <p:cNvPr id="4" name="Content Placeholder 3"/>
-          <p:cNvPicPr>
-            <a:picLocks noGrp="1" noChangeAspect="1"/>
-          </p:cNvPicPr>
-          <p:nvPr>
-            <p:ph idx="1"/>
-          </p:nvPr>
-        </p:nvPicPr>
-        <p:blipFill>
-          <a:blip r:embed="rId2">
-            <a:extLst>
-              <a:ext uri="{28A0092B-C50C-407E-A947-70E740481C1C}">
-                <a14:useLocalDpi xmlns:a14="http://schemas.microsoft.com/office/drawing/2010/main" val="0"/>
-              </a:ext>
-            </a:extLst>
-          </a:blip>
-          <a:stretch>
-            <a:fillRect/>
-          </a:stretch>
-        </p:blipFill>
-        <p:spPr>
-          <a:xfrm>
-            <a:off x="1526063" y="1184615"/>
-            <a:ext cx="6989287" cy="4992348"/>
-          </a:xfrm>
-        </p:spPr>
-      </p:pic>
-      <p:sp>
-        <p:nvSpPr>
-          <p:cNvPr id="2" name="Title 1"/>
-          <p:cNvSpPr>
-            <a:spLocks noGrp="1"/>
-          </p:cNvSpPr>
-          <p:nvPr>
-            <p:ph type="title"/>
-          </p:nvPr>
-        </p:nvSpPr>
-        <p:spPr/>
-        <p:txBody>
-          <a:bodyPr/>
-          <a:lstStyle/>
-          <a:p>
-            <a:r>
-              <a:rPr lang="en-US" dirty="0" smtClean="0"/>
-              <a:t>All Together Now</a:t>
-            </a:r>
-            <a:endParaRPr lang="en-US" dirty="0"/>
-          </a:p>
-        </p:txBody>
-      </p:sp>
-      <p:sp>
-        <p:nvSpPr>
-          <p:cNvPr id="3" name="Slide Number Placeholder 2"/>
-          <p:cNvSpPr>
-            <a:spLocks noGrp="1"/>
-          </p:cNvSpPr>
-          <p:nvPr>
-            <p:ph type="sldNum" sz="quarter" idx="12"/>
-          </p:nvPr>
-        </p:nvSpPr>
-        <p:spPr/>
-        <p:txBody>
-          <a:bodyPr/>
-          <a:lstStyle/>
-          <a:p>
-            <a:fld id="{23CE3FBD-36E0-4104-8527-540D87CBAD7A}" type="slidenum">
-              <a:rPr lang="en-US" smtClean="0"/>
-              <a:t>11</a:t>
-            </a:fld>
-            <a:endParaRPr lang="en-US"/>
-          </a:p>
-        </p:txBody>
-      </p:sp>
-    </p:spTree>
-    <p:extLst>
-      <p:ext uri="{BB962C8B-B14F-4D97-AF65-F5344CB8AC3E}">
-        <p14:creationId xmlns:p14="http://schemas.microsoft.com/office/powerpoint/2010/main" val="3393579286"/>
       </p:ext>
     </p:extLst>
   </p:cSld>
@@ -4711,6 +5173,35 @@
           <a:chExt cx="0" cy="0"/>
         </a:xfrm>
       </p:grpSpPr>
+      <p:pic>
+        <p:nvPicPr>
+          <p:cNvPr id="4" name="Content Placeholder 3"/>
+          <p:cNvPicPr>
+            <a:picLocks noGrp="1" noChangeAspect="1"/>
+          </p:cNvPicPr>
+          <p:nvPr>
+            <p:ph idx="1"/>
+          </p:nvPr>
+        </p:nvPicPr>
+        <p:blipFill>
+          <a:blip r:embed="rId2">
+            <a:extLst>
+              <a:ext uri="{28A0092B-C50C-407E-A947-70E740481C1C}">
+                <a14:useLocalDpi xmlns:a14="http://schemas.microsoft.com/office/drawing/2010/main" val="0"/>
+              </a:ext>
+            </a:extLst>
+          </a:blip>
+          <a:stretch>
+            <a:fillRect/>
+          </a:stretch>
+        </p:blipFill>
+        <p:spPr>
+          <a:xfrm>
+            <a:off x="1526063" y="1184615"/>
+            <a:ext cx="6989287" cy="4992348"/>
+          </a:xfrm>
+        </p:spPr>
+      </p:pic>
       <p:sp>
         <p:nvSpPr>
           <p:cNvPr id="2" name="Title 1"/>
@@ -4728,7 +5219,7 @@
           <a:p>
             <a:r>
               <a:rPr lang="en-US" dirty="0" smtClean="0"/>
-              <a:t>Next Steps</a:t>
+              <a:t>All Together Now</a:t>
             </a:r>
             <a:endParaRPr lang="en-US" dirty="0"/>
           </a:p>
@@ -4736,38 +5227,7 @@
       </p:sp>
       <p:sp>
         <p:nvSpPr>
-          <p:cNvPr id="3" name="Content Placeholder 2"/>
-          <p:cNvSpPr>
-            <a:spLocks noGrp="1"/>
-          </p:cNvSpPr>
-          <p:nvPr>
-            <p:ph idx="1"/>
-          </p:nvPr>
-        </p:nvSpPr>
-        <p:spPr/>
-        <p:txBody>
-          <a:bodyPr>
-            <a:normAutofit/>
-          </a:bodyPr>
-          <a:lstStyle/>
-          <a:p>
-            <a:r>
-              <a:rPr lang="en-US" sz="3600" dirty="0" smtClean="0"/>
-              <a:t>Validation</a:t>
-            </a:r>
-          </a:p>
-          <a:p>
-            <a:r>
-              <a:rPr lang="en-US" sz="3600" dirty="0" smtClean="0"/>
-              <a:t>Seasonality</a:t>
-            </a:r>
-            <a:endParaRPr lang="en-US" sz="3600" dirty="0"/>
-          </a:p>
-        </p:txBody>
-      </p:sp>
-      <p:sp>
-        <p:nvSpPr>
-          <p:cNvPr id="4" name="Slide Number Placeholder 3"/>
+          <p:cNvPr id="3" name="Slide Number Placeholder 2"/>
           <p:cNvSpPr>
             <a:spLocks noGrp="1"/>
           </p:cNvSpPr>
@@ -4791,7 +5251,7 @@
     </p:spTree>
     <p:extLst>
       <p:ext uri="{BB962C8B-B14F-4D97-AF65-F5344CB8AC3E}">
-        <p14:creationId xmlns:p14="http://schemas.microsoft.com/office/powerpoint/2010/main" val="4054552147"/>
+        <p14:creationId xmlns:p14="http://schemas.microsoft.com/office/powerpoint/2010/main" val="3393579286"/>
       </p:ext>
     </p:extLst>
   </p:cSld>
@@ -4842,7 +5302,7 @@
           <a:p>
             <a:r>
               <a:rPr lang="en-US" dirty="0" smtClean="0"/>
-              <a:t>Conclusion</a:t>
+              <a:t>Next Steps</a:t>
             </a:r>
             <a:endParaRPr lang="en-US" dirty="0"/>
           </a:p>
@@ -4867,14 +5327,15 @@
           <a:p>
             <a:r>
               <a:rPr lang="en-US" sz="3600" dirty="0" smtClean="0"/>
-              <a:t>Relationship?</a:t>
+              <a:t>Validation</a:t>
             </a:r>
           </a:p>
           <a:p>
             <a:r>
               <a:rPr lang="en-US" sz="3600" dirty="0" smtClean="0"/>
-              <a:t>Predictor?</a:t>
-            </a:r>
+              <a:t>Seasonality</a:t>
+            </a:r>
+            <a:endParaRPr lang="en-US" sz="3600" dirty="0"/>
           </a:p>
         </p:txBody>
       </p:sp>
@@ -4904,7 +5365,7 @@
     </p:spTree>
     <p:extLst>
       <p:ext uri="{BB962C8B-B14F-4D97-AF65-F5344CB8AC3E}">
-        <p14:creationId xmlns:p14="http://schemas.microsoft.com/office/powerpoint/2010/main" val="585308126"/>
+        <p14:creationId xmlns:p14="http://schemas.microsoft.com/office/powerpoint/2010/main" val="4054552147"/>
       </p:ext>
     </p:extLst>
   </p:cSld>
@@ -4955,6 +5416,119 @@
           <a:p>
             <a:r>
               <a:rPr lang="en-US" dirty="0" smtClean="0"/>
+              <a:t>Conclusion</a:t>
+            </a:r>
+            <a:endParaRPr lang="en-US" dirty="0"/>
+          </a:p>
+        </p:txBody>
+      </p:sp>
+      <p:sp>
+        <p:nvSpPr>
+          <p:cNvPr id="3" name="Content Placeholder 2"/>
+          <p:cNvSpPr>
+            <a:spLocks noGrp="1"/>
+          </p:cNvSpPr>
+          <p:nvPr>
+            <p:ph idx="1"/>
+          </p:nvPr>
+        </p:nvSpPr>
+        <p:spPr/>
+        <p:txBody>
+          <a:bodyPr>
+            <a:normAutofit/>
+          </a:bodyPr>
+          <a:lstStyle/>
+          <a:p>
+            <a:r>
+              <a:rPr lang="en-US" sz="3600" dirty="0" smtClean="0"/>
+              <a:t>Relationship?</a:t>
+            </a:r>
+          </a:p>
+          <a:p>
+            <a:r>
+              <a:rPr lang="en-US" sz="3600" dirty="0" smtClean="0"/>
+              <a:t>Predictor?</a:t>
+            </a:r>
+          </a:p>
+        </p:txBody>
+      </p:sp>
+      <p:sp>
+        <p:nvSpPr>
+          <p:cNvPr id="4" name="Slide Number Placeholder 3"/>
+          <p:cNvSpPr>
+            <a:spLocks noGrp="1"/>
+          </p:cNvSpPr>
+          <p:nvPr>
+            <p:ph type="sldNum" sz="quarter" idx="12"/>
+          </p:nvPr>
+        </p:nvSpPr>
+        <p:spPr/>
+        <p:txBody>
+          <a:bodyPr/>
+          <a:lstStyle/>
+          <a:p>
+            <a:fld id="{23CE3FBD-36E0-4104-8527-540D87CBAD7A}" type="slidenum">
+              <a:rPr lang="en-US" smtClean="0"/>
+              <a:t>14</a:t>
+            </a:fld>
+            <a:endParaRPr lang="en-US"/>
+          </a:p>
+        </p:txBody>
+      </p:sp>
+    </p:spTree>
+    <p:extLst>
+      <p:ext uri="{BB962C8B-B14F-4D97-AF65-F5344CB8AC3E}">
+        <p14:creationId xmlns:p14="http://schemas.microsoft.com/office/powerpoint/2010/main" val="585308126"/>
+      </p:ext>
+    </p:extLst>
+  </p:cSld>
+  <p:clrMapOvr>
+    <a:masterClrMapping/>
+  </p:clrMapOvr>
+  <p:timing>
+    <p:tnLst>
+      <p:par>
+        <p:cTn id="1" dur="indefinite" restart="never" nodeType="tmRoot"/>
+      </p:par>
+    </p:tnLst>
+  </p:timing>
+</p:sld>
+</file>
+
+<file path=ppt/slides/slide15.xml><?xml version="1.0" encoding="utf-8"?>
+<p:sld xmlns:a="http://schemas.openxmlformats.org/drawingml/2006/main" xmlns:r="http://schemas.openxmlformats.org/officeDocument/2006/relationships" xmlns:p="http://schemas.openxmlformats.org/presentationml/2006/main">
+  <p:cSld>
+    <p:spTree>
+      <p:nvGrpSpPr>
+        <p:cNvPr id="1" name=""/>
+        <p:cNvGrpSpPr/>
+        <p:nvPr/>
+      </p:nvGrpSpPr>
+      <p:grpSpPr>
+        <a:xfrm>
+          <a:off x="0" y="0"/>
+          <a:ext cx="0" cy="0"/>
+          <a:chOff x="0" y="0"/>
+          <a:chExt cx="0" cy="0"/>
+        </a:xfrm>
+      </p:grpSpPr>
+      <p:sp>
+        <p:nvSpPr>
+          <p:cNvPr id="2" name="Title 1"/>
+          <p:cNvSpPr>
+            <a:spLocks noGrp="1"/>
+          </p:cNvSpPr>
+          <p:nvPr>
+            <p:ph type="title"/>
+          </p:nvPr>
+        </p:nvSpPr>
+        <p:spPr/>
+        <p:txBody>
+          <a:bodyPr/>
+          <a:lstStyle/>
+          <a:p>
+            <a:r>
+              <a:rPr lang="en-US" dirty="0" smtClean="0"/>
               <a:t>Questions?</a:t>
             </a:r>
             <a:endParaRPr lang="en-US" dirty="0"/>
@@ -5001,7 +5575,7 @@
           <a:p>
             <a:fld id="{23CE3FBD-36E0-4104-8527-540D87CBAD7A}" type="slidenum">
               <a:rPr lang="en-US" smtClean="0"/>
-              <a:t>14</a:t>
+              <a:t>15</a:t>
             </a:fld>
             <a:endParaRPr lang="en-US"/>
           </a:p>
@@ -5088,7 +5662,15 @@
               <a:rPr lang="en-US" sz="3200" dirty="0" err="1" smtClean="0"/>
               <a:t>Natality</a:t>
             </a:r>
-            <a:endParaRPr lang="en-US" sz="3200" dirty="0" smtClean="0"/>
+            <a:endParaRPr lang="en-US" sz="3200" dirty="0"/>
+          </a:p>
+          <a:p>
+            <a:pPr lvl="1"/>
+            <a:r>
+              <a:rPr lang="en-US" sz="2800" dirty="0" smtClean="0"/>
+              <a:t>Centers for Disease Control</a:t>
+            </a:r>
+            <a:endParaRPr lang="en-US" sz="2800" dirty="0" smtClean="0"/>
           </a:p>
           <a:p>
             <a:r>
@@ -5097,11 +5679,42 @@
             </a:r>
           </a:p>
           <a:p>
+            <a:pPr lvl="1"/>
+            <a:r>
+              <a:rPr lang="en-US" sz="2800" dirty="0" smtClean="0"/>
+              <a:t>U.S. </a:t>
+            </a:r>
+            <a:r>
+              <a:rPr lang="en-US" sz="2800" dirty="0"/>
+              <a:t>Census </a:t>
+            </a:r>
+            <a:r>
+              <a:rPr lang="en-US" sz="2800" dirty="0" smtClean="0"/>
+              <a:t>Bureau</a:t>
+            </a:r>
+            <a:endParaRPr lang="en-US" sz="2800" dirty="0" smtClean="0"/>
+          </a:p>
+          <a:p>
             <a:r>
               <a:rPr lang="en-US" sz="3200" dirty="0" smtClean="0"/>
-              <a:t>Unemployment Rate</a:t>
-            </a:r>
-            <a:endParaRPr lang="en-US" sz="3200" dirty="0"/>
+              <a:t>Unemployment </a:t>
+            </a:r>
+            <a:r>
+              <a:rPr lang="en-US" sz="3200" dirty="0" smtClean="0"/>
+              <a:t>Rate</a:t>
+            </a:r>
+          </a:p>
+          <a:p>
+            <a:pPr lvl="1"/>
+            <a:r>
+              <a:rPr lang="en-US" sz="2800" dirty="0" smtClean="0"/>
+              <a:t>U.S</a:t>
+            </a:r>
+            <a:r>
+              <a:rPr lang="en-US" sz="2800" dirty="0"/>
+              <a:t>. Bureau of Labor Statistics</a:t>
+            </a:r>
+            <a:endParaRPr lang="en-US" sz="2800" dirty="0"/>
           </a:p>
         </p:txBody>
       </p:sp>
@@ -5520,44 +6133,38 @@
           <a:p>
             <a:r>
               <a:rPr lang="en-US" dirty="0" smtClean="0"/>
-              <a:t>United States Births</a:t>
+              <a:t>The Question</a:t>
             </a:r>
             <a:endParaRPr lang="en-US" dirty="0"/>
           </a:p>
         </p:txBody>
       </p:sp>
-      <p:pic>
-        <p:nvPicPr>
-          <p:cNvPr id="4" name="Content Placeholder 3"/>
-          <p:cNvPicPr>
-            <a:picLocks noGrp="1" noChangeAspect="1"/>
-          </p:cNvPicPr>
+      <p:sp>
+        <p:nvSpPr>
+          <p:cNvPr id="3" name="Content Placeholder 2"/>
+          <p:cNvSpPr>
+            <a:spLocks noGrp="1"/>
+          </p:cNvSpPr>
           <p:nvPr>
             <p:ph idx="1"/>
           </p:nvPr>
-        </p:nvPicPr>
-        <p:blipFill>
-          <a:blip r:embed="rId2">
-            <a:extLst>
-              <a:ext uri="{28A0092B-C50C-407E-A947-70E740481C1C}">
-                <a14:useLocalDpi xmlns:a14="http://schemas.microsoft.com/office/drawing/2010/main" val="0"/>
-              </a:ext>
-            </a:extLst>
-          </a:blip>
-          <a:stretch>
-            <a:fillRect/>
-          </a:stretch>
-        </p:blipFill>
-        <p:spPr>
-          <a:xfrm>
-            <a:off x="1526063" y="1184615"/>
-            <a:ext cx="6989287" cy="4992348"/>
-          </a:xfrm>
-        </p:spPr>
-      </p:pic>
-      <p:sp>
-        <p:nvSpPr>
-          <p:cNvPr id="3" name="Slide Number Placeholder 2"/>
+        </p:nvSpPr>
+        <p:spPr/>
+        <p:txBody>
+          <a:bodyPr/>
+          <a:lstStyle/>
+          <a:p>
+            <a:r>
+              <a:rPr lang="en-US" dirty="0" smtClean="0"/>
+              <a:t>How does the state of the economy, using Unemployment rate as a proxy, relate to the birth rate in the United States?</a:t>
+            </a:r>
+            <a:endParaRPr lang="en-US" dirty="0"/>
+          </a:p>
+        </p:txBody>
+      </p:sp>
+      <p:sp>
+        <p:nvSpPr>
+          <p:cNvPr id="4" name="Slide Number Placeholder 3"/>
           <p:cNvSpPr>
             <a:spLocks noGrp="1"/>
           </p:cNvSpPr>
@@ -5581,7 +6188,7 @@
     </p:spTree>
     <p:extLst>
       <p:ext uri="{BB962C8B-B14F-4D97-AF65-F5344CB8AC3E}">
-        <p14:creationId xmlns:p14="http://schemas.microsoft.com/office/powerpoint/2010/main" val="2931204114"/>
+        <p14:creationId xmlns:p14="http://schemas.microsoft.com/office/powerpoint/2010/main" val="1184550838"/>
       </p:ext>
     </p:extLst>
   </p:cSld>
@@ -5631,9 +6238,10 @@
           <a:lstStyle/>
           <a:p>
             <a:r>
-              <a:rPr lang="en-US" dirty="0"/>
+              <a:rPr lang="en-US" dirty="0" smtClean="0"/>
               <a:t>United States Births</a:t>
             </a:r>
+            <a:endParaRPr lang="en-US" dirty="0"/>
           </a:p>
         </p:txBody>
       </p:sp>
@@ -5648,7 +6256,7 @@
           </p:nvPr>
         </p:nvPicPr>
         <p:blipFill>
-          <a:blip r:embed="rId2">
+          <a:blip r:embed="rId3">
             <a:extLst>
               <a:ext uri="{28A0092B-C50C-407E-A947-70E740481C1C}">
                 <a14:useLocalDpi xmlns:a14="http://schemas.microsoft.com/office/drawing/2010/main" val="0"/>
@@ -5661,7 +6269,7 @@
         </p:blipFill>
         <p:spPr>
           <a:xfrm>
-            <a:off x="1526063" y="1184614"/>
+            <a:off x="1526063" y="1184615"/>
             <a:ext cx="6989287" cy="4992348"/>
           </a:xfrm>
         </p:spPr>
@@ -5692,7 +6300,7 @@
     </p:spTree>
     <p:extLst>
       <p:ext uri="{BB962C8B-B14F-4D97-AF65-F5344CB8AC3E}">
-        <p14:creationId xmlns:p14="http://schemas.microsoft.com/office/powerpoint/2010/main" val="473169746"/>
+        <p14:creationId xmlns:p14="http://schemas.microsoft.com/office/powerpoint/2010/main" val="2931204114"/>
       </p:ext>
     </p:extLst>
   </p:cSld>
@@ -5726,6 +6334,28 @@
           <a:chExt cx="0" cy="0"/>
         </a:xfrm>
       </p:grpSpPr>
+      <p:sp>
+        <p:nvSpPr>
+          <p:cNvPr id="2" name="Title 1"/>
+          <p:cNvSpPr>
+            <a:spLocks noGrp="1"/>
+          </p:cNvSpPr>
+          <p:nvPr>
+            <p:ph type="title"/>
+          </p:nvPr>
+        </p:nvSpPr>
+        <p:spPr/>
+        <p:txBody>
+          <a:bodyPr/>
+          <a:lstStyle/>
+          <a:p>
+            <a:r>
+              <a:rPr lang="en-US" dirty="0"/>
+              <a:t>United States Births</a:t>
+            </a:r>
+          </a:p>
+        </p:txBody>
+      </p:sp>
       <p:pic>
         <p:nvPicPr>
           <p:cNvPr id="4" name="Content Placeholder 3"/>
@@ -5750,36 +6380,13 @@
         </p:blipFill>
         <p:spPr>
           <a:xfrm>
-            <a:off x="1822277" y="1184615"/>
+            <a:off x="1526063" y="1184614"/>
             <a:ext cx="6989287" cy="4992348"/>
           </a:xfrm>
         </p:spPr>
       </p:pic>
       <p:sp>
         <p:nvSpPr>
-          <p:cNvPr id="2" name="Title 1"/>
-          <p:cNvSpPr>
-            <a:spLocks noGrp="1"/>
-          </p:cNvSpPr>
-          <p:nvPr>
-            <p:ph type="title"/>
-          </p:nvPr>
-        </p:nvSpPr>
-        <p:spPr/>
-        <p:txBody>
-          <a:bodyPr/>
-          <a:lstStyle/>
-          <a:p>
-            <a:r>
-              <a:rPr lang="en-US" dirty="0" smtClean="0"/>
-              <a:t>Unemployment Rate</a:t>
-            </a:r>
-            <a:endParaRPr lang="en-US" dirty="0"/>
-          </a:p>
-        </p:txBody>
-      </p:sp>
-      <p:sp>
-        <p:nvSpPr>
           <p:cNvPr id="3" name="Slide Number Placeholder 2"/>
           <p:cNvSpPr>
             <a:spLocks noGrp="1"/>
@@ -5804,7 +6411,7 @@
     </p:spTree>
     <p:extLst>
       <p:ext uri="{BB962C8B-B14F-4D97-AF65-F5344CB8AC3E}">
-        <p14:creationId xmlns:p14="http://schemas.microsoft.com/office/powerpoint/2010/main" val="1629256139"/>
+        <p14:creationId xmlns:p14="http://schemas.microsoft.com/office/powerpoint/2010/main" val="473169746"/>
       </p:ext>
     </p:extLst>
   </p:cSld>
@@ -5838,412 +6445,61 @@
           <a:chExt cx="0" cy="0"/>
         </a:xfrm>
       </p:grpSpPr>
-      <p:sp>
-        <p:nvSpPr>
-          <p:cNvPr id="2" name="Title 1"/>
-          <p:cNvSpPr>
-            <a:spLocks noGrp="1"/>
-          </p:cNvSpPr>
-          <p:nvPr>
-            <p:ph type="title"/>
-          </p:nvPr>
-        </p:nvSpPr>
-        <p:spPr/>
-        <p:txBody>
-          <a:bodyPr/>
-          <a:lstStyle/>
-          <a:p>
-            <a:r>
-              <a:rPr lang="en-US" dirty="0" smtClean="0"/>
-              <a:t>Functional Form</a:t>
-            </a:r>
-            <a:endParaRPr lang="en-US" dirty="0"/>
-          </a:p>
-        </p:txBody>
-      </p:sp>
-      <p:sp>
-        <p:nvSpPr>
-          <p:cNvPr id="3" name="Content Placeholder 2"/>
-          <p:cNvSpPr>
-            <a:spLocks noGrp="1"/>
-          </p:cNvSpPr>
+      <p:pic>
+        <p:nvPicPr>
+          <p:cNvPr id="4" name="Content Placeholder 3"/>
+          <p:cNvPicPr>
+            <a:picLocks noGrp="1" noChangeAspect="1"/>
+          </p:cNvPicPr>
           <p:nvPr>
             <p:ph idx="1"/>
           </p:nvPr>
-        </p:nvSpPr>
+        </p:nvPicPr>
+        <p:blipFill>
+          <a:blip r:embed="rId2">
+            <a:extLst>
+              <a:ext uri="{28A0092B-C50C-407E-A947-70E740481C1C}">
+                <a14:useLocalDpi xmlns:a14="http://schemas.microsoft.com/office/drawing/2010/main" val="0"/>
+              </a:ext>
+            </a:extLst>
+          </a:blip>
+          <a:stretch>
+            <a:fillRect/>
+          </a:stretch>
+        </p:blipFill>
         <p:spPr>
           <a:xfrm>
-            <a:off x="628650" y="3181081"/>
-            <a:ext cx="7886700" cy="2995881"/>
+            <a:off x="1822277" y="1184615"/>
+            <a:ext cx="6989287" cy="4992348"/>
           </a:xfrm>
         </p:spPr>
+      </p:pic>
+      <p:sp>
+        <p:nvSpPr>
+          <p:cNvPr id="2" name="Title 1"/>
+          <p:cNvSpPr>
+            <a:spLocks noGrp="1"/>
+          </p:cNvSpPr>
+          <p:nvPr>
+            <p:ph type="title"/>
+          </p:nvPr>
+        </p:nvSpPr>
+        <p:spPr/>
         <p:txBody>
           <a:bodyPr/>
           <a:lstStyle/>
           <a:p>
             <a:r>
               <a:rPr lang="en-US" dirty="0" smtClean="0"/>
-              <a:t>Why cube roots?</a:t>
+              <a:t>Unemployment Rate</a:t>
             </a:r>
             <a:endParaRPr lang="en-US" dirty="0"/>
           </a:p>
         </p:txBody>
       </p:sp>
-      <mc:AlternateContent xmlns:mc="http://schemas.openxmlformats.org/markup-compatibility/2006" xmlns:a14="http://schemas.microsoft.com/office/drawing/2010/main">
-        <mc:Choice Requires="a14">
-          <p:sp>
-            <p:nvSpPr>
-              <p:cNvPr id="4" name="TextBox 3"/>
-              <p:cNvSpPr txBox="1"/>
-              <p:nvPr/>
-            </p:nvSpPr>
-            <p:spPr>
-              <a:xfrm>
-                <a:off x="1242811" y="1839503"/>
-                <a:ext cx="6658378" cy="596382"/>
-              </a:xfrm>
-              <a:prstGeom prst="rect">
-                <a:avLst/>
-              </a:prstGeom>
-              <a:noFill/>
-            </p:spPr>
-            <p:txBody>
-              <a:bodyPr wrap="square" lIns="0" tIns="0" rIns="0" bIns="0" rtlCol="0">
-                <a:spAutoFit/>
-              </a:bodyPr>
-              <a:lstStyle/>
-              <a:p>
-                <a:pPr/>
-                <a14:m>
-                  <m:oMathPara xmlns:m="http://schemas.openxmlformats.org/officeDocument/2006/math">
-                    <m:oMathParaPr>
-                      <m:jc m:val="centerGroup"/>
-                    </m:oMathParaPr>
-                    <m:oMath xmlns:m="http://schemas.openxmlformats.org/officeDocument/2006/math">
-                      <m:r>
-                        <a:rPr lang="en-US" sz="3200" b="0" i="1" smtClean="0">
-                          <a:latin typeface="Cambria Math" panose="02040503050406030204" pitchFamily="18" charset="0"/>
-                        </a:rPr>
-                        <m:t>𝑦</m:t>
-                      </m:r>
-                      <m:r>
-                        <a:rPr lang="en-US" sz="3200" b="0" i="1" smtClean="0">
-                          <a:latin typeface="Cambria Math" panose="02040503050406030204" pitchFamily="18" charset="0"/>
-                        </a:rPr>
-                        <m:t>=</m:t>
-                      </m:r>
-                      <m:sSub>
-                        <m:sSubPr>
-                          <m:ctrlPr>
-                            <a:rPr lang="en-US" sz="3200" b="0" i="1" smtClean="0">
-                              <a:latin typeface="Cambria Math" panose="02040503050406030204" pitchFamily="18" charset="0"/>
-                            </a:rPr>
-                          </m:ctrlPr>
-                        </m:sSubPr>
-                        <m:e>
-                          <m:r>
-                            <a:rPr lang="en-US" sz="3200" b="0" i="1" smtClean="0">
-                              <a:latin typeface="Cambria Math" panose="02040503050406030204" pitchFamily="18" charset="0"/>
-                            </a:rPr>
-                            <m:t>𝐵</m:t>
-                          </m:r>
-                        </m:e>
-                        <m:sub>
-                          <m:r>
-                            <a:rPr lang="en-US" sz="3200" b="0" i="1" smtClean="0">
-                              <a:latin typeface="Cambria Math" panose="02040503050406030204" pitchFamily="18" charset="0"/>
-                            </a:rPr>
-                            <m:t>0</m:t>
-                          </m:r>
-                        </m:sub>
-                      </m:sSub>
-                      <m:r>
-                        <a:rPr lang="en-US" sz="3200" b="0" i="1" smtClean="0">
-                          <a:latin typeface="Cambria Math" panose="02040503050406030204" pitchFamily="18" charset="0"/>
-                        </a:rPr>
-                        <m:t>+</m:t>
-                      </m:r>
-                      <m:sSub>
-                        <m:sSubPr>
-                          <m:ctrlPr>
-                            <a:rPr lang="en-US" sz="3200" b="0" i="1" smtClean="0">
-                              <a:latin typeface="Cambria Math" panose="02040503050406030204" pitchFamily="18" charset="0"/>
-                            </a:rPr>
-                          </m:ctrlPr>
-                        </m:sSubPr>
-                        <m:e>
-                          <m:r>
-                            <a:rPr lang="en-US" sz="3200" b="0" i="1" smtClean="0">
-                              <a:latin typeface="Cambria Math" panose="02040503050406030204" pitchFamily="18" charset="0"/>
-                            </a:rPr>
-                            <m:t>𝐵</m:t>
-                          </m:r>
-                        </m:e>
-                        <m:sub>
-                          <m:r>
-                            <a:rPr lang="en-US" sz="3200" b="0" i="1" smtClean="0">
-                              <a:latin typeface="Cambria Math" panose="02040503050406030204" pitchFamily="18" charset="0"/>
-                            </a:rPr>
-                            <m:t>1</m:t>
-                          </m:r>
-                        </m:sub>
-                      </m:sSub>
-                      <m:sSub>
-                        <m:sSubPr>
-                          <m:ctrlPr>
-                            <a:rPr lang="en-US" sz="3200" b="0" i="1" smtClean="0">
-                              <a:latin typeface="Cambria Math" panose="02040503050406030204" pitchFamily="18" charset="0"/>
-                            </a:rPr>
-                          </m:ctrlPr>
-                        </m:sSubPr>
-                        <m:e>
-                          <m:r>
-                            <a:rPr lang="en-US" sz="3200" b="0" i="1" smtClean="0">
-                              <a:latin typeface="Cambria Math" panose="02040503050406030204" pitchFamily="18" charset="0"/>
-                            </a:rPr>
-                            <m:t>𝑋</m:t>
-                          </m:r>
-                        </m:e>
-                        <m:sub>
-                          <m:r>
-                            <a:rPr lang="en-US" sz="3200" b="0" i="1" smtClean="0">
-                              <a:latin typeface="Cambria Math" panose="02040503050406030204" pitchFamily="18" charset="0"/>
-                            </a:rPr>
-                            <m:t>1</m:t>
-                          </m:r>
-                        </m:sub>
-                      </m:sSub>
-                      <m:r>
-                        <a:rPr lang="en-US" sz="3200" b="0" i="1" smtClean="0">
-                          <a:latin typeface="Cambria Math" panose="02040503050406030204" pitchFamily="18" charset="0"/>
-                        </a:rPr>
-                        <m:t>+</m:t>
-                      </m:r>
-                      <m:sSub>
-                        <m:sSubPr>
-                          <m:ctrlPr>
-                            <a:rPr lang="en-US" sz="3200" b="0" i="1" smtClean="0">
-                              <a:latin typeface="Cambria Math" panose="02040503050406030204" pitchFamily="18" charset="0"/>
-                            </a:rPr>
-                          </m:ctrlPr>
-                        </m:sSubPr>
-                        <m:e>
-                          <m:r>
-                            <a:rPr lang="en-US" sz="3200" b="0" i="1" smtClean="0">
-                              <a:latin typeface="Cambria Math" panose="02040503050406030204" pitchFamily="18" charset="0"/>
-                            </a:rPr>
-                            <m:t>𝐵</m:t>
-                          </m:r>
-                        </m:e>
-                        <m:sub>
-                          <m:r>
-                            <a:rPr lang="en-US" sz="3200" b="0" i="1" smtClean="0">
-                              <a:latin typeface="Cambria Math" panose="02040503050406030204" pitchFamily="18" charset="0"/>
-                            </a:rPr>
-                            <m:t>2</m:t>
-                          </m:r>
-                        </m:sub>
-                      </m:sSub>
-                      <m:rad>
-                        <m:radPr>
-                          <m:ctrlPr>
-                            <a:rPr lang="en-US" sz="3200" b="0" i="1" smtClean="0">
-                              <a:latin typeface="Cambria Math" panose="02040503050406030204" pitchFamily="18" charset="0"/>
-                            </a:rPr>
-                          </m:ctrlPr>
-                        </m:radPr>
-                        <m:deg>
-                          <m:r>
-                            <m:rPr>
-                              <m:brk m:alnAt="7"/>
-                            </m:rPr>
-                            <a:rPr lang="en-US" sz="3200" b="0" i="1" smtClean="0">
-                              <a:latin typeface="Cambria Math" panose="02040503050406030204" pitchFamily="18" charset="0"/>
-                            </a:rPr>
-                            <m:t>3</m:t>
-                          </m:r>
-                        </m:deg>
-                        <m:e>
-                          <m:sSub>
-                            <m:sSubPr>
-                              <m:ctrlPr>
-                                <a:rPr lang="en-US" sz="3200" b="0" i="1" smtClean="0">
-                                  <a:latin typeface="Cambria Math" panose="02040503050406030204" pitchFamily="18" charset="0"/>
-                                </a:rPr>
-                              </m:ctrlPr>
-                            </m:sSubPr>
-                            <m:e>
-                              <m:r>
-                                <a:rPr lang="en-US" sz="3200" b="0" i="1" smtClean="0">
-                                  <a:latin typeface="Cambria Math" panose="02040503050406030204" pitchFamily="18" charset="0"/>
-                                </a:rPr>
-                                <m:t>𝑋</m:t>
-                              </m:r>
-                            </m:e>
-                            <m:sub>
-                              <m:r>
-                                <a:rPr lang="en-US" sz="3200" b="0" i="1" smtClean="0">
-                                  <a:latin typeface="Cambria Math" panose="02040503050406030204" pitchFamily="18" charset="0"/>
-                                </a:rPr>
-                                <m:t>1</m:t>
-                              </m:r>
-                            </m:sub>
-                          </m:sSub>
-                        </m:e>
-                      </m:rad>
-                      <m:r>
-                        <a:rPr lang="en-US" sz="3200" b="0" i="1" smtClean="0">
-                          <a:latin typeface="Cambria Math" panose="02040503050406030204" pitchFamily="18" charset="0"/>
-                        </a:rPr>
-                        <m:t>+</m:t>
-                      </m:r>
-                      <m:sSub>
-                        <m:sSubPr>
-                          <m:ctrlPr>
-                            <a:rPr lang="en-US" sz="3200" b="0" i="1" smtClean="0">
-                              <a:latin typeface="Cambria Math" panose="02040503050406030204" pitchFamily="18" charset="0"/>
-                            </a:rPr>
-                          </m:ctrlPr>
-                        </m:sSubPr>
-                        <m:e>
-                          <m:r>
-                            <a:rPr lang="en-US" sz="3200" b="0" i="1" smtClean="0">
-                              <a:latin typeface="Cambria Math" panose="02040503050406030204" pitchFamily="18" charset="0"/>
-                            </a:rPr>
-                            <m:t>𝐵</m:t>
-                          </m:r>
-                        </m:e>
-                        <m:sub>
-                          <m:r>
-                            <a:rPr lang="en-US" sz="3200" b="0" i="1" smtClean="0">
-                              <a:latin typeface="Cambria Math" panose="02040503050406030204" pitchFamily="18" charset="0"/>
-                            </a:rPr>
-                            <m:t>3</m:t>
-                          </m:r>
-                        </m:sub>
-                      </m:sSub>
-                      <m:sSub>
-                        <m:sSubPr>
-                          <m:ctrlPr>
-                            <a:rPr lang="en-US" sz="3200" b="0" i="1" smtClean="0">
-                              <a:latin typeface="Cambria Math" panose="02040503050406030204" pitchFamily="18" charset="0"/>
-                            </a:rPr>
-                          </m:ctrlPr>
-                        </m:sSubPr>
-                        <m:e>
-                          <m:r>
-                            <a:rPr lang="en-US" sz="3200" b="0" i="1" smtClean="0">
-                              <a:latin typeface="Cambria Math" panose="02040503050406030204" pitchFamily="18" charset="0"/>
-                            </a:rPr>
-                            <m:t>𝑋</m:t>
-                          </m:r>
-                        </m:e>
-                        <m:sub>
-                          <m:r>
-                            <a:rPr lang="en-US" sz="3200" b="0" i="1" smtClean="0">
-                              <a:latin typeface="Cambria Math" panose="02040503050406030204" pitchFamily="18" charset="0"/>
-                            </a:rPr>
-                            <m:t>1</m:t>
-                          </m:r>
-                        </m:sub>
-                      </m:sSub>
-                      <m:rad>
-                        <m:radPr>
-                          <m:ctrlPr>
-                            <a:rPr lang="en-US" sz="3200" b="0" i="1" smtClean="0">
-                              <a:latin typeface="Cambria Math" panose="02040503050406030204" pitchFamily="18" charset="0"/>
-                            </a:rPr>
-                          </m:ctrlPr>
-                        </m:radPr>
-                        <m:deg>
-                          <m:r>
-                            <m:rPr>
-                              <m:brk m:alnAt="7"/>
-                            </m:rPr>
-                            <a:rPr lang="en-US" sz="3200" b="0" i="1" smtClean="0">
-                              <a:latin typeface="Cambria Math" panose="02040503050406030204" pitchFamily="18" charset="0"/>
-                            </a:rPr>
-                            <m:t>3</m:t>
-                          </m:r>
-                        </m:deg>
-                        <m:e>
-                          <m:sSub>
-                            <m:sSubPr>
-                              <m:ctrlPr>
-                                <a:rPr lang="en-US" sz="3200" b="0" i="1" smtClean="0">
-                                  <a:latin typeface="Cambria Math" panose="02040503050406030204" pitchFamily="18" charset="0"/>
-                                </a:rPr>
-                              </m:ctrlPr>
-                            </m:sSubPr>
-                            <m:e>
-                              <m:r>
-                                <a:rPr lang="en-US" sz="3200" b="0" i="1" smtClean="0">
-                                  <a:latin typeface="Cambria Math" panose="02040503050406030204" pitchFamily="18" charset="0"/>
-                                </a:rPr>
-                                <m:t>𝑋</m:t>
-                              </m:r>
-                            </m:e>
-                            <m:sub>
-                              <m:r>
-                                <a:rPr lang="en-US" sz="3200" b="0" i="1" smtClean="0">
-                                  <a:latin typeface="Cambria Math" panose="02040503050406030204" pitchFamily="18" charset="0"/>
-                                </a:rPr>
-                                <m:t>1</m:t>
-                              </m:r>
-                            </m:sub>
-                          </m:sSub>
-                        </m:e>
-                      </m:rad>
-                    </m:oMath>
-                  </m:oMathPara>
-                </a14:m>
-                <a:endParaRPr lang="en-US" sz="3200" dirty="0"/>
-              </a:p>
-            </p:txBody>
-          </p:sp>
-        </mc:Choice>
-        <mc:Fallback xmlns="">
-          <p:sp>
-            <p:nvSpPr>
-              <p:cNvPr id="4" name="TextBox 3"/>
-              <p:cNvSpPr txBox="1">
-                <a:spLocks noRot="1" noChangeAspect="1" noMove="1" noResize="1" noEditPoints="1" noAdjustHandles="1" noChangeArrowheads="1" noChangeShapeType="1" noTextEdit="1"/>
-              </p:cNvSpPr>
-              <p:nvPr/>
-            </p:nvSpPr>
-            <p:spPr>
-              <a:xfrm>
-                <a:off x="1242811" y="1839503"/>
-                <a:ext cx="6658378" cy="596382"/>
-              </a:xfrm>
-              <a:prstGeom prst="rect">
-                <a:avLst/>
-              </a:prstGeom>
-              <a:blipFill rotWithShape="0">
-                <a:blip r:embed="rId2"/>
-                <a:stretch>
-                  <a:fillRect/>
-                </a:stretch>
-              </a:blipFill>
-            </p:spPr>
-            <p:txBody>
-              <a:bodyPr/>
-              <a:lstStyle/>
-              <a:p>
-                <a:r>
-                  <a:rPr lang="en-US">
-                    <a:noFill/>
-                  </a:rPr>
-                  <a:t> </a:t>
-                </a:r>
-              </a:p>
-            </p:txBody>
-          </p:sp>
-        </mc:Fallback>
-      </mc:AlternateContent>
-      <p:sp>
-        <p:nvSpPr>
-          <p:cNvPr id="5" name="Slide Number Placeholder 4"/>
+      <p:sp>
+        <p:nvSpPr>
+          <p:cNvPr id="3" name="Slide Number Placeholder 2"/>
           <p:cNvSpPr>
             <a:spLocks noGrp="1"/>
           </p:cNvSpPr>
@@ -6267,7 +6523,7 @@
     </p:spTree>
     <p:extLst>
       <p:ext uri="{BB962C8B-B14F-4D97-AF65-F5344CB8AC3E}">
-        <p14:creationId xmlns:p14="http://schemas.microsoft.com/office/powerpoint/2010/main" val="3079218394"/>
+        <p14:creationId xmlns:p14="http://schemas.microsoft.com/office/powerpoint/2010/main" val="1629256139"/>
       </p:ext>
     </p:extLst>
   </p:cSld>
